--- a/docs/BTC Webinar.pptx
+++ b/docs/BTC Webinar.pptx
@@ -3,28 +3,31 @@
 <p:presentation xmlns:a="http://schemas.openxmlformats.org/drawingml/2006/main" xmlns:p="http://schemas.openxmlformats.org/presentationml/2006/main" xmlns:r="http://schemas.openxmlformats.org/officeDocument/2006/relationships">
   <p:sldMasterIdLst>
     <p:sldMasterId id="2147483648" r:id="rId2"/>
+    <p:sldMasterId id="2147483661" r:id="rId3"/>
   </p:sldMasterIdLst>
   <p:sldIdLst>
-    <p:sldId id="256" r:id="rId3"/>
-    <p:sldId id="257" r:id="rId4"/>
-    <p:sldId id="258" r:id="rId5"/>
-    <p:sldId id="259" r:id="rId6"/>
-    <p:sldId id="260" r:id="rId7"/>
-    <p:sldId id="261" r:id="rId8"/>
-    <p:sldId id="262" r:id="rId9"/>
-    <p:sldId id="263" r:id="rId10"/>
-    <p:sldId id="264" r:id="rId11"/>
-    <p:sldId id="265" r:id="rId12"/>
-    <p:sldId id="266" r:id="rId13"/>
-    <p:sldId id="267" r:id="rId14"/>
-    <p:sldId id="268" r:id="rId15"/>
-    <p:sldId id="269" r:id="rId16"/>
-    <p:sldId id="270" r:id="rId17"/>
-    <p:sldId id="271" r:id="rId18"/>
-    <p:sldId id="272" r:id="rId19"/>
-    <p:sldId id="273" r:id="rId20"/>
-    <p:sldId id="274" r:id="rId21"/>
-    <p:sldId id="275" r:id="rId22"/>
+    <p:sldId id="256" r:id="rId4"/>
+    <p:sldId id="257" r:id="rId5"/>
+    <p:sldId id="258" r:id="rId6"/>
+    <p:sldId id="259" r:id="rId7"/>
+    <p:sldId id="260" r:id="rId8"/>
+    <p:sldId id="261" r:id="rId9"/>
+    <p:sldId id="262" r:id="rId10"/>
+    <p:sldId id="263" r:id="rId11"/>
+    <p:sldId id="264" r:id="rId12"/>
+    <p:sldId id="265" r:id="rId13"/>
+    <p:sldId id="266" r:id="rId14"/>
+    <p:sldId id="267" r:id="rId15"/>
+    <p:sldId id="268" r:id="rId16"/>
+    <p:sldId id="269" r:id="rId17"/>
+    <p:sldId id="270" r:id="rId18"/>
+    <p:sldId id="271" r:id="rId19"/>
+    <p:sldId id="272" r:id="rId20"/>
+    <p:sldId id="273" r:id="rId21"/>
+    <p:sldId id="274" r:id="rId22"/>
+    <p:sldId id="275" r:id="rId23"/>
+    <p:sldId id="276" r:id="rId24"/>
+    <p:sldId id="277" r:id="rId25"/>
   </p:sldIdLst>
   <p:sldSz cx="12192000" cy="6858000"/>
   <p:notesSz cx="7559675" cy="10691812"/>
@@ -72,7 +75,7 @@
       </p:grpSpPr>
       <p:sp>
         <p:nvSpPr>
-          <p:cNvPr id="32" name="PlaceHolder 1"/>
+          <p:cNvPr id="29" name="PlaceHolder 1"/>
           <p:cNvSpPr>
             <a:spLocks noGrp="1"/>
           </p:cNvSpPr>
@@ -83,7 +86,7 @@
         <p:spPr>
           <a:xfrm>
             <a:off x="1523880" y="1122480"/>
-            <a:ext cx="9143640" cy="2387520"/>
+            <a:ext cx="9143280" cy="2387520"/>
           </a:xfrm>
           <a:prstGeom prst="rect">
             <a:avLst/>
@@ -92,13 +95,14 @@
         <p:txBody>
           <a:bodyPr lIns="0" rIns="0" tIns="0" bIns="0" anchor="ctr"/>
           <a:p>
-            <a:endParaRPr/>
-          </a:p>
-        </p:txBody>
-      </p:sp>
-      <p:sp>
-        <p:nvSpPr>
-          <p:cNvPr id="33" name="PlaceHolder 2"/>
+            <a:pPr algn="ctr"/>
+            <a:endParaRPr/>
+          </a:p>
+        </p:txBody>
+      </p:sp>
+      <p:sp>
+        <p:nvSpPr>
+          <p:cNvPr id="30" name="PlaceHolder 2"/>
           <p:cNvSpPr>
             <a:spLocks noGrp="1"/>
           </p:cNvSpPr>
@@ -124,7 +128,7 @@
       </p:sp>
       <p:sp>
         <p:nvSpPr>
-          <p:cNvPr id="34" name="PlaceHolder 3"/>
+          <p:cNvPr id="31" name="PlaceHolder 3"/>
           <p:cNvSpPr>
             <a:spLocks noGrp="1"/>
           </p:cNvSpPr>
@@ -172,7 +176,7 @@
       </p:grpSpPr>
       <p:sp>
         <p:nvSpPr>
-          <p:cNvPr id="35" name="PlaceHolder 1"/>
+          <p:cNvPr id="32" name="PlaceHolder 1"/>
           <p:cNvSpPr>
             <a:spLocks noGrp="1"/>
           </p:cNvSpPr>
@@ -183,7 +187,7 @@
         <p:spPr>
           <a:xfrm>
             <a:off x="1523880" y="1122480"/>
-            <a:ext cx="9143640" cy="2387520"/>
+            <a:ext cx="9143280" cy="2387520"/>
           </a:xfrm>
           <a:prstGeom prst="rect">
             <a:avLst/>
@@ -192,13 +196,14 @@
         <p:txBody>
           <a:bodyPr lIns="0" rIns="0" tIns="0" bIns="0" anchor="ctr"/>
           <a:p>
-            <a:endParaRPr/>
-          </a:p>
-        </p:txBody>
-      </p:sp>
-      <p:sp>
-        <p:nvSpPr>
-          <p:cNvPr id="36" name="PlaceHolder 2"/>
+            <a:pPr algn="ctr"/>
+            <a:endParaRPr/>
+          </a:p>
+        </p:txBody>
+      </p:sp>
+      <p:sp>
+        <p:nvSpPr>
+          <p:cNvPr id="33" name="PlaceHolder 2"/>
           <p:cNvSpPr>
             <a:spLocks noGrp="1"/>
           </p:cNvSpPr>
@@ -224,7 +229,7 @@
       </p:sp>
       <p:sp>
         <p:nvSpPr>
-          <p:cNvPr id="37" name="PlaceHolder 3"/>
+          <p:cNvPr id="34" name="PlaceHolder 3"/>
           <p:cNvSpPr>
             <a:spLocks noGrp="1"/>
           </p:cNvSpPr>
@@ -250,7 +255,7 @@
       </p:sp>
       <p:sp>
         <p:nvSpPr>
-          <p:cNvPr id="38" name="PlaceHolder 4"/>
+          <p:cNvPr id="35" name="PlaceHolder 4"/>
           <p:cNvSpPr>
             <a:spLocks noGrp="1"/>
           </p:cNvSpPr>
@@ -276,7 +281,7 @@
       </p:sp>
       <p:sp>
         <p:nvSpPr>
-          <p:cNvPr id="39" name="PlaceHolder 5"/>
+          <p:cNvPr id="36" name="PlaceHolder 5"/>
           <p:cNvSpPr>
             <a:spLocks noGrp="1"/>
           </p:cNvSpPr>
@@ -324,7 +329,7 @@
       </p:grpSpPr>
       <p:sp>
         <p:nvSpPr>
-          <p:cNvPr id="40" name="PlaceHolder 1"/>
+          <p:cNvPr id="37" name="PlaceHolder 1"/>
           <p:cNvSpPr>
             <a:spLocks noGrp="1"/>
           </p:cNvSpPr>
@@ -335,7 +340,7 @@
         <p:spPr>
           <a:xfrm>
             <a:off x="1523880" y="1122480"/>
-            <a:ext cx="9143640" cy="2387520"/>
+            <a:ext cx="9143280" cy="2387520"/>
           </a:xfrm>
           <a:prstGeom prst="rect">
             <a:avLst/>
@@ -344,13 +349,14 @@
         <p:txBody>
           <a:bodyPr lIns="0" rIns="0" tIns="0" bIns="0" anchor="ctr"/>
           <a:p>
-            <a:endParaRPr/>
-          </a:p>
-        </p:txBody>
-      </p:sp>
-      <p:sp>
-        <p:nvSpPr>
-          <p:cNvPr id="41" name="PlaceHolder 2"/>
+            <a:pPr algn="ctr"/>
+            <a:endParaRPr/>
+          </a:p>
+        </p:txBody>
+      </p:sp>
+      <p:sp>
+        <p:nvSpPr>
+          <p:cNvPr id="38" name="PlaceHolder 2"/>
           <p:cNvSpPr>
             <a:spLocks noGrp="1"/>
           </p:cNvSpPr>
@@ -376,7 +382,7 @@
       </p:sp>
       <p:sp>
         <p:nvSpPr>
-          <p:cNvPr id="42" name="PlaceHolder 3"/>
+          <p:cNvPr id="39" name="PlaceHolder 3"/>
           <p:cNvSpPr>
             <a:spLocks noGrp="1"/>
           </p:cNvSpPr>
@@ -402,7 +408,7 @@
       </p:sp>
       <p:pic>
         <p:nvPicPr>
-          <p:cNvPr id="43" name="" descr=""/>
+          <p:cNvPr id="40" name="" descr=""/>
           <p:cNvPicPr/>
           <p:nvPr/>
         </p:nvPicPr>
@@ -427,7 +433,7 @@
       </p:pic>
       <p:pic>
         <p:nvPicPr>
-          <p:cNvPr id="44" name="" descr=""/>
+          <p:cNvPr id="41" name="" descr=""/>
           <p:cNvPicPr/>
           <p:nvPr/>
         </p:nvPicPr>
@@ -450,6 +456,505 @@
           </a:ln>
         </p:spPr>
       </p:pic>
+    </p:spTree>
+  </p:cSld>
+</p:sldLayout>
+</file>
+
+<file path=ppt/slideLayouts/slideLayout13.xml><?xml version="1.0" encoding="utf-8"?>
+<p:sldLayout xmlns:a="http://schemas.openxmlformats.org/drawingml/2006/main" xmlns:p="http://schemas.openxmlformats.org/presentationml/2006/main" xmlns:r="http://schemas.openxmlformats.org/officeDocument/2006/relationships" type="blank" preserve="1">
+  <p:cSld name="Blank Slide">
+    <p:spTree>
+      <p:nvGrpSpPr>
+        <p:cNvPr id="1" name=""/>
+        <p:cNvGrpSpPr/>
+        <p:nvPr/>
+      </p:nvGrpSpPr>
+      <p:grpSpPr>
+        <a:xfrm>
+          <a:off x="0" y="0"/>
+          <a:ext cx="0" cy="0"/>
+          <a:chOff x="0" y="0"/>
+          <a:chExt cx="0" cy="0"/>
+        </a:xfrm>
+      </p:grpSpPr>
+    </p:spTree>
+  </p:cSld>
+</p:sldLayout>
+</file>
+
+<file path=ppt/slideLayouts/slideLayout14.xml><?xml version="1.0" encoding="utf-8"?>
+<p:sldLayout xmlns:a="http://schemas.openxmlformats.org/drawingml/2006/main" xmlns:p="http://schemas.openxmlformats.org/presentationml/2006/main" xmlns:r="http://schemas.openxmlformats.org/officeDocument/2006/relationships" type="tx" preserve="1">
+  <p:cSld name="Title Slide">
+    <p:spTree>
+      <p:nvGrpSpPr>
+        <p:cNvPr id="1" name=""/>
+        <p:cNvGrpSpPr/>
+        <p:nvPr/>
+      </p:nvGrpSpPr>
+      <p:grpSpPr>
+        <a:xfrm>
+          <a:off x="0" y="0"/>
+          <a:ext cx="0" cy="0"/>
+          <a:chOff x="0" y="0"/>
+          <a:chExt cx="0" cy="0"/>
+        </a:xfrm>
+      </p:grpSpPr>
+      <p:sp>
+        <p:nvSpPr>
+          <p:cNvPr id="50" name="PlaceHolder 1"/>
+          <p:cNvSpPr>
+            <a:spLocks noGrp="1"/>
+          </p:cNvSpPr>
+          <p:nvPr>
+            <p:ph type="title"/>
+          </p:nvPr>
+        </p:nvSpPr>
+        <p:spPr>
+          <a:xfrm>
+            <a:off x="1523880" y="1122480"/>
+            <a:ext cx="9143280" cy="2387520"/>
+          </a:xfrm>
+          <a:prstGeom prst="rect">
+            <a:avLst/>
+          </a:prstGeom>
+        </p:spPr>
+        <p:txBody>
+          <a:bodyPr lIns="0" rIns="0" tIns="0" bIns="0" anchor="ctr"/>
+          <a:p>
+            <a:pPr algn="ctr"/>
+            <a:endParaRPr/>
+          </a:p>
+        </p:txBody>
+      </p:sp>
+      <p:sp>
+        <p:nvSpPr>
+          <p:cNvPr id="51" name="PlaceHolder 2"/>
+          <p:cNvSpPr>
+            <a:spLocks noGrp="1"/>
+          </p:cNvSpPr>
+          <p:nvPr>
+            <p:ph type="subTitle"/>
+          </p:nvPr>
+        </p:nvSpPr>
+        <p:spPr>
+          <a:xfrm>
+            <a:off x="609480" y="1604520"/>
+            <a:ext cx="10972440" cy="3977640"/>
+          </a:xfrm>
+          <a:prstGeom prst="rect">
+            <a:avLst/>
+          </a:prstGeom>
+        </p:spPr>
+        <p:txBody>
+          <a:bodyPr lIns="0" rIns="0" tIns="0" bIns="0" anchor="ctr"/>
+          <a:p>
+            <a:pPr algn="ctr"/>
+            <a:endParaRPr/>
+          </a:p>
+        </p:txBody>
+      </p:sp>
+    </p:spTree>
+  </p:cSld>
+</p:sldLayout>
+</file>
+
+<file path=ppt/slideLayouts/slideLayout15.xml><?xml version="1.0" encoding="utf-8"?>
+<p:sldLayout xmlns:a="http://schemas.openxmlformats.org/drawingml/2006/main" xmlns:p="http://schemas.openxmlformats.org/presentationml/2006/main" xmlns:r="http://schemas.openxmlformats.org/officeDocument/2006/relationships" type="obj" preserve="1">
+  <p:cSld name="Title, Content">
+    <p:spTree>
+      <p:nvGrpSpPr>
+        <p:cNvPr id="1" name=""/>
+        <p:cNvGrpSpPr/>
+        <p:nvPr/>
+      </p:nvGrpSpPr>
+      <p:grpSpPr>
+        <a:xfrm>
+          <a:off x="0" y="0"/>
+          <a:ext cx="0" cy="0"/>
+          <a:chOff x="0" y="0"/>
+          <a:chExt cx="0" cy="0"/>
+        </a:xfrm>
+      </p:grpSpPr>
+      <p:sp>
+        <p:nvSpPr>
+          <p:cNvPr id="52" name="PlaceHolder 1"/>
+          <p:cNvSpPr>
+            <a:spLocks noGrp="1"/>
+          </p:cNvSpPr>
+          <p:nvPr>
+            <p:ph type="title"/>
+          </p:nvPr>
+        </p:nvSpPr>
+        <p:spPr>
+          <a:xfrm>
+            <a:off x="1523880" y="1122480"/>
+            <a:ext cx="9143280" cy="2387520"/>
+          </a:xfrm>
+          <a:prstGeom prst="rect">
+            <a:avLst/>
+          </a:prstGeom>
+        </p:spPr>
+        <p:txBody>
+          <a:bodyPr lIns="0" rIns="0" tIns="0" bIns="0" anchor="ctr"/>
+          <a:p>
+            <a:pPr algn="ctr"/>
+            <a:endParaRPr/>
+          </a:p>
+        </p:txBody>
+      </p:sp>
+      <p:sp>
+        <p:nvSpPr>
+          <p:cNvPr id="53" name="PlaceHolder 2"/>
+          <p:cNvSpPr>
+            <a:spLocks noGrp="1"/>
+          </p:cNvSpPr>
+          <p:nvPr>
+            <p:ph type="body"/>
+          </p:nvPr>
+        </p:nvSpPr>
+        <p:spPr>
+          <a:xfrm>
+            <a:off x="609480" y="1604520"/>
+            <a:ext cx="10972440" cy="3977280"/>
+          </a:xfrm>
+          <a:prstGeom prst="rect">
+            <a:avLst/>
+          </a:prstGeom>
+        </p:spPr>
+        <p:txBody>
+          <a:bodyPr lIns="0" rIns="0" tIns="0" bIns="0"/>
+          <a:p>
+            <a:endParaRPr/>
+          </a:p>
+        </p:txBody>
+      </p:sp>
+    </p:spTree>
+  </p:cSld>
+</p:sldLayout>
+</file>
+
+<file path=ppt/slideLayouts/slideLayout16.xml><?xml version="1.0" encoding="utf-8"?>
+<p:sldLayout xmlns:a="http://schemas.openxmlformats.org/drawingml/2006/main" xmlns:p="http://schemas.openxmlformats.org/presentationml/2006/main" xmlns:r="http://schemas.openxmlformats.org/officeDocument/2006/relationships" type="twoObj" preserve="1">
+  <p:cSld name="Title, 2 Content">
+    <p:spTree>
+      <p:nvGrpSpPr>
+        <p:cNvPr id="1" name=""/>
+        <p:cNvGrpSpPr/>
+        <p:nvPr/>
+      </p:nvGrpSpPr>
+      <p:grpSpPr>
+        <a:xfrm>
+          <a:off x="0" y="0"/>
+          <a:ext cx="0" cy="0"/>
+          <a:chOff x="0" y="0"/>
+          <a:chExt cx="0" cy="0"/>
+        </a:xfrm>
+      </p:grpSpPr>
+      <p:sp>
+        <p:nvSpPr>
+          <p:cNvPr id="54" name="PlaceHolder 1"/>
+          <p:cNvSpPr>
+            <a:spLocks noGrp="1"/>
+          </p:cNvSpPr>
+          <p:nvPr>
+            <p:ph type="title"/>
+          </p:nvPr>
+        </p:nvSpPr>
+        <p:spPr>
+          <a:xfrm>
+            <a:off x="1523880" y="1122480"/>
+            <a:ext cx="9143280" cy="2387520"/>
+          </a:xfrm>
+          <a:prstGeom prst="rect">
+            <a:avLst/>
+          </a:prstGeom>
+        </p:spPr>
+        <p:txBody>
+          <a:bodyPr lIns="0" rIns="0" tIns="0" bIns="0" anchor="ctr"/>
+          <a:p>
+            <a:pPr algn="ctr"/>
+            <a:endParaRPr/>
+          </a:p>
+        </p:txBody>
+      </p:sp>
+      <p:sp>
+        <p:nvSpPr>
+          <p:cNvPr id="55" name="PlaceHolder 2"/>
+          <p:cNvSpPr>
+            <a:spLocks noGrp="1"/>
+          </p:cNvSpPr>
+          <p:nvPr>
+            <p:ph type="body"/>
+          </p:nvPr>
+        </p:nvSpPr>
+        <p:spPr>
+          <a:xfrm>
+            <a:off x="609480" y="1604520"/>
+            <a:ext cx="5354280" cy="3977280"/>
+          </a:xfrm>
+          <a:prstGeom prst="rect">
+            <a:avLst/>
+          </a:prstGeom>
+        </p:spPr>
+        <p:txBody>
+          <a:bodyPr lIns="0" rIns="0" tIns="0" bIns="0"/>
+          <a:p>
+            <a:endParaRPr/>
+          </a:p>
+        </p:txBody>
+      </p:sp>
+      <p:sp>
+        <p:nvSpPr>
+          <p:cNvPr id="56" name="PlaceHolder 3"/>
+          <p:cNvSpPr>
+            <a:spLocks noGrp="1"/>
+          </p:cNvSpPr>
+          <p:nvPr>
+            <p:ph type="body"/>
+          </p:nvPr>
+        </p:nvSpPr>
+        <p:spPr>
+          <a:xfrm>
+            <a:off x="6231960" y="1604520"/>
+            <a:ext cx="5354280" cy="3977280"/>
+          </a:xfrm>
+          <a:prstGeom prst="rect">
+            <a:avLst/>
+          </a:prstGeom>
+        </p:spPr>
+        <p:txBody>
+          <a:bodyPr lIns="0" rIns="0" tIns="0" bIns="0"/>
+          <a:p>
+            <a:endParaRPr/>
+          </a:p>
+        </p:txBody>
+      </p:sp>
+    </p:spTree>
+  </p:cSld>
+</p:sldLayout>
+</file>
+
+<file path=ppt/slideLayouts/slideLayout17.xml><?xml version="1.0" encoding="utf-8"?>
+<p:sldLayout xmlns:a="http://schemas.openxmlformats.org/drawingml/2006/main" xmlns:p="http://schemas.openxmlformats.org/presentationml/2006/main" xmlns:r="http://schemas.openxmlformats.org/officeDocument/2006/relationships" type="titleOnly" preserve="1">
+  <p:cSld name="Title Only">
+    <p:spTree>
+      <p:nvGrpSpPr>
+        <p:cNvPr id="1" name=""/>
+        <p:cNvGrpSpPr/>
+        <p:nvPr/>
+      </p:nvGrpSpPr>
+      <p:grpSpPr>
+        <a:xfrm>
+          <a:off x="0" y="0"/>
+          <a:ext cx="0" cy="0"/>
+          <a:chOff x="0" y="0"/>
+          <a:chExt cx="0" cy="0"/>
+        </a:xfrm>
+      </p:grpSpPr>
+      <p:sp>
+        <p:nvSpPr>
+          <p:cNvPr id="57" name="PlaceHolder 1"/>
+          <p:cNvSpPr>
+            <a:spLocks noGrp="1"/>
+          </p:cNvSpPr>
+          <p:nvPr>
+            <p:ph type="title"/>
+          </p:nvPr>
+        </p:nvSpPr>
+        <p:spPr>
+          <a:xfrm>
+            <a:off x="1523880" y="1122480"/>
+            <a:ext cx="9143280" cy="2387520"/>
+          </a:xfrm>
+          <a:prstGeom prst="rect">
+            <a:avLst/>
+          </a:prstGeom>
+        </p:spPr>
+        <p:txBody>
+          <a:bodyPr lIns="0" rIns="0" tIns="0" bIns="0" anchor="ctr"/>
+          <a:p>
+            <a:pPr algn="ctr"/>
+            <a:endParaRPr/>
+          </a:p>
+        </p:txBody>
+      </p:sp>
+    </p:spTree>
+  </p:cSld>
+</p:sldLayout>
+</file>
+
+<file path=ppt/slideLayouts/slideLayout18.xml><?xml version="1.0" encoding="utf-8"?>
+<p:sldLayout xmlns:a="http://schemas.openxmlformats.org/drawingml/2006/main" xmlns:p="http://schemas.openxmlformats.org/presentationml/2006/main" xmlns:r="http://schemas.openxmlformats.org/officeDocument/2006/relationships" type="objOnly" preserve="1">
+  <p:cSld name="Centered Text">
+    <p:spTree>
+      <p:nvGrpSpPr>
+        <p:cNvPr id="1" name=""/>
+        <p:cNvGrpSpPr/>
+        <p:nvPr/>
+      </p:nvGrpSpPr>
+      <p:grpSpPr>
+        <a:xfrm>
+          <a:off x="0" y="0"/>
+          <a:ext cx="0" cy="0"/>
+          <a:chOff x="0" y="0"/>
+          <a:chExt cx="0" cy="0"/>
+        </a:xfrm>
+      </p:grpSpPr>
+      <p:sp>
+        <p:nvSpPr>
+          <p:cNvPr id="58" name="PlaceHolder 1"/>
+          <p:cNvSpPr>
+            <a:spLocks noGrp="1"/>
+          </p:cNvSpPr>
+          <p:nvPr>
+            <p:ph type="subTitle"/>
+          </p:nvPr>
+        </p:nvSpPr>
+        <p:spPr>
+          <a:xfrm>
+            <a:off x="1523880" y="1122480"/>
+            <a:ext cx="9143280" cy="11067120"/>
+          </a:xfrm>
+          <a:prstGeom prst="rect">
+            <a:avLst/>
+          </a:prstGeom>
+        </p:spPr>
+        <p:txBody>
+          <a:bodyPr lIns="0" rIns="0" tIns="0" bIns="0" anchor="ctr"/>
+          <a:p>
+            <a:pPr algn="ctr"/>
+            <a:endParaRPr/>
+          </a:p>
+        </p:txBody>
+      </p:sp>
+    </p:spTree>
+  </p:cSld>
+</p:sldLayout>
+</file>
+
+<file path=ppt/slideLayouts/slideLayout19.xml><?xml version="1.0" encoding="utf-8"?>
+<p:sldLayout xmlns:a="http://schemas.openxmlformats.org/drawingml/2006/main" xmlns:p="http://schemas.openxmlformats.org/presentationml/2006/main" xmlns:r="http://schemas.openxmlformats.org/officeDocument/2006/relationships" type="twoObjAndObj" preserve="1">
+  <p:cSld name="Title, 2 Content and Content">
+    <p:spTree>
+      <p:nvGrpSpPr>
+        <p:cNvPr id="1" name=""/>
+        <p:cNvGrpSpPr/>
+        <p:nvPr/>
+      </p:nvGrpSpPr>
+      <p:grpSpPr>
+        <a:xfrm>
+          <a:off x="0" y="0"/>
+          <a:ext cx="0" cy="0"/>
+          <a:chOff x="0" y="0"/>
+          <a:chExt cx="0" cy="0"/>
+        </a:xfrm>
+      </p:grpSpPr>
+      <p:sp>
+        <p:nvSpPr>
+          <p:cNvPr id="59" name="PlaceHolder 1"/>
+          <p:cNvSpPr>
+            <a:spLocks noGrp="1"/>
+          </p:cNvSpPr>
+          <p:nvPr>
+            <p:ph type="title"/>
+          </p:nvPr>
+        </p:nvSpPr>
+        <p:spPr>
+          <a:xfrm>
+            <a:off x="1523880" y="1122480"/>
+            <a:ext cx="9143280" cy="2387520"/>
+          </a:xfrm>
+          <a:prstGeom prst="rect">
+            <a:avLst/>
+          </a:prstGeom>
+        </p:spPr>
+        <p:txBody>
+          <a:bodyPr lIns="0" rIns="0" tIns="0" bIns="0" anchor="ctr"/>
+          <a:p>
+            <a:pPr algn="ctr"/>
+            <a:endParaRPr/>
+          </a:p>
+        </p:txBody>
+      </p:sp>
+      <p:sp>
+        <p:nvSpPr>
+          <p:cNvPr id="60" name="PlaceHolder 2"/>
+          <p:cNvSpPr>
+            <a:spLocks noGrp="1"/>
+          </p:cNvSpPr>
+          <p:nvPr>
+            <p:ph type="body"/>
+          </p:nvPr>
+        </p:nvSpPr>
+        <p:spPr>
+          <a:xfrm>
+            <a:off x="609480" y="1604520"/>
+            <a:ext cx="5354280" cy="1896840"/>
+          </a:xfrm>
+          <a:prstGeom prst="rect">
+            <a:avLst/>
+          </a:prstGeom>
+        </p:spPr>
+        <p:txBody>
+          <a:bodyPr lIns="0" rIns="0" tIns="0" bIns="0"/>
+          <a:p>
+            <a:endParaRPr/>
+          </a:p>
+        </p:txBody>
+      </p:sp>
+      <p:sp>
+        <p:nvSpPr>
+          <p:cNvPr id="61" name="PlaceHolder 3"/>
+          <p:cNvSpPr>
+            <a:spLocks noGrp="1"/>
+          </p:cNvSpPr>
+          <p:nvPr>
+            <p:ph type="body"/>
+          </p:nvPr>
+        </p:nvSpPr>
+        <p:spPr>
+          <a:xfrm>
+            <a:off x="609480" y="3682080"/>
+            <a:ext cx="5354280" cy="1896840"/>
+          </a:xfrm>
+          <a:prstGeom prst="rect">
+            <a:avLst/>
+          </a:prstGeom>
+        </p:spPr>
+        <p:txBody>
+          <a:bodyPr lIns="0" rIns="0" tIns="0" bIns="0"/>
+          <a:p>
+            <a:endParaRPr/>
+          </a:p>
+        </p:txBody>
+      </p:sp>
+      <p:sp>
+        <p:nvSpPr>
+          <p:cNvPr id="62" name="PlaceHolder 4"/>
+          <p:cNvSpPr>
+            <a:spLocks noGrp="1"/>
+          </p:cNvSpPr>
+          <p:nvPr>
+            <p:ph type="body"/>
+          </p:nvPr>
+        </p:nvSpPr>
+        <p:spPr>
+          <a:xfrm>
+            <a:off x="6231960" y="1604520"/>
+            <a:ext cx="5354280" cy="3977280"/>
+          </a:xfrm>
+          <a:prstGeom prst="rect">
+            <a:avLst/>
+          </a:prstGeom>
+        </p:spPr>
+        <p:txBody>
+          <a:bodyPr lIns="0" rIns="0" tIns="0" bIns="0"/>
+          <a:p>
+            <a:endParaRPr/>
+          </a:p>
+        </p:txBody>
+      </p:sp>
     </p:spTree>
   </p:cSld>
 </p:sldLayout>
@@ -474,7 +979,7 @@
       </p:grpSpPr>
       <p:sp>
         <p:nvSpPr>
-          <p:cNvPr id="11" name="PlaceHolder 1"/>
+          <p:cNvPr id="8" name="PlaceHolder 1"/>
           <p:cNvSpPr>
             <a:spLocks noGrp="1"/>
           </p:cNvSpPr>
@@ -485,7 +990,7 @@
         <p:spPr>
           <a:xfrm>
             <a:off x="1523880" y="1122480"/>
-            <a:ext cx="9143640" cy="2387520"/>
+            <a:ext cx="9143280" cy="2387520"/>
           </a:xfrm>
           <a:prstGeom prst="rect">
             <a:avLst/>
@@ -494,13 +999,14 @@
         <p:txBody>
           <a:bodyPr lIns="0" rIns="0" tIns="0" bIns="0" anchor="ctr"/>
           <a:p>
-            <a:endParaRPr/>
-          </a:p>
-        </p:txBody>
-      </p:sp>
-      <p:sp>
-        <p:nvSpPr>
-          <p:cNvPr id="12" name="PlaceHolder 2"/>
+            <a:pPr algn="ctr"/>
+            <a:endParaRPr/>
+          </a:p>
+        </p:txBody>
+      </p:sp>
+      <p:sp>
+        <p:nvSpPr>
+          <p:cNvPr id="9" name="PlaceHolder 2"/>
           <p:cNvSpPr>
             <a:spLocks noGrp="1"/>
           </p:cNvSpPr>
@@ -525,6 +1031,665 @@
           </a:p>
         </p:txBody>
       </p:sp>
+    </p:spTree>
+  </p:cSld>
+</p:sldLayout>
+</file>
+
+<file path=ppt/slideLayouts/slideLayout20.xml><?xml version="1.0" encoding="utf-8"?>
+<p:sldLayout xmlns:a="http://schemas.openxmlformats.org/drawingml/2006/main" xmlns:p="http://schemas.openxmlformats.org/presentationml/2006/main" xmlns:r="http://schemas.openxmlformats.org/officeDocument/2006/relationships" type="objAndTwoObj" preserve="1">
+  <p:cSld name="Title Content and 2 Content">
+    <p:spTree>
+      <p:nvGrpSpPr>
+        <p:cNvPr id="1" name=""/>
+        <p:cNvGrpSpPr/>
+        <p:nvPr/>
+      </p:nvGrpSpPr>
+      <p:grpSpPr>
+        <a:xfrm>
+          <a:off x="0" y="0"/>
+          <a:ext cx="0" cy="0"/>
+          <a:chOff x="0" y="0"/>
+          <a:chExt cx="0" cy="0"/>
+        </a:xfrm>
+      </p:grpSpPr>
+      <p:sp>
+        <p:nvSpPr>
+          <p:cNvPr id="63" name="PlaceHolder 1"/>
+          <p:cNvSpPr>
+            <a:spLocks noGrp="1"/>
+          </p:cNvSpPr>
+          <p:nvPr>
+            <p:ph type="title"/>
+          </p:nvPr>
+        </p:nvSpPr>
+        <p:spPr>
+          <a:xfrm>
+            <a:off x="1523880" y="1122480"/>
+            <a:ext cx="9143280" cy="2387520"/>
+          </a:xfrm>
+          <a:prstGeom prst="rect">
+            <a:avLst/>
+          </a:prstGeom>
+        </p:spPr>
+        <p:txBody>
+          <a:bodyPr lIns="0" rIns="0" tIns="0" bIns="0" anchor="ctr"/>
+          <a:p>
+            <a:pPr algn="ctr"/>
+            <a:endParaRPr/>
+          </a:p>
+        </p:txBody>
+      </p:sp>
+      <p:sp>
+        <p:nvSpPr>
+          <p:cNvPr id="64" name="PlaceHolder 2"/>
+          <p:cNvSpPr>
+            <a:spLocks noGrp="1"/>
+          </p:cNvSpPr>
+          <p:nvPr>
+            <p:ph type="body"/>
+          </p:nvPr>
+        </p:nvSpPr>
+        <p:spPr>
+          <a:xfrm>
+            <a:off x="609480" y="1604520"/>
+            <a:ext cx="5354280" cy="3977280"/>
+          </a:xfrm>
+          <a:prstGeom prst="rect">
+            <a:avLst/>
+          </a:prstGeom>
+        </p:spPr>
+        <p:txBody>
+          <a:bodyPr lIns="0" rIns="0" tIns="0" bIns="0"/>
+          <a:p>
+            <a:endParaRPr/>
+          </a:p>
+        </p:txBody>
+      </p:sp>
+      <p:sp>
+        <p:nvSpPr>
+          <p:cNvPr id="65" name="PlaceHolder 3"/>
+          <p:cNvSpPr>
+            <a:spLocks noGrp="1"/>
+          </p:cNvSpPr>
+          <p:nvPr>
+            <p:ph type="body"/>
+          </p:nvPr>
+        </p:nvSpPr>
+        <p:spPr>
+          <a:xfrm>
+            <a:off x="6231960" y="1604520"/>
+            <a:ext cx="5354280" cy="1896840"/>
+          </a:xfrm>
+          <a:prstGeom prst="rect">
+            <a:avLst/>
+          </a:prstGeom>
+        </p:spPr>
+        <p:txBody>
+          <a:bodyPr lIns="0" rIns="0" tIns="0" bIns="0"/>
+          <a:p>
+            <a:endParaRPr/>
+          </a:p>
+        </p:txBody>
+      </p:sp>
+      <p:sp>
+        <p:nvSpPr>
+          <p:cNvPr id="66" name="PlaceHolder 4"/>
+          <p:cNvSpPr>
+            <a:spLocks noGrp="1"/>
+          </p:cNvSpPr>
+          <p:nvPr>
+            <p:ph type="body"/>
+          </p:nvPr>
+        </p:nvSpPr>
+        <p:spPr>
+          <a:xfrm>
+            <a:off x="6231960" y="3682080"/>
+            <a:ext cx="5354280" cy="1896840"/>
+          </a:xfrm>
+          <a:prstGeom prst="rect">
+            <a:avLst/>
+          </a:prstGeom>
+        </p:spPr>
+        <p:txBody>
+          <a:bodyPr lIns="0" rIns="0" tIns="0" bIns="0"/>
+          <a:p>
+            <a:endParaRPr/>
+          </a:p>
+        </p:txBody>
+      </p:sp>
+    </p:spTree>
+  </p:cSld>
+</p:sldLayout>
+</file>
+
+<file path=ppt/slideLayouts/slideLayout21.xml><?xml version="1.0" encoding="utf-8"?>
+<p:sldLayout xmlns:a="http://schemas.openxmlformats.org/drawingml/2006/main" xmlns:p="http://schemas.openxmlformats.org/presentationml/2006/main" xmlns:r="http://schemas.openxmlformats.org/officeDocument/2006/relationships" type="twoObjOverTx" preserve="1">
+  <p:cSld name="Title, 2 Content over Content">
+    <p:spTree>
+      <p:nvGrpSpPr>
+        <p:cNvPr id="1" name=""/>
+        <p:cNvGrpSpPr/>
+        <p:nvPr/>
+      </p:nvGrpSpPr>
+      <p:grpSpPr>
+        <a:xfrm>
+          <a:off x="0" y="0"/>
+          <a:ext cx="0" cy="0"/>
+          <a:chOff x="0" y="0"/>
+          <a:chExt cx="0" cy="0"/>
+        </a:xfrm>
+      </p:grpSpPr>
+      <p:sp>
+        <p:nvSpPr>
+          <p:cNvPr id="67" name="PlaceHolder 1"/>
+          <p:cNvSpPr>
+            <a:spLocks noGrp="1"/>
+          </p:cNvSpPr>
+          <p:nvPr>
+            <p:ph type="title"/>
+          </p:nvPr>
+        </p:nvSpPr>
+        <p:spPr>
+          <a:xfrm>
+            <a:off x="1523880" y="1122480"/>
+            <a:ext cx="9143280" cy="2387520"/>
+          </a:xfrm>
+          <a:prstGeom prst="rect">
+            <a:avLst/>
+          </a:prstGeom>
+        </p:spPr>
+        <p:txBody>
+          <a:bodyPr lIns="0" rIns="0" tIns="0" bIns="0" anchor="ctr"/>
+          <a:p>
+            <a:pPr algn="ctr"/>
+            <a:endParaRPr/>
+          </a:p>
+        </p:txBody>
+      </p:sp>
+      <p:sp>
+        <p:nvSpPr>
+          <p:cNvPr id="68" name="PlaceHolder 2"/>
+          <p:cNvSpPr>
+            <a:spLocks noGrp="1"/>
+          </p:cNvSpPr>
+          <p:nvPr>
+            <p:ph type="body"/>
+          </p:nvPr>
+        </p:nvSpPr>
+        <p:spPr>
+          <a:xfrm>
+            <a:off x="609480" y="1604520"/>
+            <a:ext cx="5354280" cy="1896840"/>
+          </a:xfrm>
+          <a:prstGeom prst="rect">
+            <a:avLst/>
+          </a:prstGeom>
+        </p:spPr>
+        <p:txBody>
+          <a:bodyPr lIns="0" rIns="0" tIns="0" bIns="0"/>
+          <a:p>
+            <a:endParaRPr/>
+          </a:p>
+        </p:txBody>
+      </p:sp>
+      <p:sp>
+        <p:nvSpPr>
+          <p:cNvPr id="69" name="PlaceHolder 3"/>
+          <p:cNvSpPr>
+            <a:spLocks noGrp="1"/>
+          </p:cNvSpPr>
+          <p:nvPr>
+            <p:ph type="body"/>
+          </p:nvPr>
+        </p:nvSpPr>
+        <p:spPr>
+          <a:xfrm>
+            <a:off x="6231960" y="1604520"/>
+            <a:ext cx="5354280" cy="1896840"/>
+          </a:xfrm>
+          <a:prstGeom prst="rect">
+            <a:avLst/>
+          </a:prstGeom>
+        </p:spPr>
+        <p:txBody>
+          <a:bodyPr lIns="0" rIns="0" tIns="0" bIns="0"/>
+          <a:p>
+            <a:endParaRPr/>
+          </a:p>
+        </p:txBody>
+      </p:sp>
+      <p:sp>
+        <p:nvSpPr>
+          <p:cNvPr id="70" name="PlaceHolder 4"/>
+          <p:cNvSpPr>
+            <a:spLocks noGrp="1"/>
+          </p:cNvSpPr>
+          <p:nvPr>
+            <p:ph type="body"/>
+          </p:nvPr>
+        </p:nvSpPr>
+        <p:spPr>
+          <a:xfrm>
+            <a:off x="609480" y="3682080"/>
+            <a:ext cx="10972440" cy="1896840"/>
+          </a:xfrm>
+          <a:prstGeom prst="rect">
+            <a:avLst/>
+          </a:prstGeom>
+        </p:spPr>
+        <p:txBody>
+          <a:bodyPr lIns="0" rIns="0" tIns="0" bIns="0"/>
+          <a:p>
+            <a:endParaRPr/>
+          </a:p>
+        </p:txBody>
+      </p:sp>
+    </p:spTree>
+  </p:cSld>
+</p:sldLayout>
+</file>
+
+<file path=ppt/slideLayouts/slideLayout22.xml><?xml version="1.0" encoding="utf-8"?>
+<p:sldLayout xmlns:a="http://schemas.openxmlformats.org/drawingml/2006/main" xmlns:p="http://schemas.openxmlformats.org/presentationml/2006/main" xmlns:r="http://schemas.openxmlformats.org/officeDocument/2006/relationships" type="objOverTx" preserve="1">
+  <p:cSld name="Title, Content over Content">
+    <p:spTree>
+      <p:nvGrpSpPr>
+        <p:cNvPr id="1" name=""/>
+        <p:cNvGrpSpPr/>
+        <p:nvPr/>
+      </p:nvGrpSpPr>
+      <p:grpSpPr>
+        <a:xfrm>
+          <a:off x="0" y="0"/>
+          <a:ext cx="0" cy="0"/>
+          <a:chOff x="0" y="0"/>
+          <a:chExt cx="0" cy="0"/>
+        </a:xfrm>
+      </p:grpSpPr>
+      <p:sp>
+        <p:nvSpPr>
+          <p:cNvPr id="71" name="PlaceHolder 1"/>
+          <p:cNvSpPr>
+            <a:spLocks noGrp="1"/>
+          </p:cNvSpPr>
+          <p:nvPr>
+            <p:ph type="title"/>
+          </p:nvPr>
+        </p:nvSpPr>
+        <p:spPr>
+          <a:xfrm>
+            <a:off x="1523880" y="1122480"/>
+            <a:ext cx="9143280" cy="2387520"/>
+          </a:xfrm>
+          <a:prstGeom prst="rect">
+            <a:avLst/>
+          </a:prstGeom>
+        </p:spPr>
+        <p:txBody>
+          <a:bodyPr lIns="0" rIns="0" tIns="0" bIns="0" anchor="ctr"/>
+          <a:p>
+            <a:pPr algn="ctr"/>
+            <a:endParaRPr/>
+          </a:p>
+        </p:txBody>
+      </p:sp>
+      <p:sp>
+        <p:nvSpPr>
+          <p:cNvPr id="72" name="PlaceHolder 2"/>
+          <p:cNvSpPr>
+            <a:spLocks noGrp="1"/>
+          </p:cNvSpPr>
+          <p:nvPr>
+            <p:ph type="body"/>
+          </p:nvPr>
+        </p:nvSpPr>
+        <p:spPr>
+          <a:xfrm>
+            <a:off x="609480" y="1604520"/>
+            <a:ext cx="10972440" cy="1896840"/>
+          </a:xfrm>
+          <a:prstGeom prst="rect">
+            <a:avLst/>
+          </a:prstGeom>
+        </p:spPr>
+        <p:txBody>
+          <a:bodyPr lIns="0" rIns="0" tIns="0" bIns="0"/>
+          <a:p>
+            <a:endParaRPr/>
+          </a:p>
+        </p:txBody>
+      </p:sp>
+      <p:sp>
+        <p:nvSpPr>
+          <p:cNvPr id="73" name="PlaceHolder 3"/>
+          <p:cNvSpPr>
+            <a:spLocks noGrp="1"/>
+          </p:cNvSpPr>
+          <p:nvPr>
+            <p:ph type="body"/>
+          </p:nvPr>
+        </p:nvSpPr>
+        <p:spPr>
+          <a:xfrm>
+            <a:off x="609480" y="3682080"/>
+            <a:ext cx="10972440" cy="1896840"/>
+          </a:xfrm>
+          <a:prstGeom prst="rect">
+            <a:avLst/>
+          </a:prstGeom>
+        </p:spPr>
+        <p:txBody>
+          <a:bodyPr lIns="0" rIns="0" tIns="0" bIns="0"/>
+          <a:p>
+            <a:endParaRPr/>
+          </a:p>
+        </p:txBody>
+      </p:sp>
+    </p:spTree>
+  </p:cSld>
+</p:sldLayout>
+</file>
+
+<file path=ppt/slideLayouts/slideLayout23.xml><?xml version="1.0" encoding="utf-8"?>
+<p:sldLayout xmlns:a="http://schemas.openxmlformats.org/drawingml/2006/main" xmlns:p="http://schemas.openxmlformats.org/presentationml/2006/main" xmlns:r="http://schemas.openxmlformats.org/officeDocument/2006/relationships" type="fourObj" preserve="1">
+  <p:cSld name="Title, 4 Content">
+    <p:spTree>
+      <p:nvGrpSpPr>
+        <p:cNvPr id="1" name=""/>
+        <p:cNvGrpSpPr/>
+        <p:nvPr/>
+      </p:nvGrpSpPr>
+      <p:grpSpPr>
+        <a:xfrm>
+          <a:off x="0" y="0"/>
+          <a:ext cx="0" cy="0"/>
+          <a:chOff x="0" y="0"/>
+          <a:chExt cx="0" cy="0"/>
+        </a:xfrm>
+      </p:grpSpPr>
+      <p:sp>
+        <p:nvSpPr>
+          <p:cNvPr id="74" name="PlaceHolder 1"/>
+          <p:cNvSpPr>
+            <a:spLocks noGrp="1"/>
+          </p:cNvSpPr>
+          <p:nvPr>
+            <p:ph type="title"/>
+          </p:nvPr>
+        </p:nvSpPr>
+        <p:spPr>
+          <a:xfrm>
+            <a:off x="1523880" y="1122480"/>
+            <a:ext cx="9143280" cy="2387520"/>
+          </a:xfrm>
+          <a:prstGeom prst="rect">
+            <a:avLst/>
+          </a:prstGeom>
+        </p:spPr>
+        <p:txBody>
+          <a:bodyPr lIns="0" rIns="0" tIns="0" bIns="0" anchor="ctr"/>
+          <a:p>
+            <a:pPr algn="ctr"/>
+            <a:endParaRPr/>
+          </a:p>
+        </p:txBody>
+      </p:sp>
+      <p:sp>
+        <p:nvSpPr>
+          <p:cNvPr id="75" name="PlaceHolder 2"/>
+          <p:cNvSpPr>
+            <a:spLocks noGrp="1"/>
+          </p:cNvSpPr>
+          <p:nvPr>
+            <p:ph type="body"/>
+          </p:nvPr>
+        </p:nvSpPr>
+        <p:spPr>
+          <a:xfrm>
+            <a:off x="609480" y="1604520"/>
+            <a:ext cx="5354280" cy="1896840"/>
+          </a:xfrm>
+          <a:prstGeom prst="rect">
+            <a:avLst/>
+          </a:prstGeom>
+        </p:spPr>
+        <p:txBody>
+          <a:bodyPr lIns="0" rIns="0" tIns="0" bIns="0"/>
+          <a:p>
+            <a:endParaRPr/>
+          </a:p>
+        </p:txBody>
+      </p:sp>
+      <p:sp>
+        <p:nvSpPr>
+          <p:cNvPr id="76" name="PlaceHolder 3"/>
+          <p:cNvSpPr>
+            <a:spLocks noGrp="1"/>
+          </p:cNvSpPr>
+          <p:nvPr>
+            <p:ph type="body"/>
+          </p:nvPr>
+        </p:nvSpPr>
+        <p:spPr>
+          <a:xfrm>
+            <a:off x="6231960" y="1604520"/>
+            <a:ext cx="5354280" cy="1896840"/>
+          </a:xfrm>
+          <a:prstGeom prst="rect">
+            <a:avLst/>
+          </a:prstGeom>
+        </p:spPr>
+        <p:txBody>
+          <a:bodyPr lIns="0" rIns="0" tIns="0" bIns="0"/>
+          <a:p>
+            <a:endParaRPr/>
+          </a:p>
+        </p:txBody>
+      </p:sp>
+      <p:sp>
+        <p:nvSpPr>
+          <p:cNvPr id="77" name="PlaceHolder 4"/>
+          <p:cNvSpPr>
+            <a:spLocks noGrp="1"/>
+          </p:cNvSpPr>
+          <p:nvPr>
+            <p:ph type="body"/>
+          </p:nvPr>
+        </p:nvSpPr>
+        <p:spPr>
+          <a:xfrm>
+            <a:off x="6231960" y="3682080"/>
+            <a:ext cx="5354280" cy="1896840"/>
+          </a:xfrm>
+          <a:prstGeom prst="rect">
+            <a:avLst/>
+          </a:prstGeom>
+        </p:spPr>
+        <p:txBody>
+          <a:bodyPr lIns="0" rIns="0" tIns="0" bIns="0"/>
+          <a:p>
+            <a:endParaRPr/>
+          </a:p>
+        </p:txBody>
+      </p:sp>
+      <p:sp>
+        <p:nvSpPr>
+          <p:cNvPr id="78" name="PlaceHolder 5"/>
+          <p:cNvSpPr>
+            <a:spLocks noGrp="1"/>
+          </p:cNvSpPr>
+          <p:nvPr>
+            <p:ph type="body"/>
+          </p:nvPr>
+        </p:nvSpPr>
+        <p:spPr>
+          <a:xfrm>
+            <a:off x="609480" y="3682080"/>
+            <a:ext cx="5354280" cy="1896840"/>
+          </a:xfrm>
+          <a:prstGeom prst="rect">
+            <a:avLst/>
+          </a:prstGeom>
+        </p:spPr>
+        <p:txBody>
+          <a:bodyPr lIns="0" rIns="0" tIns="0" bIns="0"/>
+          <a:p>
+            <a:endParaRPr/>
+          </a:p>
+        </p:txBody>
+      </p:sp>
+    </p:spTree>
+  </p:cSld>
+</p:sldLayout>
+</file>
+
+<file path=ppt/slideLayouts/slideLayout24.xml><?xml version="1.0" encoding="utf-8"?>
+<p:sldLayout xmlns:a="http://schemas.openxmlformats.org/drawingml/2006/main" xmlns:p="http://schemas.openxmlformats.org/presentationml/2006/main" xmlns:r="http://schemas.openxmlformats.org/officeDocument/2006/relationships" type="blank" preserve="1">
+  <p:cSld name="Title, 6 Content">
+    <p:spTree>
+      <p:nvGrpSpPr>
+        <p:cNvPr id="1" name=""/>
+        <p:cNvGrpSpPr/>
+        <p:nvPr/>
+      </p:nvGrpSpPr>
+      <p:grpSpPr>
+        <a:xfrm>
+          <a:off x="0" y="0"/>
+          <a:ext cx="0" cy="0"/>
+          <a:chOff x="0" y="0"/>
+          <a:chExt cx="0" cy="0"/>
+        </a:xfrm>
+      </p:grpSpPr>
+      <p:sp>
+        <p:nvSpPr>
+          <p:cNvPr id="79" name="PlaceHolder 1"/>
+          <p:cNvSpPr>
+            <a:spLocks noGrp="1"/>
+          </p:cNvSpPr>
+          <p:nvPr>
+            <p:ph type="title"/>
+          </p:nvPr>
+        </p:nvSpPr>
+        <p:spPr>
+          <a:xfrm>
+            <a:off x="1523880" y="1122480"/>
+            <a:ext cx="9143280" cy="2387520"/>
+          </a:xfrm>
+          <a:prstGeom prst="rect">
+            <a:avLst/>
+          </a:prstGeom>
+        </p:spPr>
+        <p:txBody>
+          <a:bodyPr lIns="0" rIns="0" tIns="0" bIns="0" anchor="ctr"/>
+          <a:p>
+            <a:pPr algn="ctr"/>
+            <a:endParaRPr/>
+          </a:p>
+        </p:txBody>
+      </p:sp>
+      <p:sp>
+        <p:nvSpPr>
+          <p:cNvPr id="80" name="PlaceHolder 2"/>
+          <p:cNvSpPr>
+            <a:spLocks noGrp="1"/>
+          </p:cNvSpPr>
+          <p:nvPr>
+            <p:ph type="body"/>
+          </p:nvPr>
+        </p:nvSpPr>
+        <p:spPr>
+          <a:xfrm>
+            <a:off x="609480" y="1604520"/>
+            <a:ext cx="10972440" cy="3977280"/>
+          </a:xfrm>
+          <a:prstGeom prst="rect">
+            <a:avLst/>
+          </a:prstGeom>
+        </p:spPr>
+        <p:txBody>
+          <a:bodyPr lIns="0" rIns="0" tIns="0" bIns="0"/>
+          <a:p>
+            <a:endParaRPr/>
+          </a:p>
+        </p:txBody>
+      </p:sp>
+      <p:sp>
+        <p:nvSpPr>
+          <p:cNvPr id="81" name="PlaceHolder 3"/>
+          <p:cNvSpPr>
+            <a:spLocks noGrp="1"/>
+          </p:cNvSpPr>
+          <p:nvPr>
+            <p:ph type="body"/>
+          </p:nvPr>
+        </p:nvSpPr>
+        <p:spPr>
+          <a:xfrm>
+            <a:off x="609480" y="1604520"/>
+            <a:ext cx="10972440" cy="3977280"/>
+          </a:xfrm>
+          <a:prstGeom prst="rect">
+            <a:avLst/>
+          </a:prstGeom>
+        </p:spPr>
+        <p:txBody>
+          <a:bodyPr lIns="0" rIns="0" tIns="0" bIns="0"/>
+          <a:p>
+            <a:endParaRPr/>
+          </a:p>
+        </p:txBody>
+      </p:sp>
+      <p:pic>
+        <p:nvPicPr>
+          <p:cNvPr id="82" name="" descr=""/>
+          <p:cNvPicPr/>
+          <p:nvPr/>
+        </p:nvPicPr>
+        <p:blipFill>
+          <a:blip r:embed="rId2"/>
+          <a:stretch>
+            <a:fillRect/>
+          </a:stretch>
+        </p:blipFill>
+        <p:spPr>
+          <a:xfrm>
+            <a:off x="3602880" y="1604520"/>
+            <a:ext cx="4984920" cy="3977280"/>
+          </a:xfrm>
+          <a:prstGeom prst="rect">
+            <a:avLst/>
+          </a:prstGeom>
+          <a:ln>
+            <a:noFill/>
+          </a:ln>
+        </p:spPr>
+      </p:pic>
+      <p:pic>
+        <p:nvPicPr>
+          <p:cNvPr id="83" name="" descr=""/>
+          <p:cNvPicPr/>
+          <p:nvPr/>
+        </p:nvPicPr>
+        <p:blipFill>
+          <a:blip r:embed="rId3"/>
+          <a:stretch>
+            <a:fillRect/>
+          </a:stretch>
+        </p:blipFill>
+        <p:spPr>
+          <a:xfrm>
+            <a:off x="3602880" y="1604520"/>
+            <a:ext cx="4984920" cy="3977280"/>
+          </a:xfrm>
+          <a:prstGeom prst="rect">
+            <a:avLst/>
+          </a:prstGeom>
+          <a:ln>
+            <a:noFill/>
+          </a:ln>
+        </p:spPr>
+      </p:pic>
     </p:spTree>
   </p:cSld>
 </p:sldLayout>
@@ -549,7 +1714,7 @@
       </p:grpSpPr>
       <p:sp>
         <p:nvSpPr>
-          <p:cNvPr id="13" name="PlaceHolder 1"/>
+          <p:cNvPr id="10" name="PlaceHolder 1"/>
           <p:cNvSpPr>
             <a:spLocks noGrp="1"/>
           </p:cNvSpPr>
@@ -560,7 +1725,7 @@
         <p:spPr>
           <a:xfrm>
             <a:off x="1523880" y="1122480"/>
-            <a:ext cx="9143640" cy="2387520"/>
+            <a:ext cx="9143280" cy="2387520"/>
           </a:xfrm>
           <a:prstGeom prst="rect">
             <a:avLst/>
@@ -569,13 +1734,14 @@
         <p:txBody>
           <a:bodyPr lIns="0" rIns="0" tIns="0" bIns="0" anchor="ctr"/>
           <a:p>
-            <a:endParaRPr/>
-          </a:p>
-        </p:txBody>
-      </p:sp>
-      <p:sp>
-        <p:nvSpPr>
-          <p:cNvPr id="14" name="PlaceHolder 2"/>
+            <a:pPr algn="ctr"/>
+            <a:endParaRPr/>
+          </a:p>
+        </p:txBody>
+      </p:sp>
+      <p:sp>
+        <p:nvSpPr>
+          <p:cNvPr id="11" name="PlaceHolder 2"/>
           <p:cNvSpPr>
             <a:spLocks noGrp="1"/>
           </p:cNvSpPr>
@@ -623,7 +1789,7 @@
       </p:grpSpPr>
       <p:sp>
         <p:nvSpPr>
-          <p:cNvPr id="15" name="PlaceHolder 1"/>
+          <p:cNvPr id="12" name="PlaceHolder 1"/>
           <p:cNvSpPr>
             <a:spLocks noGrp="1"/>
           </p:cNvSpPr>
@@ -634,7 +1800,7 @@
         <p:spPr>
           <a:xfrm>
             <a:off x="1523880" y="1122480"/>
-            <a:ext cx="9143640" cy="2387520"/>
+            <a:ext cx="9143280" cy="2387520"/>
           </a:xfrm>
           <a:prstGeom prst="rect">
             <a:avLst/>
@@ -643,13 +1809,14 @@
         <p:txBody>
           <a:bodyPr lIns="0" rIns="0" tIns="0" bIns="0" anchor="ctr"/>
           <a:p>
-            <a:endParaRPr/>
-          </a:p>
-        </p:txBody>
-      </p:sp>
-      <p:sp>
-        <p:nvSpPr>
-          <p:cNvPr id="16" name="PlaceHolder 2"/>
+            <a:pPr algn="ctr"/>
+            <a:endParaRPr/>
+          </a:p>
+        </p:txBody>
+      </p:sp>
+      <p:sp>
+        <p:nvSpPr>
+          <p:cNvPr id="13" name="PlaceHolder 2"/>
           <p:cNvSpPr>
             <a:spLocks noGrp="1"/>
           </p:cNvSpPr>
@@ -675,7 +1842,7 @@
       </p:sp>
       <p:sp>
         <p:nvSpPr>
-          <p:cNvPr id="17" name="PlaceHolder 3"/>
+          <p:cNvPr id="14" name="PlaceHolder 3"/>
           <p:cNvSpPr>
             <a:spLocks noGrp="1"/>
           </p:cNvSpPr>
@@ -723,7 +1890,7 @@
       </p:grpSpPr>
       <p:sp>
         <p:nvSpPr>
-          <p:cNvPr id="18" name="PlaceHolder 1"/>
+          <p:cNvPr id="15" name="PlaceHolder 1"/>
           <p:cNvSpPr>
             <a:spLocks noGrp="1"/>
           </p:cNvSpPr>
@@ -734,7 +1901,7 @@
         <p:spPr>
           <a:xfrm>
             <a:off x="1523880" y="1122480"/>
-            <a:ext cx="9143640" cy="2387520"/>
+            <a:ext cx="9143280" cy="2387520"/>
           </a:xfrm>
           <a:prstGeom prst="rect">
             <a:avLst/>
@@ -743,6 +1910,7 @@
         <p:txBody>
           <a:bodyPr lIns="0" rIns="0" tIns="0" bIns="0" anchor="ctr"/>
           <a:p>
+            <a:pPr algn="ctr"/>
             <a:endParaRPr/>
           </a:p>
         </p:txBody>
@@ -771,7 +1939,7 @@
       </p:grpSpPr>
       <p:sp>
         <p:nvSpPr>
-          <p:cNvPr id="19" name="PlaceHolder 1"/>
+          <p:cNvPr id="16" name="PlaceHolder 1"/>
           <p:cNvSpPr>
             <a:spLocks noGrp="1"/>
           </p:cNvSpPr>
@@ -782,7 +1950,7 @@
         <p:spPr>
           <a:xfrm>
             <a:off x="1523880" y="1122480"/>
-            <a:ext cx="9143640" cy="11067120"/>
+            <a:ext cx="9143280" cy="11067120"/>
           </a:xfrm>
           <a:prstGeom prst="rect">
             <a:avLst/>
@@ -820,7 +1988,7 @@
       </p:grpSpPr>
       <p:sp>
         <p:nvSpPr>
-          <p:cNvPr id="20" name="PlaceHolder 1"/>
+          <p:cNvPr id="17" name="PlaceHolder 1"/>
           <p:cNvSpPr>
             <a:spLocks noGrp="1"/>
           </p:cNvSpPr>
@@ -831,7 +1999,7 @@
         <p:spPr>
           <a:xfrm>
             <a:off x="1523880" y="1122480"/>
-            <a:ext cx="9143640" cy="2387520"/>
+            <a:ext cx="9143280" cy="2387520"/>
           </a:xfrm>
           <a:prstGeom prst="rect">
             <a:avLst/>
@@ -840,13 +2008,14 @@
         <p:txBody>
           <a:bodyPr lIns="0" rIns="0" tIns="0" bIns="0" anchor="ctr"/>
           <a:p>
-            <a:endParaRPr/>
-          </a:p>
-        </p:txBody>
-      </p:sp>
-      <p:sp>
-        <p:nvSpPr>
-          <p:cNvPr id="21" name="PlaceHolder 2"/>
+            <a:pPr algn="ctr"/>
+            <a:endParaRPr/>
+          </a:p>
+        </p:txBody>
+      </p:sp>
+      <p:sp>
+        <p:nvSpPr>
+          <p:cNvPr id="18" name="PlaceHolder 2"/>
           <p:cNvSpPr>
             <a:spLocks noGrp="1"/>
           </p:cNvSpPr>
@@ -872,7 +2041,7 @@
       </p:sp>
       <p:sp>
         <p:nvSpPr>
-          <p:cNvPr id="22" name="PlaceHolder 3"/>
+          <p:cNvPr id="19" name="PlaceHolder 3"/>
           <p:cNvSpPr>
             <a:spLocks noGrp="1"/>
           </p:cNvSpPr>
@@ -898,7 +2067,7 @@
       </p:sp>
       <p:sp>
         <p:nvSpPr>
-          <p:cNvPr id="23" name="PlaceHolder 4"/>
+          <p:cNvPr id="20" name="PlaceHolder 4"/>
           <p:cNvSpPr>
             <a:spLocks noGrp="1"/>
           </p:cNvSpPr>
@@ -946,7 +2115,7 @@
       </p:grpSpPr>
       <p:sp>
         <p:nvSpPr>
-          <p:cNvPr id="24" name="PlaceHolder 1"/>
+          <p:cNvPr id="21" name="PlaceHolder 1"/>
           <p:cNvSpPr>
             <a:spLocks noGrp="1"/>
           </p:cNvSpPr>
@@ -957,7 +2126,7 @@
         <p:spPr>
           <a:xfrm>
             <a:off x="1523880" y="1122480"/>
-            <a:ext cx="9143640" cy="2387520"/>
+            <a:ext cx="9143280" cy="2387520"/>
           </a:xfrm>
           <a:prstGeom prst="rect">
             <a:avLst/>
@@ -966,13 +2135,14 @@
         <p:txBody>
           <a:bodyPr lIns="0" rIns="0" tIns="0" bIns="0" anchor="ctr"/>
           <a:p>
-            <a:endParaRPr/>
-          </a:p>
-        </p:txBody>
-      </p:sp>
-      <p:sp>
-        <p:nvSpPr>
-          <p:cNvPr id="25" name="PlaceHolder 2"/>
+            <a:pPr algn="ctr"/>
+            <a:endParaRPr/>
+          </a:p>
+        </p:txBody>
+      </p:sp>
+      <p:sp>
+        <p:nvSpPr>
+          <p:cNvPr id="22" name="PlaceHolder 2"/>
           <p:cNvSpPr>
             <a:spLocks noGrp="1"/>
           </p:cNvSpPr>
@@ -998,7 +2168,7 @@
       </p:sp>
       <p:sp>
         <p:nvSpPr>
-          <p:cNvPr id="26" name="PlaceHolder 3"/>
+          <p:cNvPr id="23" name="PlaceHolder 3"/>
           <p:cNvSpPr>
             <a:spLocks noGrp="1"/>
           </p:cNvSpPr>
@@ -1024,7 +2194,7 @@
       </p:sp>
       <p:sp>
         <p:nvSpPr>
-          <p:cNvPr id="27" name="PlaceHolder 4"/>
+          <p:cNvPr id="24" name="PlaceHolder 4"/>
           <p:cNvSpPr>
             <a:spLocks noGrp="1"/>
           </p:cNvSpPr>
@@ -1072,7 +2242,7 @@
       </p:grpSpPr>
       <p:sp>
         <p:nvSpPr>
-          <p:cNvPr id="28" name="PlaceHolder 1"/>
+          <p:cNvPr id="25" name="PlaceHolder 1"/>
           <p:cNvSpPr>
             <a:spLocks noGrp="1"/>
           </p:cNvSpPr>
@@ -1083,7 +2253,7 @@
         <p:spPr>
           <a:xfrm>
             <a:off x="1523880" y="1122480"/>
-            <a:ext cx="9143640" cy="2387520"/>
+            <a:ext cx="9143280" cy="2387520"/>
           </a:xfrm>
           <a:prstGeom prst="rect">
             <a:avLst/>
@@ -1092,13 +2262,14 @@
         <p:txBody>
           <a:bodyPr lIns="0" rIns="0" tIns="0" bIns="0" anchor="ctr"/>
           <a:p>
-            <a:endParaRPr/>
-          </a:p>
-        </p:txBody>
-      </p:sp>
-      <p:sp>
-        <p:nvSpPr>
-          <p:cNvPr id="29" name="PlaceHolder 2"/>
+            <a:pPr algn="ctr"/>
+            <a:endParaRPr/>
+          </a:p>
+        </p:txBody>
+      </p:sp>
+      <p:sp>
+        <p:nvSpPr>
+          <p:cNvPr id="26" name="PlaceHolder 2"/>
           <p:cNvSpPr>
             <a:spLocks noGrp="1"/>
           </p:cNvSpPr>
@@ -1124,7 +2295,7 @@
       </p:sp>
       <p:sp>
         <p:nvSpPr>
-          <p:cNvPr id="30" name="PlaceHolder 3"/>
+          <p:cNvPr id="27" name="PlaceHolder 3"/>
           <p:cNvSpPr>
             <a:spLocks noGrp="1"/>
           </p:cNvSpPr>
@@ -1150,7 +2321,7 @@
       </p:sp>
       <p:sp>
         <p:nvSpPr>
-          <p:cNvPr id="31" name="PlaceHolder 4"/>
+          <p:cNvPr id="28" name="PlaceHolder 4"/>
           <p:cNvSpPr>
             <a:spLocks noGrp="1"/>
           </p:cNvSpPr>
@@ -1212,7 +2383,7 @@
         <p:spPr>
           <a:xfrm>
             <a:off x="11277720" y="0"/>
-            <a:ext cx="926640" cy="6857640"/>
+            <a:ext cx="926280" cy="6857280"/>
           </a:xfrm>
           <a:prstGeom prst="rect">
             <a:avLst/>
@@ -1234,7 +2405,7 @@
         <p:spPr>
           <a:xfrm>
             <a:off x="11277720" y="5479560"/>
-            <a:ext cx="926640" cy="685440"/>
+            <a:ext cx="926280" cy="685080"/>
           </a:xfrm>
           <a:prstGeom prst="rect">
             <a:avLst/>
@@ -1262,7 +2433,7 @@
         <p:spPr>
           <a:xfrm>
             <a:off x="11480760" y="5524920"/>
-            <a:ext cx="517680" cy="592200"/>
+            <a:ext cx="517320" cy="591840"/>
           </a:xfrm>
           <a:prstGeom prst="rect">
             <a:avLst/>
@@ -1281,7 +2452,7 @@
         <p:spPr>
           <a:xfrm>
             <a:off x="11277720" y="0"/>
-            <a:ext cx="926640" cy="6857640"/>
+            <a:ext cx="926280" cy="6857280"/>
           </a:xfrm>
           <a:prstGeom prst="rect">
             <a:avLst/>
@@ -1303,7 +2474,7 @@
         <p:spPr>
           <a:xfrm>
             <a:off x="11277720" y="5479560"/>
-            <a:ext cx="926640" cy="685440"/>
+            <a:ext cx="926280" cy="685080"/>
           </a:xfrm>
           <a:prstGeom prst="rect">
             <a:avLst/>
@@ -1331,7 +2502,7 @@
         <p:spPr>
           <a:xfrm>
             <a:off x="11480760" y="5524920"/>
-            <a:ext cx="517680" cy="592200"/>
+            <a:ext cx="517320" cy="591840"/>
           </a:xfrm>
           <a:prstGeom prst="rect">
             <a:avLst/>
@@ -1354,28 +2525,20 @@
         <p:spPr>
           <a:xfrm>
             <a:off x="1523880" y="1122480"/>
-            <a:ext cx="9143640" cy="2387160"/>
-          </a:xfrm>
-          <a:prstGeom prst="rect">
-            <a:avLst/>
-          </a:prstGeom>
-        </p:spPr>
-        <p:txBody>
-          <a:bodyPr anchor="b"/>
-          <a:p>
-            <a:pPr algn="ctr">
-              <a:lnSpc>
-                <a:spcPct val="100000"/>
-              </a:lnSpc>
-            </a:pPr>
-            <a:r>
-              <a:rPr lang="en-US" sz="6000">
-                <a:solidFill>
-                  <a:srgbClr val="000000"/>
-                </a:solidFill>
-                <a:latin typeface="Calibri Light"/>
-              </a:rPr>
-              <a:t>Click to edit the title text formatClick to edit Master title style</a:t>
+            <a:ext cx="9143280" cy="2387160"/>
+          </a:xfrm>
+          <a:prstGeom prst="rect">
+            <a:avLst/>
+          </a:prstGeom>
+        </p:spPr>
+        <p:txBody>
+          <a:bodyPr lIns="0" rIns="0" tIns="0" bIns="0" anchor="ctr"/>
+          <a:p>
+            <a:r>
+              <a:rPr lang="en-IN">
+                <a:latin typeface="Arial"/>
+              </a:rPr>
+              <a:t>Click to edit the title text format</a:t>
             </a:r>
             <a:endParaRPr/>
           </a:p>
@@ -1384,112 +2547,6 @@
       <p:sp>
         <p:nvSpPr>
           <p:cNvPr id="7" name="PlaceHolder 6"/>
-          <p:cNvSpPr>
-            <a:spLocks noGrp="1"/>
-          </p:cNvSpPr>
-          <p:nvPr>
-            <p:ph type="dt"/>
-          </p:nvPr>
-        </p:nvSpPr>
-        <p:spPr>
-          <a:xfrm>
-            <a:off x="838080" y="6356520"/>
-            <a:ext cx="2742840" cy="364680"/>
-          </a:xfrm>
-          <a:prstGeom prst="rect">
-            <a:avLst/>
-          </a:prstGeom>
-        </p:spPr>
-        <p:txBody>
-          <a:bodyPr anchor="ctr"/>
-          <a:p>
-            <a:pPr>
-              <a:lnSpc>
-                <a:spcPct val="100000"/>
-              </a:lnSpc>
-            </a:pPr>
-            <a:r>
-              <a:rPr lang="en-IN" sz="1200">
-                <a:solidFill>
-                  <a:srgbClr val="8b8b8b"/>
-                </a:solidFill>
-                <a:latin typeface="Calibri"/>
-              </a:rPr>
-              <a:t>06/06/16</a:t>
-            </a:r>
-            <a:endParaRPr/>
-          </a:p>
-        </p:txBody>
-      </p:sp>
-      <p:sp>
-        <p:nvSpPr>
-          <p:cNvPr id="8" name="PlaceHolder 7"/>
-          <p:cNvSpPr>
-            <a:spLocks noGrp="1"/>
-          </p:cNvSpPr>
-          <p:nvPr>
-            <p:ph type="ftr"/>
-          </p:nvPr>
-        </p:nvSpPr>
-        <p:spPr>
-          <a:xfrm>
-            <a:off x="4038480" y="6356520"/>
-            <a:ext cx="4114440" cy="364680"/>
-          </a:xfrm>
-          <a:prstGeom prst="rect">
-            <a:avLst/>
-          </a:prstGeom>
-        </p:spPr>
-        <p:txBody>
-          <a:bodyPr anchor="ctr"/>
-          <a:p>
-            <a:endParaRPr/>
-          </a:p>
-        </p:txBody>
-      </p:sp>
-      <p:sp>
-        <p:nvSpPr>
-          <p:cNvPr id="9" name="PlaceHolder 8"/>
-          <p:cNvSpPr>
-            <a:spLocks noGrp="1"/>
-          </p:cNvSpPr>
-          <p:nvPr>
-            <p:ph type="sldNum"/>
-          </p:nvPr>
-        </p:nvSpPr>
-        <p:spPr>
-          <a:xfrm>
-            <a:off x="8610480" y="6356520"/>
-            <a:ext cx="2742840" cy="364680"/>
-          </a:xfrm>
-          <a:prstGeom prst="rect">
-            <a:avLst/>
-          </a:prstGeom>
-        </p:spPr>
-        <p:txBody>
-          <a:bodyPr anchor="ctr"/>
-          <a:p>
-            <a:pPr algn="r">
-              <a:lnSpc>
-                <a:spcPct val="100000"/>
-              </a:lnSpc>
-            </a:pPr>
-            <a:fld id="{32ECFB7C-B132-4567-9B47-ECF5774AD4EB}" type="slidenum">
-              <a:rPr lang="en-IN" sz="1200">
-                <a:solidFill>
-                  <a:srgbClr val="8b8b8b"/>
-                </a:solidFill>
-                <a:latin typeface="Calibri"/>
-              </a:rPr>
-              <a:t>&lt;number&gt;</a:t>
-            </a:fld>
-            <a:endParaRPr/>
-          </a:p>
-        </p:txBody>
-      </p:sp>
-      <p:sp>
-        <p:nvSpPr>
-          <p:cNvPr id="10" name="PlaceHolder 9"/>
           <p:cNvSpPr>
             <a:spLocks noGrp="1"/>
           </p:cNvSpPr>
@@ -1515,8 +2572,8 @@
               <a:buChar char=""/>
             </a:pPr>
             <a:r>
-              <a:rPr lang="en-US" sz="2800">
-                <a:latin typeface="Calibri"/>
+              <a:rPr lang="en-IN" sz="3200">
+                <a:latin typeface="Arial"/>
               </a:rPr>
               <a:t>Click to edit the outline text format</a:t>
             </a:r>
@@ -1529,8 +2586,8 @@
               <a:buChar char=""/>
             </a:pPr>
             <a:r>
-              <a:rPr lang="en-US" sz="2000">
-                <a:latin typeface="Calibri"/>
+              <a:rPr lang="en-IN" sz="2800">
+                <a:latin typeface="Arial"/>
               </a:rPr>
               <a:t>Second Outline Level</a:t>
             </a:r>
@@ -1543,8 +2600,8 @@
               <a:buChar char=""/>
             </a:pPr>
             <a:r>
-              <a:rPr lang="en-US">
-                <a:latin typeface="Calibri"/>
+              <a:rPr lang="en-IN" sz="2400">
+                <a:latin typeface="Arial"/>
               </a:rPr>
               <a:t>Third Outline Level</a:t>
             </a:r>
@@ -1557,8 +2614,8 @@
               <a:buChar char=""/>
             </a:pPr>
             <a:r>
-              <a:rPr lang="en-US">
-                <a:latin typeface="Calibri"/>
+              <a:rPr lang="en-IN" sz="2000">
+                <a:latin typeface="Arial"/>
               </a:rPr>
               <a:t>Fourth Outline Level</a:t>
             </a:r>
@@ -1571,8 +2628,8 @@
               <a:buChar char=""/>
             </a:pPr>
             <a:r>
-              <a:rPr lang="en-US" sz="2000">
-                <a:latin typeface="Calibri"/>
+              <a:rPr lang="en-IN" sz="2000">
+                <a:latin typeface="Arial"/>
               </a:rPr>
               <a:t>Fifth Outline Level</a:t>
             </a:r>
@@ -1585,8 +2642,8 @@
               <a:buChar char=""/>
             </a:pPr>
             <a:r>
-              <a:rPr lang="en-US" sz="2000">
-                <a:latin typeface="Calibri"/>
+              <a:rPr lang="en-IN" sz="2000">
+                <a:latin typeface="Arial"/>
               </a:rPr>
               <a:t>Sixth Outline Level</a:t>
             </a:r>
@@ -1599,8 +2656,8 @@
               <a:buChar char=""/>
             </a:pPr>
             <a:r>
-              <a:rPr lang="en-US" sz="2000">
-                <a:latin typeface="Calibri"/>
+              <a:rPr lang="en-IN" sz="2000">
+                <a:latin typeface="Arial"/>
               </a:rPr>
               <a:t>Seventh Outline Level</a:t>
             </a:r>
@@ -1624,6 +2681,341 @@
     <p:sldLayoutId id="2147483658" r:id="rId13"/>
     <p:sldLayoutId id="2147483659" r:id="rId14"/>
     <p:sldLayoutId id="2147483660" r:id="rId15"/>
+  </p:sldLayoutIdLst>
+</p:sldMaster>
+</file>
+
+<file path=ppt/slideMasters/slideMaster2.xml><?xml version="1.0" encoding="utf-8"?>
+<p:sldMaster xmlns:a="http://schemas.openxmlformats.org/drawingml/2006/main" xmlns:p="http://schemas.openxmlformats.org/presentationml/2006/main" xmlns:r="http://schemas.openxmlformats.org/officeDocument/2006/relationships">
+  <p:cSld>
+    <p:bg>
+      <p:bgPr>
+        <a:solidFill>
+          <a:srgbClr val="ffffff"/>
+        </a:solidFill>
+      </p:bgPr>
+    </p:bg>
+    <p:spTree>
+      <p:nvGrpSpPr>
+        <p:cNvPr id="1" name=""/>
+        <p:cNvGrpSpPr/>
+        <p:nvPr/>
+      </p:nvGrpSpPr>
+      <p:grpSpPr>
+        <a:xfrm>
+          <a:off x="0" y="0"/>
+          <a:ext cx="0" cy="0"/>
+          <a:chOff x="0" y="0"/>
+          <a:chExt cx="0" cy="0"/>
+        </a:xfrm>
+      </p:grpSpPr>
+      <p:sp>
+        <p:nvSpPr>
+          <p:cNvPr id="42" name="CustomShape 1"/>
+          <p:cNvSpPr/>
+          <p:nvPr/>
+        </p:nvSpPr>
+        <p:spPr>
+          <a:xfrm>
+            <a:off x="11277720" y="0"/>
+            <a:ext cx="926280" cy="6857280"/>
+          </a:xfrm>
+          <a:prstGeom prst="rect">
+            <a:avLst/>
+          </a:prstGeom>
+          <a:solidFill>
+            <a:srgbClr val="00b0f0"/>
+          </a:solidFill>
+          <a:ln w="25560">
+            <a:noFill/>
+          </a:ln>
+        </p:spPr>
+      </p:sp>
+      <p:sp>
+        <p:nvSpPr>
+          <p:cNvPr id="43" name="CustomShape 2"/>
+          <p:cNvSpPr/>
+          <p:nvPr/>
+        </p:nvSpPr>
+        <p:spPr>
+          <a:xfrm>
+            <a:off x="11277720" y="5479560"/>
+            <a:ext cx="926280" cy="685080"/>
+          </a:xfrm>
+          <a:prstGeom prst="rect">
+            <a:avLst/>
+          </a:prstGeom>
+          <a:solidFill>
+            <a:srgbClr val="66ccff"/>
+          </a:solidFill>
+          <a:ln w="25560">
+            <a:noFill/>
+          </a:ln>
+        </p:spPr>
+      </p:sp>
+      <p:pic>
+        <p:nvPicPr>
+          <p:cNvPr id="44" name="Picture 5" descr=""/>
+          <p:cNvPicPr/>
+          <p:nvPr/>
+        </p:nvPicPr>
+        <p:blipFill>
+          <a:blip r:embed="rId2"/>
+          <a:stretch>
+            <a:fillRect/>
+          </a:stretch>
+        </p:blipFill>
+        <p:spPr>
+          <a:xfrm>
+            <a:off x="11480760" y="5524920"/>
+            <a:ext cx="517320" cy="591840"/>
+          </a:xfrm>
+          <a:prstGeom prst="rect">
+            <a:avLst/>
+          </a:prstGeom>
+          <a:ln w="12600">
+            <a:noFill/>
+          </a:ln>
+        </p:spPr>
+      </p:pic>
+      <p:sp>
+        <p:nvSpPr>
+          <p:cNvPr id="45" name="CustomShape 3"/>
+          <p:cNvSpPr/>
+          <p:nvPr/>
+        </p:nvSpPr>
+        <p:spPr>
+          <a:xfrm>
+            <a:off x="11277720" y="0"/>
+            <a:ext cx="926280" cy="6857280"/>
+          </a:xfrm>
+          <a:prstGeom prst="rect">
+            <a:avLst/>
+          </a:prstGeom>
+          <a:solidFill>
+            <a:srgbClr val="00b0f0"/>
+          </a:solidFill>
+          <a:ln w="25560">
+            <a:noFill/>
+          </a:ln>
+        </p:spPr>
+      </p:sp>
+      <p:sp>
+        <p:nvSpPr>
+          <p:cNvPr id="46" name="CustomShape 4"/>
+          <p:cNvSpPr/>
+          <p:nvPr/>
+        </p:nvSpPr>
+        <p:spPr>
+          <a:xfrm>
+            <a:off x="11277720" y="5479560"/>
+            <a:ext cx="926280" cy="685080"/>
+          </a:xfrm>
+          <a:prstGeom prst="rect">
+            <a:avLst/>
+          </a:prstGeom>
+          <a:solidFill>
+            <a:srgbClr val="66ccff"/>
+          </a:solidFill>
+          <a:ln w="25560">
+            <a:noFill/>
+          </a:ln>
+        </p:spPr>
+      </p:sp>
+      <p:pic>
+        <p:nvPicPr>
+          <p:cNvPr id="47" name="Picture 5" descr=""/>
+          <p:cNvPicPr/>
+          <p:nvPr/>
+        </p:nvPicPr>
+        <p:blipFill>
+          <a:blip r:embed="rId3"/>
+          <a:stretch>
+            <a:fillRect/>
+          </a:stretch>
+        </p:blipFill>
+        <p:spPr>
+          <a:xfrm>
+            <a:off x="11480760" y="5524920"/>
+            <a:ext cx="517320" cy="591840"/>
+          </a:xfrm>
+          <a:prstGeom prst="rect">
+            <a:avLst/>
+          </a:prstGeom>
+          <a:ln w="12600">
+            <a:noFill/>
+          </a:ln>
+        </p:spPr>
+      </p:pic>
+      <p:sp>
+        <p:nvSpPr>
+          <p:cNvPr id="48" name="PlaceHolder 5"/>
+          <p:cNvSpPr>
+            <a:spLocks noGrp="1"/>
+          </p:cNvSpPr>
+          <p:nvPr>
+            <p:ph type="title"/>
+          </p:nvPr>
+        </p:nvSpPr>
+        <p:spPr>
+          <a:xfrm>
+            <a:off x="1523880" y="1122480"/>
+            <a:ext cx="9143280" cy="2387160"/>
+          </a:xfrm>
+          <a:prstGeom prst="rect">
+            <a:avLst/>
+          </a:prstGeom>
+        </p:spPr>
+        <p:txBody>
+          <a:bodyPr lIns="0" rIns="0" tIns="0" bIns="0" anchor="ctr"/>
+          <a:p>
+            <a:r>
+              <a:rPr lang="en-IN">
+                <a:latin typeface="Arial"/>
+              </a:rPr>
+              <a:t>Click to edit the title text format</a:t>
+            </a:r>
+            <a:endParaRPr/>
+          </a:p>
+        </p:txBody>
+      </p:sp>
+      <p:sp>
+        <p:nvSpPr>
+          <p:cNvPr id="49" name="PlaceHolder 6"/>
+          <p:cNvSpPr>
+            <a:spLocks noGrp="1"/>
+          </p:cNvSpPr>
+          <p:nvPr>
+            <p:ph type="body"/>
+          </p:nvPr>
+        </p:nvSpPr>
+        <p:spPr>
+          <a:xfrm>
+            <a:off x="609480" y="1604520"/>
+            <a:ext cx="10972080" cy="3976920"/>
+          </a:xfrm>
+          <a:prstGeom prst="rect">
+            <a:avLst/>
+          </a:prstGeom>
+        </p:spPr>
+        <p:txBody>
+          <a:bodyPr lIns="0" rIns="0" tIns="0" bIns="0"/>
+          <a:p>
+            <a:pPr>
+              <a:buSzPct val="45000"/>
+              <a:buFont typeface="StarSymbol"/>
+              <a:buChar char=""/>
+            </a:pPr>
+            <a:r>
+              <a:rPr lang="en-IN">
+                <a:latin typeface="Arial"/>
+              </a:rPr>
+              <a:t>Click to edit the outline text format</a:t>
+            </a:r>
+            <a:endParaRPr/>
+          </a:p>
+          <a:p>
+            <a:pPr lvl="1">
+              <a:buSzPct val="75000"/>
+              <a:buFont typeface="StarSymbol"/>
+              <a:buChar char=""/>
+            </a:pPr>
+            <a:r>
+              <a:rPr lang="en-IN">
+                <a:latin typeface="Arial"/>
+              </a:rPr>
+              <a:t>Second Outline Level</a:t>
+            </a:r>
+            <a:endParaRPr/>
+          </a:p>
+          <a:p>
+            <a:pPr lvl="2">
+              <a:buSzPct val="45000"/>
+              <a:buFont typeface="StarSymbol"/>
+              <a:buChar char=""/>
+            </a:pPr>
+            <a:r>
+              <a:rPr lang="en-IN">
+                <a:latin typeface="Arial"/>
+              </a:rPr>
+              <a:t>Third Outline Level</a:t>
+            </a:r>
+            <a:endParaRPr/>
+          </a:p>
+          <a:p>
+            <a:pPr lvl="3">
+              <a:buSzPct val="75000"/>
+              <a:buFont typeface="StarSymbol"/>
+              <a:buChar char=""/>
+            </a:pPr>
+            <a:r>
+              <a:rPr lang="en-IN">
+                <a:latin typeface="Arial"/>
+              </a:rPr>
+              <a:t>Fourth Outline Level</a:t>
+            </a:r>
+            <a:endParaRPr/>
+          </a:p>
+          <a:p>
+            <a:pPr lvl="4">
+              <a:buSzPct val="45000"/>
+              <a:buFont typeface="StarSymbol"/>
+              <a:buChar char=""/>
+            </a:pPr>
+            <a:r>
+              <a:rPr lang="en-IN">
+                <a:latin typeface="Arial"/>
+              </a:rPr>
+              <a:t>Fifth Outline Level</a:t>
+            </a:r>
+            <a:endParaRPr/>
+          </a:p>
+          <a:p>
+            <a:pPr lvl="5">
+              <a:buSzPct val="45000"/>
+              <a:buFont typeface="StarSymbol"/>
+              <a:buChar char=""/>
+            </a:pPr>
+            <a:r>
+              <a:rPr lang="en-IN">
+                <a:latin typeface="Arial"/>
+              </a:rPr>
+              <a:t>Sixth Outline Level</a:t>
+            </a:r>
+            <a:endParaRPr/>
+          </a:p>
+          <a:p>
+            <a:pPr lvl="6">
+              <a:buSzPct val="45000"/>
+              <a:buFont typeface="StarSymbol"/>
+              <a:buChar char=""/>
+            </a:pPr>
+            <a:r>
+              <a:rPr lang="en-IN">
+                <a:latin typeface="Arial"/>
+              </a:rPr>
+              <a:t>Seventh Outline Level</a:t>
+            </a:r>
+            <a:endParaRPr/>
+          </a:p>
+        </p:txBody>
+      </p:sp>
+    </p:spTree>
+  </p:cSld>
+  <p:clrMap bg1="lt1" bg2="lt2" tx1="dk1" tx2="dk2" accent1="accent1" accent2="accent2" accent3="accent3" accent4="accent4" accent5="accent5" accent6="accent6" hlink="hlink" folHlink="folHlink"/>
+  <p:sldLayoutIdLst>
+    <p:sldLayoutId id="2147483662" r:id="rId4"/>
+    <p:sldLayoutId id="2147483663" r:id="rId5"/>
+    <p:sldLayoutId id="2147483664" r:id="rId6"/>
+    <p:sldLayoutId id="2147483665" r:id="rId7"/>
+    <p:sldLayoutId id="2147483666" r:id="rId8"/>
+    <p:sldLayoutId id="2147483667" r:id="rId9"/>
+    <p:sldLayoutId id="2147483668" r:id="rId10"/>
+    <p:sldLayoutId id="2147483669" r:id="rId11"/>
+    <p:sldLayoutId id="2147483670" r:id="rId12"/>
+    <p:sldLayoutId id="2147483671" r:id="rId13"/>
+    <p:sldLayoutId id="2147483672" r:id="rId14"/>
+    <p:sldLayoutId id="2147483673" r:id="rId15"/>
   </p:sldLayoutIdLst>
 </p:sldMaster>
 </file>
@@ -1647,73 +3039,77 @@
       </p:grpSpPr>
       <p:sp>
         <p:nvSpPr>
-          <p:cNvPr id="45" name="TextShape 1"/>
-          <p:cNvSpPr txBox="1"/>
+          <p:cNvPr id="84" name="CustomShape 1"/>
+          <p:cNvSpPr/>
           <p:nvPr/>
         </p:nvSpPr>
         <p:spPr>
           <a:xfrm>
             <a:off x="1523880" y="1122480"/>
-            <a:ext cx="9143640" cy="2387160"/>
-          </a:xfrm>
-          <a:prstGeom prst="rect">
-            <a:avLst/>
-          </a:prstGeom>
-        </p:spPr>
-        <p:txBody>
-          <a:bodyPr anchor="b"/>
-          <a:p>
-            <a:pPr algn="ctr"/>
-            <a:r>
-              <a:rPr lang="en-US" sz="2800">
+            <a:ext cx="9143280" cy="2386800"/>
+          </a:xfrm>
+          <a:prstGeom prst="rect">
+            <a:avLst/>
+          </a:prstGeom>
+          <a:noFill/>
+          <a:ln>
+            <a:noFill/>
+          </a:ln>
+        </p:spPr>
+        <p:txBody>
+          <a:bodyPr lIns="90000" rIns="90000" tIns="45000" bIns="45000" anchor="b"/>
+          <a:p>
+            <a:r>
+              <a:rPr lang="en-IN" sz="2800">
                 <a:latin typeface="Arial"/>
               </a:rPr>
               <a:t>Bitcoin for Engineers </a:t>
             </a:r>
-            <a:r>
-              <a:rPr lang="en-US" sz="2800">
-                <a:latin typeface="Arial"/>
-              </a:rPr>
-              <a:t>
-</a:t>
-            </a:r>
-            <a:r>
-              <a:rPr lang="en-US" sz="2800">
-                <a:latin typeface="Arial"/>
-              </a:rPr>
-              <a:t>
-</a:t>
-            </a:r>
-            <a:r>
-              <a:rPr lang="en-US" sz="2800">
-                <a:latin typeface="Arial"/>
-              </a:rPr>
-              <a:t>
-</a:t>
-            </a:r>
-            <a:endParaRPr/>
-          </a:p>
-        </p:txBody>
-      </p:sp>
-      <p:sp>
-        <p:nvSpPr>
-          <p:cNvPr id="46" name="TextShape 2"/>
-          <p:cNvSpPr txBox="1"/>
+            <a:endParaRPr/>
+          </a:p>
+          <a:p>
+            <a:endParaRPr/>
+          </a:p>
+          <a:p>
+            <a:endParaRPr/>
+          </a:p>
+          <a:p>
+            <a:pPr algn="ctr">
+              <a:lnSpc>
+                <a:spcPct val="100000"/>
+              </a:lnSpc>
+            </a:pPr>
+            <a:endParaRPr/>
+          </a:p>
+        </p:txBody>
+      </p:sp>
+      <p:sp>
+        <p:nvSpPr>
+          <p:cNvPr id="85" name="CustomShape 2"/>
+          <p:cNvSpPr/>
           <p:nvPr/>
         </p:nvSpPr>
         <p:spPr>
           <a:xfrm>
             <a:off x="1523880" y="3602160"/>
-            <a:ext cx="9143640" cy="1655280"/>
-          </a:xfrm>
-          <a:prstGeom prst="rect">
-            <a:avLst/>
-          </a:prstGeom>
-        </p:spPr>
-        <p:txBody>
-          <a:bodyPr/>
-          <a:p>
-            <a:pPr algn="ctr"/>
+            <a:ext cx="9143280" cy="1654920"/>
+          </a:xfrm>
+          <a:prstGeom prst="rect">
+            <a:avLst/>
+          </a:prstGeom>
+          <a:noFill/>
+          <a:ln>
+            <a:noFill/>
+          </a:ln>
+        </p:spPr>
+        <p:txBody>
+          <a:bodyPr lIns="90000" rIns="90000" tIns="45000" bIns="45000"/>
+          <a:p>
+            <a:pPr algn="ctr">
+              <a:lnSpc>
+                <a:spcPct val="100000"/>
+              </a:lnSpc>
+            </a:pPr>
             <a:r>
               <a:rPr lang="en-IN" sz="3200">
                 <a:latin typeface="Arial"/>
@@ -1723,7 +3119,11 @@
             <a:endParaRPr/>
           </a:p>
           <a:p>
-            <a:pPr algn="ctr"/>
+            <a:pPr algn="ctr">
+              <a:lnSpc>
+                <a:spcPct val="100000"/>
+              </a:lnSpc>
+            </a:pPr>
             <a:endParaRPr/>
           </a:p>
         </p:txBody>
@@ -1731,7 +3131,7 @@
     </p:spTree>
   </p:cSld>
   <p:transition spd="med">
-    <p:wipe dir="d"/>
+    <p:wipe dir="u"/>
   </p:transition>
   <p:timing>
     <p:tnLst>
@@ -1782,25 +3182,33 @@
       </p:grpSpPr>
       <p:sp>
         <p:nvSpPr>
-          <p:cNvPr id="61" name="TextShape 1"/>
-          <p:cNvSpPr txBox="1"/>
+          <p:cNvPr id="100" name="CustomShape 1"/>
+          <p:cNvSpPr/>
           <p:nvPr/>
         </p:nvSpPr>
         <p:spPr>
           <a:xfrm>
             <a:off x="1523880" y="1122480"/>
-            <a:ext cx="9143640" cy="677520"/>
-          </a:xfrm>
-          <a:prstGeom prst="rect">
-            <a:avLst/>
-          </a:prstGeom>
-        </p:spPr>
-        <p:txBody>
-          <a:bodyPr anchor="b"/>
-          <a:p>
-            <a:pPr algn="ctr"/>
-            <a:r>
-              <a:rPr lang="en-US" sz="2800">
+            <a:ext cx="9143280" cy="677160"/>
+          </a:xfrm>
+          <a:prstGeom prst="rect">
+            <a:avLst/>
+          </a:prstGeom>
+          <a:noFill/>
+          <a:ln>
+            <a:noFill/>
+          </a:ln>
+        </p:spPr>
+        <p:txBody>
+          <a:bodyPr lIns="90000" rIns="90000" tIns="45000" bIns="45000" anchor="b"/>
+          <a:p>
+            <a:pPr algn="ctr">
+              <a:lnSpc>
+                <a:spcPct val="100000"/>
+              </a:lnSpc>
+            </a:pPr>
+            <a:r>
+              <a:rPr lang="en-IN" sz="2800">
                 <a:latin typeface="Arial"/>
               </a:rPr>
               <a:t>Hashcash</a:t>
@@ -1811,21 +3219,25 @@
       </p:sp>
       <p:sp>
         <p:nvSpPr>
-          <p:cNvPr id="62" name="TextShape 2"/>
-          <p:cNvSpPr txBox="1"/>
+          <p:cNvPr id="101" name="CustomShape 2"/>
+          <p:cNvSpPr/>
           <p:nvPr/>
         </p:nvSpPr>
         <p:spPr>
           <a:xfrm>
             <a:off x="792000" y="1872000"/>
-            <a:ext cx="9143640" cy="3168000"/>
-          </a:xfrm>
-          <a:prstGeom prst="rect">
-            <a:avLst/>
-          </a:prstGeom>
-        </p:spPr>
-        <p:txBody>
-          <a:bodyPr/>
+            <a:ext cx="9143280" cy="3167640"/>
+          </a:xfrm>
+          <a:prstGeom prst="rect">
+            <a:avLst/>
+          </a:prstGeom>
+          <a:noFill/>
+          <a:ln>
+            <a:noFill/>
+          </a:ln>
+        </p:spPr>
+        <p:txBody>
+          <a:bodyPr lIns="90000" rIns="90000" tIns="45000" bIns="45000"/>
           <a:p>
             <a:r>
               <a:rPr lang="en-IN" sz="2400">
@@ -1840,9 +3252,12 @@
           </a:p>
           <a:p>
             <a:pPr>
-              <a:buSzPct val="45000"/>
-              <a:buFont typeface="StarSymbol"/>
-              <a:buChar char=""/>
+              <a:lnSpc>
+                <a:spcPct val="100000"/>
+              </a:lnSpc>
+              <a:buSzPct val="45000"/>
+              <a:buFont typeface="StarSymbol"/>
+              <a:buChar char="l"/>
             </a:pPr>
             <a:r>
               <a:rPr lang="en-IN" sz="2400">
@@ -1854,9 +3269,12 @@
           </a:p>
           <a:p>
             <a:pPr>
-              <a:buSzPct val="45000"/>
-              <a:buFont typeface="StarSymbol"/>
-              <a:buChar char=""/>
+              <a:lnSpc>
+                <a:spcPct val="100000"/>
+              </a:lnSpc>
+              <a:buSzPct val="45000"/>
+              <a:buFont typeface="StarSymbol"/>
+              <a:buChar char="l"/>
             </a:pPr>
             <a:r>
               <a:rPr lang="en-IN" sz="2400">
@@ -1867,11 +3285,19 @@
             <a:endParaRPr/>
           </a:p>
           <a:p>
-            <a:pPr algn="ctr"/>
-            <a:endParaRPr/>
-          </a:p>
-          <a:p>
-            <a:pPr algn="ctr"/>
+            <a:pPr algn="ctr">
+              <a:lnSpc>
+                <a:spcPct val="100000"/>
+              </a:lnSpc>
+            </a:pPr>
+            <a:endParaRPr/>
+          </a:p>
+          <a:p>
+            <a:pPr algn="ctr">
+              <a:lnSpc>
+                <a:spcPct val="100000"/>
+              </a:lnSpc>
+            </a:pPr>
             <a:endParaRPr/>
           </a:p>
         </p:txBody>
@@ -1879,7 +3305,7 @@
     </p:spTree>
   </p:cSld>
   <p:transition spd="med">
-    <p:wipe dir="d"/>
+    <p:wipe dir="u"/>
   </p:transition>
   <p:timing>
     <p:tnLst>
@@ -1930,25 +3356,33 @@
       </p:grpSpPr>
       <p:sp>
         <p:nvSpPr>
-          <p:cNvPr id="63" name="TextShape 1"/>
-          <p:cNvSpPr txBox="1"/>
+          <p:cNvPr id="102" name="CustomShape 1"/>
+          <p:cNvSpPr/>
           <p:nvPr/>
         </p:nvSpPr>
         <p:spPr>
           <a:xfrm>
             <a:off x="1523880" y="1122480"/>
-            <a:ext cx="9143640" cy="677520"/>
-          </a:xfrm>
-          <a:prstGeom prst="rect">
-            <a:avLst/>
-          </a:prstGeom>
-        </p:spPr>
-        <p:txBody>
-          <a:bodyPr anchor="b"/>
-          <a:p>
-            <a:pPr algn="ctr"/>
-            <a:r>
-              <a:rPr lang="en-US" sz="2800">
+            <a:ext cx="9143280" cy="677160"/>
+          </a:xfrm>
+          <a:prstGeom prst="rect">
+            <a:avLst/>
+          </a:prstGeom>
+          <a:noFill/>
+          <a:ln>
+            <a:noFill/>
+          </a:ln>
+        </p:spPr>
+        <p:txBody>
+          <a:bodyPr lIns="90000" rIns="90000" tIns="45000" bIns="45000" anchor="b"/>
+          <a:p>
+            <a:pPr algn="ctr">
+              <a:lnSpc>
+                <a:spcPct val="100000"/>
+              </a:lnSpc>
+            </a:pPr>
+            <a:r>
+              <a:rPr lang="en-IN" sz="2800">
                 <a:latin typeface="Arial"/>
               </a:rPr>
               <a:t>Hashcash</a:t>
@@ -1959,21 +3393,25 @@
       </p:sp>
       <p:sp>
         <p:nvSpPr>
-          <p:cNvPr id="64" name="TextShape 2"/>
-          <p:cNvSpPr txBox="1"/>
+          <p:cNvPr id="103" name="CustomShape 2"/>
+          <p:cNvSpPr/>
           <p:nvPr/>
         </p:nvSpPr>
         <p:spPr>
           <a:xfrm>
             <a:off x="792000" y="1872000"/>
-            <a:ext cx="9143640" cy="3168000"/>
-          </a:xfrm>
-          <a:prstGeom prst="rect">
-            <a:avLst/>
-          </a:prstGeom>
-        </p:spPr>
-        <p:txBody>
-          <a:bodyPr/>
+            <a:ext cx="9143280" cy="3167640"/>
+          </a:xfrm>
+          <a:prstGeom prst="rect">
+            <a:avLst/>
+          </a:prstGeom>
+          <a:noFill/>
+          <a:ln>
+            <a:noFill/>
+          </a:ln>
+        </p:spPr>
+        <p:txBody>
+          <a:bodyPr lIns="90000" rIns="90000" tIns="45000" bIns="45000"/>
           <a:p>
             <a:endParaRPr/>
           </a:p>
@@ -1982,9 +3420,12 @@
           </a:p>
           <a:p>
             <a:pPr>
-              <a:buSzPct val="45000"/>
-              <a:buFont typeface="StarSymbol"/>
-              <a:buChar char=""/>
+              <a:lnSpc>
+                <a:spcPct val="100000"/>
+              </a:lnSpc>
+              <a:buSzPct val="45000"/>
+              <a:buFont typeface="StarSymbol"/>
+              <a:buChar char="l"/>
             </a:pPr>
             <a:r>
               <a:rPr lang="en-IN" sz="2400">
@@ -1996,9 +3437,12 @@
           </a:p>
           <a:p>
             <a:pPr>
-              <a:buSzPct val="45000"/>
-              <a:buFont typeface="StarSymbol"/>
-              <a:buChar char=""/>
+              <a:lnSpc>
+                <a:spcPct val="100000"/>
+              </a:lnSpc>
+              <a:buSzPct val="45000"/>
+              <a:buFont typeface="StarSymbol"/>
+              <a:buChar char="l"/>
             </a:pPr>
             <a:r>
               <a:rPr lang="en-IN" sz="2400">
@@ -2009,7 +3453,11 @@
             <a:endParaRPr/>
           </a:p>
           <a:p>
-            <a:pPr algn="ctr"/>
+            <a:pPr algn="ctr">
+              <a:lnSpc>
+                <a:spcPct val="100000"/>
+              </a:lnSpc>
+            </a:pPr>
             <a:endParaRPr/>
           </a:p>
         </p:txBody>
@@ -2017,7 +3465,7 @@
     </p:spTree>
   </p:cSld>
   <p:transition spd="med">
-    <p:wipe dir="d"/>
+    <p:wipe dir="u"/>
   </p:transition>
   <p:timing>
     <p:tnLst>
@@ -2068,25 +3516,33 @@
       </p:grpSpPr>
       <p:sp>
         <p:nvSpPr>
-          <p:cNvPr id="65" name="TextShape 1"/>
-          <p:cNvSpPr txBox="1"/>
+          <p:cNvPr id="104" name="CustomShape 1"/>
+          <p:cNvSpPr/>
           <p:nvPr/>
         </p:nvSpPr>
         <p:spPr>
           <a:xfrm>
             <a:off x="1523880" y="1122480"/>
-            <a:ext cx="9143640" cy="677520"/>
-          </a:xfrm>
-          <a:prstGeom prst="rect">
-            <a:avLst/>
-          </a:prstGeom>
-        </p:spPr>
-        <p:txBody>
-          <a:bodyPr anchor="b"/>
-          <a:p>
-            <a:pPr algn="ctr"/>
-            <a:r>
-              <a:rPr lang="en-US" sz="2800">
+            <a:ext cx="9143280" cy="677160"/>
+          </a:xfrm>
+          <a:prstGeom prst="rect">
+            <a:avLst/>
+          </a:prstGeom>
+          <a:noFill/>
+          <a:ln>
+            <a:noFill/>
+          </a:ln>
+        </p:spPr>
+        <p:txBody>
+          <a:bodyPr lIns="90000" rIns="90000" tIns="45000" bIns="45000" anchor="b"/>
+          <a:p>
+            <a:pPr algn="ctr">
+              <a:lnSpc>
+                <a:spcPct val="100000"/>
+              </a:lnSpc>
+            </a:pPr>
+            <a:r>
+              <a:rPr lang="en-IN" sz="2800">
                 <a:latin typeface="Arial"/>
               </a:rPr>
               <a:t>Merkle Trees</a:t>
@@ -2097,21 +3553,25 @@
       </p:sp>
       <p:sp>
         <p:nvSpPr>
-          <p:cNvPr id="66" name="TextShape 2"/>
-          <p:cNvSpPr txBox="1"/>
+          <p:cNvPr id="105" name="CustomShape 2"/>
+          <p:cNvSpPr/>
           <p:nvPr/>
         </p:nvSpPr>
         <p:spPr>
           <a:xfrm>
             <a:off x="792000" y="1872000"/>
-            <a:ext cx="9143640" cy="3168000"/>
-          </a:xfrm>
-          <a:prstGeom prst="rect">
-            <a:avLst/>
-          </a:prstGeom>
-        </p:spPr>
-        <p:txBody>
-          <a:bodyPr/>
+            <a:ext cx="9143280" cy="3167640"/>
+          </a:xfrm>
+          <a:prstGeom prst="rect">
+            <a:avLst/>
+          </a:prstGeom>
+          <a:noFill/>
+          <a:ln>
+            <a:noFill/>
+          </a:ln>
+        </p:spPr>
+        <p:txBody>
+          <a:bodyPr lIns="90000" rIns="90000" tIns="45000" bIns="45000"/>
           <a:p>
             <a:endParaRPr/>
           </a:p>
@@ -2120,9 +3580,12 @@
           </a:p>
           <a:p>
             <a:pPr>
-              <a:buSzPct val="45000"/>
-              <a:buFont typeface="StarSymbol"/>
-              <a:buChar char=""/>
+              <a:lnSpc>
+                <a:spcPct val="100000"/>
+              </a:lnSpc>
+              <a:buSzPct val="45000"/>
+              <a:buFont typeface="StarSymbol"/>
+              <a:buChar char="l"/>
             </a:pPr>
             <a:r>
               <a:rPr lang="en-IN" sz="2400">
@@ -2134,9 +3597,12 @@
           </a:p>
           <a:p>
             <a:pPr>
-              <a:buSzPct val="45000"/>
-              <a:buFont typeface="StarSymbol"/>
-              <a:buChar char=""/>
+              <a:lnSpc>
+                <a:spcPct val="100000"/>
+              </a:lnSpc>
+              <a:buSzPct val="45000"/>
+              <a:buFont typeface="StarSymbol"/>
+              <a:buChar char="l"/>
             </a:pPr>
             <a:r>
               <a:rPr lang="en-IN" sz="2400">
@@ -2148,9 +3614,12 @@
           </a:p>
           <a:p>
             <a:pPr>
-              <a:buSzPct val="45000"/>
-              <a:buFont typeface="StarSymbol"/>
-              <a:buChar char=""/>
+              <a:lnSpc>
+                <a:spcPct val="100000"/>
+              </a:lnSpc>
+              <a:buSzPct val="45000"/>
+              <a:buFont typeface="StarSymbol"/>
+              <a:buChar char="l"/>
             </a:pPr>
             <a:r>
               <a:rPr lang="en-IN" sz="2400">
@@ -2161,7 +3630,11 @@
             <a:endParaRPr/>
           </a:p>
           <a:p>
-            <a:pPr algn="ctr"/>
+            <a:pPr algn="ctr">
+              <a:lnSpc>
+                <a:spcPct val="100000"/>
+              </a:lnSpc>
+            </a:pPr>
             <a:endParaRPr/>
           </a:p>
         </p:txBody>
@@ -2169,7 +3642,7 @@
     </p:spTree>
   </p:cSld>
   <p:transition spd="med">
-    <p:wipe dir="d"/>
+    <p:wipe dir="u"/>
   </p:transition>
   <p:timing>
     <p:tnLst>
@@ -2220,25 +3693,33 @@
       </p:grpSpPr>
       <p:sp>
         <p:nvSpPr>
-          <p:cNvPr id="67" name="TextShape 1"/>
-          <p:cNvSpPr txBox="1"/>
+          <p:cNvPr id="106" name="CustomShape 1"/>
+          <p:cNvSpPr/>
           <p:nvPr/>
         </p:nvSpPr>
         <p:spPr>
           <a:xfrm>
             <a:off x="1523880" y="1122480"/>
-            <a:ext cx="9143640" cy="677520"/>
-          </a:xfrm>
-          <a:prstGeom prst="rect">
-            <a:avLst/>
-          </a:prstGeom>
-        </p:spPr>
-        <p:txBody>
-          <a:bodyPr anchor="b"/>
-          <a:p>
-            <a:pPr algn="ctr"/>
-            <a:r>
-              <a:rPr lang="en-US" sz="2800">
+            <a:ext cx="9143280" cy="677160"/>
+          </a:xfrm>
+          <a:prstGeom prst="rect">
+            <a:avLst/>
+          </a:prstGeom>
+          <a:noFill/>
+          <a:ln>
+            <a:noFill/>
+          </a:ln>
+        </p:spPr>
+        <p:txBody>
+          <a:bodyPr lIns="90000" rIns="90000" tIns="45000" bIns="45000" anchor="b"/>
+          <a:p>
+            <a:pPr algn="ctr">
+              <a:lnSpc>
+                <a:spcPct val="100000"/>
+              </a:lnSpc>
+            </a:pPr>
+            <a:r>
+              <a:rPr lang="en-IN" sz="2800">
                 <a:latin typeface="Arial"/>
               </a:rPr>
               <a:t>Bloom Filters</a:t>
@@ -2249,21 +3730,25 @@
       </p:sp>
       <p:sp>
         <p:nvSpPr>
-          <p:cNvPr id="68" name="TextShape 2"/>
-          <p:cNvSpPr txBox="1"/>
+          <p:cNvPr id="107" name="CustomShape 2"/>
+          <p:cNvSpPr/>
           <p:nvPr/>
         </p:nvSpPr>
         <p:spPr>
           <a:xfrm>
             <a:off x="720000" y="1800000"/>
-            <a:ext cx="9143640" cy="3168000"/>
-          </a:xfrm>
-          <a:prstGeom prst="rect">
-            <a:avLst/>
-          </a:prstGeom>
-        </p:spPr>
-        <p:txBody>
-          <a:bodyPr/>
+            <a:ext cx="9143280" cy="3167640"/>
+          </a:xfrm>
+          <a:prstGeom prst="rect">
+            <a:avLst/>
+          </a:prstGeom>
+          <a:noFill/>
+          <a:ln>
+            <a:noFill/>
+          </a:ln>
+        </p:spPr>
+        <p:txBody>
+          <a:bodyPr lIns="90000" rIns="90000" tIns="45000" bIns="45000"/>
           <a:p>
             <a:endParaRPr/>
           </a:p>
@@ -2272,9 +3757,12 @@
           </a:p>
           <a:p>
             <a:pPr>
-              <a:buSzPct val="45000"/>
-              <a:buFont typeface="StarSymbol"/>
-              <a:buChar char=""/>
+              <a:lnSpc>
+                <a:spcPct val="100000"/>
+              </a:lnSpc>
+              <a:buSzPct val="45000"/>
+              <a:buFont typeface="StarSymbol"/>
+              <a:buChar char="l"/>
             </a:pPr>
             <a:r>
               <a:rPr lang="en-IN" sz="2400">
@@ -2298,9 +3786,12 @@
           </a:p>
           <a:p>
             <a:pPr>
-              <a:buSzPct val="45000"/>
-              <a:buFont typeface="StarSymbol"/>
-              <a:buChar char=""/>
+              <a:lnSpc>
+                <a:spcPct val="100000"/>
+              </a:lnSpc>
+              <a:buSzPct val="45000"/>
+              <a:buFont typeface="StarSymbol"/>
+              <a:buChar char="l"/>
             </a:pPr>
             <a:r>
               <a:rPr lang="en-IN" sz="2400">
@@ -2315,7 +3806,7 @@
     </p:spTree>
   </p:cSld>
   <p:transition spd="med">
-    <p:wipe dir="d"/>
+    <p:wipe dir="u"/>
   </p:transition>
   <p:timing>
     <p:tnLst>
@@ -2366,50 +3857,62 @@
       </p:grpSpPr>
       <p:sp>
         <p:nvSpPr>
-          <p:cNvPr id="69" name="TextShape 1"/>
-          <p:cNvSpPr txBox="1"/>
+          <p:cNvPr id="108" name="CustomShape 1"/>
+          <p:cNvSpPr/>
           <p:nvPr/>
         </p:nvSpPr>
         <p:spPr>
           <a:xfrm>
             <a:off x="1523880" y="1122480"/>
-            <a:ext cx="9143640" cy="677520"/>
-          </a:xfrm>
-          <a:prstGeom prst="rect">
-            <a:avLst/>
-          </a:prstGeom>
-        </p:spPr>
-        <p:txBody>
-          <a:bodyPr anchor="b"/>
-          <a:p>
-            <a:pPr algn="ctr"/>
-            <a:r>
-              <a:rPr lang="en-US" sz="2800">
-                <a:latin typeface="Arial"/>
-              </a:rPr>
-              <a:t>Bitcoin transactions. </a:t>
-            </a:r>
-            <a:endParaRPr/>
-          </a:p>
-        </p:txBody>
-      </p:sp>
-      <p:sp>
-        <p:nvSpPr>
-          <p:cNvPr id="70" name="TextShape 2"/>
-          <p:cNvSpPr txBox="1"/>
+            <a:ext cx="9143280" cy="677160"/>
+          </a:xfrm>
+          <a:prstGeom prst="rect">
+            <a:avLst/>
+          </a:prstGeom>
+          <a:noFill/>
+          <a:ln>
+            <a:noFill/>
+          </a:ln>
+        </p:spPr>
+        <p:txBody>
+          <a:bodyPr lIns="90000" rIns="90000" tIns="45000" bIns="45000" anchor="b"/>
+          <a:p>
+            <a:pPr algn="ctr">
+              <a:lnSpc>
+                <a:spcPct val="100000"/>
+              </a:lnSpc>
+            </a:pPr>
+            <a:r>
+              <a:rPr lang="en-IN" sz="2800">
+                <a:latin typeface="Arial"/>
+              </a:rPr>
+              <a:t>Bitcoin Wallets</a:t>
+            </a:r>
+            <a:endParaRPr/>
+          </a:p>
+        </p:txBody>
+      </p:sp>
+      <p:sp>
+        <p:nvSpPr>
+          <p:cNvPr id="109" name="CustomShape 2"/>
+          <p:cNvSpPr/>
           <p:nvPr/>
         </p:nvSpPr>
         <p:spPr>
           <a:xfrm>
             <a:off x="720000" y="1800000"/>
-            <a:ext cx="9143640" cy="3168000"/>
-          </a:xfrm>
-          <a:prstGeom prst="rect">
-            <a:avLst/>
-          </a:prstGeom>
-        </p:spPr>
-        <p:txBody>
-          <a:bodyPr/>
+            <a:ext cx="9143280" cy="3167640"/>
+          </a:xfrm>
+          <a:prstGeom prst="rect">
+            <a:avLst/>
+          </a:prstGeom>
+          <a:noFill/>
+          <a:ln>
+            <a:noFill/>
+          </a:ln>
+        </p:spPr>
+        <p:txBody>
+          <a:bodyPr lIns="90000" rIns="90000" tIns="45000" bIns="45000"/>
           <a:p>
             <a:endParaRPr/>
           </a:p>
@@ -2418,61 +3921,121 @@
           </a:p>
           <a:p>
             <a:pPr>
-              <a:buSzPct val="45000"/>
-              <a:buFont typeface="StarSymbol"/>
-              <a:buChar char=""/>
+              <a:lnSpc>
+                <a:spcPct val="100000"/>
+              </a:lnSpc>
+              <a:buSzPct val="45000"/>
+              <a:buFont typeface="StarSymbol"/>
+              <a:buChar char="l"/>
             </a:pPr>
             <a:r>
               <a:rPr lang="en-IN" sz="2400">
                 <a:latin typeface="Arial"/>
               </a:rPr>
-              <a:t>The heart of the Bitcoin network.  All the technologies in play are used to allow the ability of the network to create and execute transactions of Bitcoins over the Bitcoin/Blockchain system. </a:t>
+              <a:t>A bitcoin wallet is actually a repository of private keys.  These private keys are used to allow you to spend your transaction outputs. </a:t>
             </a:r>
             <a:endParaRPr/>
           </a:p>
           <a:p>
             <a:pPr>
-              <a:buSzPct val="45000"/>
-              <a:buFont typeface="StarSymbol"/>
-              <a:buChar char=""/>
+              <a:lnSpc>
+                <a:spcPct val="100000"/>
+              </a:lnSpc>
+              <a:buSzPct val="45000"/>
+              <a:buFont typeface="StarSymbol"/>
+              <a:buChar char="l"/>
             </a:pPr>
             <a:r>
               <a:rPr lang="en-IN" sz="2400">
                 <a:latin typeface="Arial"/>
               </a:rPr>
-              <a:t>Bitcoin transactions are basically a large state machine.  Transactions consume </a:t>
+              <a:t>Three types of wallets.  Non-deterministic, Deterministic and Heirarchical Deterministic. </a:t>
+            </a:r>
+            <a:endParaRPr/>
+          </a:p>
+          <a:p>
+            <a:pPr>
+              <a:lnSpc>
+                <a:spcPct val="100000"/>
+              </a:lnSpc>
+              <a:buSzPct val="45000"/>
+              <a:buFont typeface="StarSymbol"/>
+              <a:buChar char="l"/>
+            </a:pPr>
+            <a:r>
+              <a:rPr lang="en-IN" sz="2400">
+                <a:latin typeface="Arial"/>
+              </a:rPr>
+              <a:t>Non-deterministic wallets are outmoded and should not be used.</a:t>
+            </a:r>
+            <a:endParaRPr/>
+          </a:p>
+          <a:p>
+            <a:pPr>
+              <a:lnSpc>
+                <a:spcPct val="100000"/>
+              </a:lnSpc>
+              <a:buSzPct val="45000"/>
+              <a:buFont typeface="StarSymbol"/>
+              <a:buChar char="l"/>
+            </a:pPr>
+            <a:r>
+              <a:rPr lang="en-IN" sz="2400">
+                <a:latin typeface="Arial"/>
+              </a:rPr>
+              <a:t>Deterministic wallet generate all private keys by the use of a </a:t>
             </a:r>
             <a:r>
               <a:rPr i="1" lang="en-IN" sz="2400">
                 <a:latin typeface="Arial"/>
               </a:rPr>
-              <a:t>inputs</a:t>
+              <a:t>seed</a:t>
             </a:r>
             <a:r>
               <a:rPr lang="en-IN" sz="2400">
                 <a:latin typeface="Arial"/>
               </a:rPr>
-              <a:t> and produce </a:t>
-            </a:r>
-            <a:r>
-              <a:rPr i="1" lang="en-IN" sz="2400">
-                <a:latin typeface="Arial"/>
-              </a:rPr>
-              <a:t>outputs.  </a:t>
+              <a:t>.  A seed is a randonly generated number which, combined with other data can create private keys. </a:t>
             </a:r>
             <a:endParaRPr/>
           </a:p>
           <a:p>
             <a:pPr>
-              <a:buSzPct val="45000"/>
-              <a:buFont typeface="StarSymbol"/>
-              <a:buChar char=""/>
+              <a:lnSpc>
+                <a:spcPct val="100000"/>
+              </a:lnSpc>
+              <a:buSzPct val="45000"/>
+              <a:buFont typeface="StarSymbol"/>
+              <a:buChar char="l"/>
             </a:pPr>
             <a:r>
               <a:rPr lang="en-IN" sz="2400">
                 <a:latin typeface="Arial"/>
               </a:rPr>
-              <a:t>All bitcoins in any given input must be completely consumed by the transaction.  Any bitcoins not accounted for in the outputs become fees to be given to the miners. </a:t>
+              <a:t>Heirarchical Deterministic wallets use a concept of a master key, and children keys which are created from the master key. </a:t>
+            </a:r>
+            <a:r>
+              <a:rPr lang="en-IN" sz="2400">
+                <a:latin typeface="Arial"/>
+              </a:rPr>
+              <a:t> </a:t>
+            </a:r>
+            <a:endParaRPr/>
+          </a:p>
+          <a:p>
+            <a:pPr>
+              <a:lnSpc>
+                <a:spcPct val="100000"/>
+              </a:lnSpc>
+              <a:buSzPct val="45000"/>
+              <a:buFont typeface="StarSymbol"/>
+              <a:buChar char="l"/>
+            </a:pPr>
+            <a:r>
+              <a:rPr lang="en-IN" sz="2400">
+                <a:latin typeface="Arial"/>
+              </a:rPr>
+              <a:t> </a:t>
             </a:r>
             <a:endParaRPr/>
           </a:p>
@@ -2481,7 +4044,7 @@
     </p:spTree>
   </p:cSld>
   <p:transition spd="med">
-    <p:wipe dir="d"/>
+    <p:wipe dir="u"/>
   </p:transition>
   <p:timing>
     <p:tnLst>
@@ -2532,50 +4095,62 @@
       </p:grpSpPr>
       <p:sp>
         <p:nvSpPr>
-          <p:cNvPr id="71" name="TextShape 1"/>
-          <p:cNvSpPr txBox="1"/>
+          <p:cNvPr id="110" name="CustomShape 1"/>
+          <p:cNvSpPr/>
           <p:nvPr/>
         </p:nvSpPr>
         <p:spPr>
           <a:xfrm>
             <a:off x="1523880" y="1122480"/>
-            <a:ext cx="9143640" cy="677520"/>
-          </a:xfrm>
-          <a:prstGeom prst="rect">
-            <a:avLst/>
-          </a:prstGeom>
-        </p:spPr>
-        <p:txBody>
-          <a:bodyPr anchor="b"/>
-          <a:p>
-            <a:pPr algn="ctr"/>
-            <a:r>
-              <a:rPr lang="en-US" sz="2800">
-                <a:latin typeface="Arial"/>
-              </a:rPr>
-              <a:t>Bitcoin transactions</a:t>
-            </a:r>
-            <a:endParaRPr/>
-          </a:p>
-        </p:txBody>
-      </p:sp>
-      <p:sp>
-        <p:nvSpPr>
-          <p:cNvPr id="72" name="TextShape 2"/>
-          <p:cNvSpPr txBox="1"/>
+            <a:ext cx="9143280" cy="677160"/>
+          </a:xfrm>
+          <a:prstGeom prst="rect">
+            <a:avLst/>
+          </a:prstGeom>
+          <a:noFill/>
+          <a:ln>
+            <a:noFill/>
+          </a:ln>
+        </p:spPr>
+        <p:txBody>
+          <a:bodyPr lIns="90000" rIns="90000" tIns="45000" bIns="45000" anchor="b"/>
+          <a:p>
+            <a:pPr algn="ctr">
+              <a:lnSpc>
+                <a:spcPct val="100000"/>
+              </a:lnSpc>
+            </a:pPr>
+            <a:r>
+              <a:rPr lang="en-IN" sz="2800">
+                <a:latin typeface="Arial"/>
+              </a:rPr>
+              <a:t>Bitcoin addresses</a:t>
+            </a:r>
+            <a:endParaRPr/>
+          </a:p>
+        </p:txBody>
+      </p:sp>
+      <p:sp>
+        <p:nvSpPr>
+          <p:cNvPr id="111" name="CustomShape 2"/>
+          <p:cNvSpPr/>
           <p:nvPr/>
         </p:nvSpPr>
         <p:spPr>
           <a:xfrm>
             <a:off x="720000" y="1800000"/>
-            <a:ext cx="9143640" cy="3168000"/>
-          </a:xfrm>
-          <a:prstGeom prst="rect">
-            <a:avLst/>
-          </a:prstGeom>
-        </p:spPr>
-        <p:txBody>
-          <a:bodyPr/>
+            <a:ext cx="9143280" cy="3167640"/>
+          </a:xfrm>
+          <a:prstGeom prst="rect">
+            <a:avLst/>
+          </a:prstGeom>
+          <a:noFill/>
+          <a:ln>
+            <a:noFill/>
+          </a:ln>
+        </p:spPr>
+        <p:txBody>
+          <a:bodyPr lIns="90000" rIns="90000" tIns="45000" bIns="45000"/>
           <a:p>
             <a:endParaRPr/>
           </a:p>
@@ -2584,61 +4159,64 @@
           </a:p>
           <a:p>
             <a:pPr>
-              <a:buSzPct val="45000"/>
-              <a:buFont typeface="StarSymbol"/>
-              <a:buChar char=""/>
+              <a:lnSpc>
+                <a:spcPct val="100000"/>
+              </a:lnSpc>
+              <a:buSzPct val="45000"/>
+              <a:buFont typeface="StarSymbol"/>
+              <a:buChar char="l"/>
             </a:pPr>
             <a:r>
               <a:rPr lang="en-IN" sz="2400">
                 <a:latin typeface="Arial"/>
               </a:rPr>
-              <a:t>All transactions outputs have a unique transaction ID which is comprised of a SHA256 hash of the transaction. </a:t>
+              <a:t>Bitcoin addresses are generated from private keys.  These keys are hashed using cryptographic hashing algorithms and then run through the </a:t>
+            </a:r>
+            <a:r>
+              <a:rPr i="1" lang="en-IN" sz="2400">
+                <a:latin typeface="Arial"/>
+              </a:rPr>
+              <a:t>Base58</a:t>
+            </a:r>
+            <a:r>
+              <a:rPr lang="en-IN" sz="2400">
+                <a:latin typeface="Arial"/>
+              </a:rPr>
+              <a:t> check encoding algorithm. </a:t>
             </a:r>
             <a:endParaRPr/>
           </a:p>
           <a:p>
             <a:pPr>
-              <a:buSzPct val="45000"/>
-              <a:buFont typeface="StarSymbol"/>
-              <a:buChar char=""/>
+              <a:lnSpc>
+                <a:spcPct val="100000"/>
+              </a:lnSpc>
+              <a:buSzPct val="45000"/>
+              <a:buFont typeface="StarSymbol"/>
+              <a:buChar char="l"/>
             </a:pPr>
             <a:r>
               <a:rPr lang="en-IN" sz="2400">
                 <a:latin typeface="Arial"/>
               </a:rPr>
-              <a:t>Unspent transaction outputs are stored in the Unspent Transaction Output (UTXO) memory pool resident on all bitcoin full nodes. </a:t>
+              <a:t>There are several types of bitcoin addresses.  The most common is the pay to public key hash.  </a:t>
             </a:r>
             <a:endParaRPr/>
           </a:p>
           <a:p>
             <a:pPr>
-              <a:buSzPct val="45000"/>
-              <a:buFont typeface="StarSymbol"/>
-              <a:buChar char=""/>
+              <a:lnSpc>
+                <a:spcPct val="100000"/>
+              </a:lnSpc>
+              <a:buSzPct val="45000"/>
+              <a:buFont typeface="StarSymbol"/>
+              <a:buChar char="l"/>
             </a:pPr>
             <a:r>
               <a:rPr lang="en-IN" sz="2400">
                 <a:latin typeface="Arial"/>
               </a:rPr>
-              <a:t>There is a special transaction called the </a:t>
-            </a:r>
-            <a:r>
-              <a:rPr i="1" lang="en-IN" sz="2400">
-                <a:latin typeface="Arial"/>
-              </a:rPr>
-              <a:t>Coinbase</a:t>
-            </a:r>
-            <a:r>
-              <a:rPr lang="en-IN" sz="2400">
-                <a:latin typeface="Arial"/>
-              </a:rPr>
-              <a:t> transaction which grants a specific amount of new bitcoin to the miner who solved the puzzle which grants them the ability to create a new block.  Currently the reward is 25 BTC, but will halve in July 2016 to 12.5 BTC. </a:t>
-            </a:r>
-            <a:r>
-              <a:rPr lang="en-IN" sz="2400">
-                <a:latin typeface="Arial"/>
-              </a:rPr>
-              <a:t> </a:t>
+              <a:t>Newer type is designed to support multisig and pay to script hash addresses. </a:t>
             </a:r>
             <a:endParaRPr/>
           </a:p>
@@ -2647,7 +4225,7 @@
     </p:spTree>
   </p:cSld>
   <p:transition spd="med">
-    <p:wipe dir="d"/>
+    <p:wipe dir="u"/>
   </p:transition>
   <p:timing>
     <p:tnLst>
@@ -2698,50 +4276,62 @@
       </p:grpSpPr>
       <p:sp>
         <p:nvSpPr>
-          <p:cNvPr id="73" name="TextShape 1"/>
-          <p:cNvSpPr txBox="1"/>
+          <p:cNvPr id="112" name="CustomShape 1"/>
+          <p:cNvSpPr/>
           <p:nvPr/>
         </p:nvSpPr>
         <p:spPr>
           <a:xfrm>
             <a:off x="1523880" y="1122480"/>
-            <a:ext cx="9143640" cy="677520"/>
-          </a:xfrm>
-          <a:prstGeom prst="rect">
-            <a:avLst/>
-          </a:prstGeom>
-        </p:spPr>
-        <p:txBody>
-          <a:bodyPr anchor="b"/>
-          <a:p>
-            <a:pPr algn="ctr"/>
-            <a:r>
-              <a:rPr lang="en-US" sz="2800">
-                <a:latin typeface="Arial"/>
-              </a:rPr>
-              <a:t>The Blockchain</a:t>
-            </a:r>
-            <a:endParaRPr/>
-          </a:p>
-        </p:txBody>
-      </p:sp>
-      <p:sp>
-        <p:nvSpPr>
-          <p:cNvPr id="74" name="TextShape 2"/>
-          <p:cNvSpPr txBox="1"/>
+            <a:ext cx="9143280" cy="677160"/>
+          </a:xfrm>
+          <a:prstGeom prst="rect">
+            <a:avLst/>
+          </a:prstGeom>
+          <a:noFill/>
+          <a:ln>
+            <a:noFill/>
+          </a:ln>
+        </p:spPr>
+        <p:txBody>
+          <a:bodyPr lIns="90000" rIns="90000" tIns="45000" bIns="45000" anchor="b"/>
+          <a:p>
+            <a:pPr algn="ctr">
+              <a:lnSpc>
+                <a:spcPct val="100000"/>
+              </a:lnSpc>
+            </a:pPr>
+            <a:r>
+              <a:rPr lang="en-IN" sz="2800">
+                <a:latin typeface="Arial"/>
+              </a:rPr>
+              <a:t>Bitcoin transactions. </a:t>
+            </a:r>
+            <a:endParaRPr/>
+          </a:p>
+        </p:txBody>
+      </p:sp>
+      <p:sp>
+        <p:nvSpPr>
+          <p:cNvPr id="113" name="CustomShape 2"/>
+          <p:cNvSpPr/>
           <p:nvPr/>
         </p:nvSpPr>
         <p:spPr>
           <a:xfrm>
             <a:off x="720000" y="1800000"/>
-            <a:ext cx="9143640" cy="3168000"/>
-          </a:xfrm>
-          <a:prstGeom prst="rect">
-            <a:avLst/>
-          </a:prstGeom>
-        </p:spPr>
-        <p:txBody>
-          <a:bodyPr/>
+            <a:ext cx="9143280" cy="3167640"/>
+          </a:xfrm>
+          <a:prstGeom prst="rect">
+            <a:avLst/>
+          </a:prstGeom>
+          <a:noFill/>
+          <a:ln>
+            <a:noFill/>
+          </a:ln>
+        </p:spPr>
+        <p:txBody>
+          <a:bodyPr lIns="90000" rIns="90000" tIns="45000" bIns="45000"/>
           <a:p>
             <a:endParaRPr/>
           </a:p>
@@ -2750,41 +4340,70 @@
           </a:p>
           <a:p>
             <a:pPr>
-              <a:buSzPct val="45000"/>
-              <a:buFont typeface="StarSymbol"/>
-              <a:buChar char=""/>
+              <a:lnSpc>
+                <a:spcPct val="100000"/>
+              </a:lnSpc>
+              <a:buSzPct val="45000"/>
+              <a:buFont typeface="StarSymbol"/>
+              <a:buChar char="l"/>
             </a:pPr>
             <a:r>
               <a:rPr lang="en-IN" sz="2400">
                 <a:latin typeface="Arial"/>
               </a:rPr>
-              <a:t>It is possible for the blockchain to </a:t>
+              <a:t>The heart of the Bitcoin network.  All the technologies in play are used to allow the ability of the network to create and execute transactions of Bitcoins over the Bitcoin/Blockchain system. </a:t>
+            </a:r>
+            <a:endParaRPr/>
+          </a:p>
+          <a:p>
+            <a:pPr>
+              <a:lnSpc>
+                <a:spcPct val="100000"/>
+              </a:lnSpc>
+              <a:buSzPct val="45000"/>
+              <a:buFont typeface="StarSymbol"/>
+              <a:buChar char="l"/>
+            </a:pPr>
+            <a:r>
+              <a:rPr lang="en-IN" sz="2400">
+                <a:latin typeface="Arial"/>
+              </a:rPr>
+              <a:t>Bitcoin transactions are basically a large state machine.  Transactions consume </a:t>
             </a:r>
             <a:r>
               <a:rPr i="1" lang="en-IN" sz="2400">
                 <a:latin typeface="Arial"/>
               </a:rPr>
-              <a:t>fork.</a:t>
+              <a:t>inputs</a:t>
             </a:r>
             <a:r>
               <a:rPr lang="en-IN" sz="2400">
                 <a:latin typeface="Arial"/>
               </a:rPr>
-              <a:t>  This means that two miners solve a block at the same time. In this case, as new blocks are created, the blockchain with the most work done (i.e. the most blocks) becomes the official blockchain.  Any transactions not validated on the old chain are put back into the transaction pool. </a:t>
+              <a:t> and produce </a:t>
+            </a:r>
+            <a:r>
+              <a:rPr i="1" lang="en-IN" sz="2400">
+                <a:latin typeface="Arial"/>
+              </a:rPr>
+              <a:t>outputs.  </a:t>
             </a:r>
             <a:endParaRPr/>
           </a:p>
           <a:p>
             <a:pPr>
-              <a:buSzPct val="45000"/>
-              <a:buFont typeface="StarSymbol"/>
-              <a:buChar char=""/>
+              <a:lnSpc>
+                <a:spcPct val="100000"/>
+              </a:lnSpc>
+              <a:buSzPct val="45000"/>
+              <a:buFont typeface="StarSymbol"/>
+              <a:buChar char="l"/>
             </a:pPr>
             <a:r>
               <a:rPr lang="en-IN" sz="2400">
                 <a:latin typeface="Arial"/>
               </a:rPr>
-              <a:t>The very  first block was the Genesis block.  The blockchain allows users to trace back every bitcoin transaction back to the genesis block. </a:t>
+              <a:t>All bitcoins in any given input must be completely consumed by the transaction.  Any bitcoins not accounted for in the outputs become fees to be given to the miners. </a:t>
             </a:r>
             <a:endParaRPr/>
           </a:p>
@@ -2793,7 +4412,7 @@
     </p:spTree>
   </p:cSld>
   <p:transition spd="med">
-    <p:wipe dir="d"/>
+    <p:wipe dir="u"/>
   </p:transition>
   <p:timing>
     <p:tnLst>
@@ -2844,50 +4463,62 @@
       </p:grpSpPr>
       <p:sp>
         <p:nvSpPr>
-          <p:cNvPr id="75" name="TextShape 1"/>
-          <p:cNvSpPr txBox="1"/>
+          <p:cNvPr id="114" name="CustomShape 1"/>
+          <p:cNvSpPr/>
           <p:nvPr/>
         </p:nvSpPr>
         <p:spPr>
           <a:xfrm>
             <a:off x="1523880" y="1122480"/>
-            <a:ext cx="9143640" cy="677520"/>
-          </a:xfrm>
-          <a:prstGeom prst="rect">
-            <a:avLst/>
-          </a:prstGeom>
-        </p:spPr>
-        <p:txBody>
-          <a:bodyPr anchor="b"/>
-          <a:p>
-            <a:pPr algn="ctr"/>
-            <a:r>
-              <a:rPr lang="en-US" sz="2800">
-                <a:latin typeface="Arial"/>
-              </a:rPr>
-              <a:t>The Blockchain</a:t>
-            </a:r>
-            <a:endParaRPr/>
-          </a:p>
-        </p:txBody>
-      </p:sp>
-      <p:sp>
-        <p:nvSpPr>
-          <p:cNvPr id="76" name="TextShape 2"/>
-          <p:cNvSpPr txBox="1"/>
+            <a:ext cx="9143280" cy="677160"/>
+          </a:xfrm>
+          <a:prstGeom prst="rect">
+            <a:avLst/>
+          </a:prstGeom>
+          <a:noFill/>
+          <a:ln>
+            <a:noFill/>
+          </a:ln>
+        </p:spPr>
+        <p:txBody>
+          <a:bodyPr lIns="90000" rIns="90000" tIns="45000" bIns="45000" anchor="b"/>
+          <a:p>
+            <a:pPr algn="ctr">
+              <a:lnSpc>
+                <a:spcPct val="100000"/>
+              </a:lnSpc>
+            </a:pPr>
+            <a:r>
+              <a:rPr lang="en-IN" sz="2800">
+                <a:latin typeface="Arial"/>
+              </a:rPr>
+              <a:t>Bitcoin transactions</a:t>
+            </a:r>
+            <a:endParaRPr/>
+          </a:p>
+        </p:txBody>
+      </p:sp>
+      <p:sp>
+        <p:nvSpPr>
+          <p:cNvPr id="115" name="CustomShape 2"/>
+          <p:cNvSpPr/>
           <p:nvPr/>
         </p:nvSpPr>
         <p:spPr>
           <a:xfrm>
             <a:off x="720000" y="1800000"/>
-            <a:ext cx="9143640" cy="3168000"/>
-          </a:xfrm>
-          <a:prstGeom prst="rect">
-            <a:avLst/>
-          </a:prstGeom>
-        </p:spPr>
-        <p:txBody>
-          <a:bodyPr/>
+            <a:ext cx="9143280" cy="3167640"/>
+          </a:xfrm>
+          <a:prstGeom prst="rect">
+            <a:avLst/>
+          </a:prstGeom>
+          <a:noFill/>
+          <a:ln>
+            <a:noFill/>
+          </a:ln>
+        </p:spPr>
+        <p:txBody>
+          <a:bodyPr lIns="90000" rIns="90000" tIns="45000" bIns="45000"/>
           <a:p>
             <a:endParaRPr/>
           </a:p>
@@ -2896,43 +4527,64 @@
           </a:p>
           <a:p>
             <a:pPr>
-              <a:buSzPct val="45000"/>
-              <a:buFont typeface="StarSymbol"/>
-              <a:buChar char=""/>
+              <a:lnSpc>
+                <a:spcPct val="100000"/>
+              </a:lnSpc>
+              <a:buSzPct val="45000"/>
+              <a:buFont typeface="StarSymbol"/>
+              <a:buChar char="l"/>
             </a:pPr>
             <a:r>
               <a:rPr lang="en-IN" sz="2400">
                 <a:latin typeface="Arial"/>
               </a:rPr>
-              <a:t>Every 2016 blocks, the bitcoin core software checks to see what the average creation time of the blocks has been. The target is ten minutes between each block creation. </a:t>
+              <a:t>All transactions outputs have a unique transaction ID which is comprised of a SHA256 hash of the transaction. </a:t>
             </a:r>
             <a:endParaRPr/>
           </a:p>
           <a:p>
             <a:pPr>
-              <a:buSzPct val="45000"/>
-              <a:buFont typeface="StarSymbol"/>
-              <a:buChar char=""/>
+              <a:lnSpc>
+                <a:spcPct val="100000"/>
+              </a:lnSpc>
+              <a:buSzPct val="45000"/>
+              <a:buFont typeface="StarSymbol"/>
+              <a:buChar char="l"/>
             </a:pPr>
             <a:r>
               <a:rPr lang="en-IN" sz="2400">
                 <a:latin typeface="Arial"/>
               </a:rPr>
-              <a:t>If the average creation time is greater than ten minutes, then the software decreases the difficulty requirement for new blocks. If it is less than ten minutes, then the difficulty increases.   </a:t>
+              <a:t>Unspent transaction outputs are stored in the Unspent Transaction Output (UTXO) memory pool resident on all bitcoin full nodes. </a:t>
             </a:r>
             <a:endParaRPr/>
           </a:p>
           <a:p>
             <a:pPr>
-              <a:buSzPct val="45000"/>
-              <a:buFont typeface="StarSymbol"/>
-              <a:buChar char=""/>
+              <a:lnSpc>
+                <a:spcPct val="100000"/>
+              </a:lnSpc>
+              <a:buSzPct val="45000"/>
+              <a:buFont typeface="StarSymbol"/>
+              <a:buChar char="l"/>
             </a:pPr>
             <a:r>
               <a:rPr lang="en-IN" sz="2400">
                 <a:latin typeface="Arial"/>
               </a:rPr>
-              <a:t> </a:t>
+              <a:t>There is a special transaction called the </a:t>
+            </a:r>
+            <a:r>
+              <a:rPr i="1" lang="en-IN" sz="2400">
+                <a:latin typeface="Arial"/>
+              </a:rPr>
+              <a:t>Coinbase</a:t>
+            </a:r>
+            <a:r>
+              <a:rPr lang="en-IN" sz="2400">
+                <a:latin typeface="Arial"/>
+              </a:rPr>
+              <a:t> transaction which grants a specific amount of new bitcoin to the miner who solved the puzzle which grants them the ability to create a new block.  Currently the reward is 25 BTC, but will halve in July 2016 to 12.5 BTC.  </a:t>
             </a:r>
             <a:endParaRPr/>
           </a:p>
@@ -2941,7 +4593,7 @@
     </p:spTree>
   </p:cSld>
   <p:transition spd="med">
-    <p:wipe dir="d"/>
+    <p:wipe dir="u"/>
   </p:transition>
   <p:timing>
     <p:tnLst>
@@ -2992,50 +4644,62 @@
       </p:grpSpPr>
       <p:sp>
         <p:nvSpPr>
-          <p:cNvPr id="77" name="TextShape 1"/>
-          <p:cNvSpPr txBox="1"/>
+          <p:cNvPr id="116" name="CustomShape 1"/>
+          <p:cNvSpPr/>
           <p:nvPr/>
         </p:nvSpPr>
         <p:spPr>
           <a:xfrm>
             <a:off x="1523880" y="1122480"/>
-            <a:ext cx="9143640" cy="677520"/>
-          </a:xfrm>
-          <a:prstGeom prst="rect">
-            <a:avLst/>
-          </a:prstGeom>
-        </p:spPr>
-        <p:txBody>
-          <a:bodyPr anchor="b"/>
-          <a:p>
-            <a:pPr algn="ctr"/>
-            <a:r>
-              <a:rPr lang="en-US" sz="2800">
-                <a:latin typeface="Arial"/>
-              </a:rPr>
-              <a:t>SPV clients</a:t>
-            </a:r>
-            <a:endParaRPr/>
-          </a:p>
-        </p:txBody>
-      </p:sp>
-      <p:sp>
-        <p:nvSpPr>
-          <p:cNvPr id="78" name="TextShape 2"/>
-          <p:cNvSpPr txBox="1"/>
+            <a:ext cx="9143280" cy="677160"/>
+          </a:xfrm>
+          <a:prstGeom prst="rect">
+            <a:avLst/>
+          </a:prstGeom>
+          <a:noFill/>
+          <a:ln>
+            <a:noFill/>
+          </a:ln>
+        </p:spPr>
+        <p:txBody>
+          <a:bodyPr lIns="90000" rIns="90000" tIns="45000" bIns="45000" anchor="b"/>
+          <a:p>
+            <a:pPr algn="ctr">
+              <a:lnSpc>
+                <a:spcPct val="100000"/>
+              </a:lnSpc>
+            </a:pPr>
+            <a:r>
+              <a:rPr lang="en-IN" sz="2800">
+                <a:latin typeface="Arial"/>
+              </a:rPr>
+              <a:t>The Blockchain</a:t>
+            </a:r>
+            <a:endParaRPr/>
+          </a:p>
+        </p:txBody>
+      </p:sp>
+      <p:sp>
+        <p:nvSpPr>
+          <p:cNvPr id="117" name="CustomShape 2"/>
+          <p:cNvSpPr/>
           <p:nvPr/>
         </p:nvSpPr>
         <p:spPr>
           <a:xfrm>
             <a:off x="720000" y="1800000"/>
-            <a:ext cx="9143640" cy="3168000"/>
-          </a:xfrm>
-          <a:prstGeom prst="rect">
-            <a:avLst/>
-          </a:prstGeom>
-        </p:spPr>
-        <p:txBody>
-          <a:bodyPr/>
+            <a:ext cx="9143280" cy="3167640"/>
+          </a:xfrm>
+          <a:prstGeom prst="rect">
+            <a:avLst/>
+          </a:prstGeom>
+          <a:noFill/>
+          <a:ln>
+            <a:noFill/>
+          </a:ln>
+        </p:spPr>
+        <p:txBody>
+          <a:bodyPr lIns="90000" rIns="90000" tIns="45000" bIns="45000"/>
           <a:p>
             <a:endParaRPr/>
           </a:p>
@@ -3044,43 +4708,47 @@
           </a:p>
           <a:p>
             <a:pPr>
-              <a:buSzPct val="45000"/>
-              <a:buFont typeface="StarSymbol"/>
-              <a:buChar char=""/>
+              <a:lnSpc>
+                <a:spcPct val="100000"/>
+              </a:lnSpc>
+              <a:buSzPct val="45000"/>
+              <a:buFont typeface="StarSymbol"/>
+              <a:buChar char="l"/>
             </a:pPr>
             <a:r>
               <a:rPr lang="en-IN" sz="2400">
                 <a:latin typeface="Arial"/>
               </a:rPr>
-              <a:t>A full node contains a complete record of the blockchain.  This record is at least 50 Gigabytes in size, which means bitcoin wallets on cell phones cannot feasibly store the entire blockchain. </a:t>
+              <a:t>It is possible for the blockchain to </a:t>
+            </a:r>
+            <a:r>
+              <a:rPr i="1" lang="en-IN" sz="2400">
+                <a:latin typeface="Arial"/>
+              </a:rPr>
+              <a:t>fork.</a:t>
+            </a:r>
+            <a:r>
+              <a:rPr lang="en-IN" sz="2400">
+                <a:latin typeface="Arial"/>
+              </a:rPr>
+              <a:t>  This means that two miners solve a block at the same time. In this case, as new blocks are created, the blockchain with the most work done (i.e. the most blocks) becomes the official blockchain.  Any transactions not validated on the old chain are put back into the transaction pool. </a:t>
             </a:r>
             <a:endParaRPr/>
           </a:p>
           <a:p>
             <a:pPr>
-              <a:buSzPct val="45000"/>
-              <a:buFont typeface="StarSymbol"/>
-              <a:buChar char=""/>
+              <a:lnSpc>
+                <a:spcPct val="100000"/>
+              </a:lnSpc>
+              <a:buSzPct val="45000"/>
+              <a:buFont typeface="StarSymbol"/>
+              <a:buChar char="l"/>
             </a:pPr>
             <a:r>
               <a:rPr lang="en-IN" sz="2400">
                 <a:latin typeface="Arial"/>
               </a:rPr>
-              <a:t>SPV clients use Merkle Trees to only request blocks that it needs from full nodes in order to verify transactions rather than scan the entire blockchain. </a:t>
-            </a:r>
-            <a:endParaRPr/>
-          </a:p>
-          <a:p>
-            <a:pPr>
-              <a:buSzPct val="45000"/>
-              <a:buFont typeface="StarSymbol"/>
-              <a:buChar char=""/>
-            </a:pPr>
-            <a:r>
-              <a:rPr lang="en-IN" sz="2400">
-                <a:latin typeface="Arial"/>
-              </a:rPr>
-              <a:t>Additionally, SPV clients use bloom filters for security reasons so that malicious snoopers cannot identify specific wallet ID's being asked for by the client. </a:t>
+              <a:t>The very  first block was the Genesis block.  The blockchain allows users to trace back every bitcoin transaction back to the genesis block. </a:t>
             </a:r>
             <a:endParaRPr/>
           </a:p>
@@ -3089,7 +4757,7 @@
     </p:spTree>
   </p:cSld>
   <p:transition spd="med">
-    <p:wipe dir="d"/>
+    <p:wipe dir="u"/>
   </p:transition>
   <p:timing>
     <p:tnLst>
@@ -3140,28 +4808,116 @@
       </p:grpSpPr>
       <p:sp>
         <p:nvSpPr>
-          <p:cNvPr id="79" name="TextShape 1"/>
-          <p:cNvSpPr txBox="1"/>
+          <p:cNvPr id="118" name="CustomShape 1"/>
+          <p:cNvSpPr/>
           <p:nvPr/>
         </p:nvSpPr>
         <p:spPr>
           <a:xfrm>
             <a:off x="1523880" y="1122480"/>
-            <a:ext cx="9143640" cy="677520"/>
-          </a:xfrm>
-          <a:prstGeom prst="rect">
-            <a:avLst/>
-          </a:prstGeom>
-        </p:spPr>
-        <p:txBody>
-          <a:bodyPr anchor="b"/>
-          <a:p>
-            <a:pPr algn="ctr"/>
-            <a:r>
-              <a:rPr lang="en-US" sz="2800">
-                <a:latin typeface="Arial"/>
-              </a:rPr>
-              <a:t>Questions?</a:t>
+            <a:ext cx="9143280" cy="677160"/>
+          </a:xfrm>
+          <a:prstGeom prst="rect">
+            <a:avLst/>
+          </a:prstGeom>
+          <a:noFill/>
+          <a:ln>
+            <a:noFill/>
+          </a:ln>
+        </p:spPr>
+        <p:txBody>
+          <a:bodyPr lIns="90000" rIns="90000" tIns="45000" bIns="45000" anchor="b"/>
+          <a:p>
+            <a:pPr algn="ctr">
+              <a:lnSpc>
+                <a:spcPct val="100000"/>
+              </a:lnSpc>
+            </a:pPr>
+            <a:r>
+              <a:rPr lang="en-IN" sz="2800">
+                <a:latin typeface="Arial"/>
+              </a:rPr>
+              <a:t>The Blockchain</a:t>
+            </a:r>
+            <a:endParaRPr/>
+          </a:p>
+        </p:txBody>
+      </p:sp>
+      <p:sp>
+        <p:nvSpPr>
+          <p:cNvPr id="119" name="CustomShape 2"/>
+          <p:cNvSpPr/>
+          <p:nvPr/>
+        </p:nvSpPr>
+        <p:spPr>
+          <a:xfrm>
+            <a:off x="720000" y="1800000"/>
+            <a:ext cx="9143280" cy="3167640"/>
+          </a:xfrm>
+          <a:prstGeom prst="rect">
+            <a:avLst/>
+          </a:prstGeom>
+          <a:noFill/>
+          <a:ln>
+            <a:noFill/>
+          </a:ln>
+        </p:spPr>
+        <p:txBody>
+          <a:bodyPr lIns="90000" rIns="90000" tIns="45000" bIns="45000"/>
+          <a:p>
+            <a:endParaRPr/>
+          </a:p>
+          <a:p>
+            <a:endParaRPr/>
+          </a:p>
+          <a:p>
+            <a:pPr>
+              <a:lnSpc>
+                <a:spcPct val="100000"/>
+              </a:lnSpc>
+              <a:buSzPct val="45000"/>
+              <a:buFont typeface="StarSymbol"/>
+              <a:buChar char="l"/>
+            </a:pPr>
+            <a:r>
+              <a:rPr lang="en-IN" sz="2400">
+                <a:latin typeface="Arial"/>
+              </a:rPr>
+              <a:t>Every 2016 blocks, the bitcoin core software checks to see what the average creation time of the blocks has been. The target is ten minutes between each block creation. </a:t>
+            </a:r>
+            <a:endParaRPr/>
+          </a:p>
+          <a:p>
+            <a:pPr>
+              <a:lnSpc>
+                <a:spcPct val="100000"/>
+              </a:lnSpc>
+              <a:buSzPct val="45000"/>
+              <a:buFont typeface="StarSymbol"/>
+              <a:buChar char="l"/>
+            </a:pPr>
+            <a:r>
+              <a:rPr lang="en-IN" sz="2400">
+                <a:latin typeface="Arial"/>
+              </a:rPr>
+              <a:t>If the average creation time is greater than ten minutes, then the software decreases the difficulty requirement for new blocks. If it is less than ten minutes, then the difficulty increases.   </a:t>
+            </a:r>
+            <a:endParaRPr/>
+          </a:p>
+          <a:p>
+            <a:pPr>
+              <a:lnSpc>
+                <a:spcPct val="100000"/>
+              </a:lnSpc>
+              <a:buSzPct val="45000"/>
+              <a:buFont typeface="StarSymbol"/>
+              <a:buChar char="l"/>
+            </a:pPr>
+            <a:r>
+              <a:rPr lang="en-IN" sz="2400">
+                <a:latin typeface="Arial"/>
+              </a:rPr>
+              <a:t> </a:t>
             </a:r>
             <a:endParaRPr/>
           </a:p>
@@ -3170,7 +4926,7 @@
     </p:spTree>
   </p:cSld>
   <p:transition spd="med">
-    <p:wipe dir="d"/>
+    <p:wipe dir="u"/>
   </p:transition>
   <p:timing>
     <p:tnLst>
@@ -3221,51 +4977,56 @@
       </p:grpSpPr>
       <p:sp>
         <p:nvSpPr>
-          <p:cNvPr id="47" name="TextShape 1"/>
-          <p:cNvSpPr txBox="1"/>
+          <p:cNvPr id="86" name="CustomShape 1"/>
+          <p:cNvSpPr/>
           <p:nvPr/>
         </p:nvSpPr>
         <p:spPr>
           <a:xfrm>
             <a:off x="1800000" y="236520"/>
-            <a:ext cx="7128000" cy="1203480"/>
-          </a:xfrm>
-          <a:prstGeom prst="rect">
-            <a:avLst/>
-          </a:prstGeom>
-        </p:spPr>
-        <p:txBody>
-          <a:bodyPr lIns="0" rIns="0" tIns="0" bIns="0" anchor="ctr"/>
-          <a:p>
-            <a:endParaRPr/>
-          </a:p>
-        </p:txBody>
-      </p:sp>
-      <p:sp>
-        <p:nvSpPr>
-          <p:cNvPr id="48" name="TextShape 2"/>
-          <p:cNvSpPr txBox="1"/>
+            <a:ext cx="7127640" cy="1203120"/>
+          </a:xfrm>
+          <a:prstGeom prst="rect">
+            <a:avLst/>
+          </a:prstGeom>
+          <a:noFill/>
+          <a:ln>
+            <a:noFill/>
+          </a:ln>
+        </p:spPr>
+      </p:sp>
+      <p:sp>
+        <p:nvSpPr>
+          <p:cNvPr id="87" name="CustomShape 2"/>
+          <p:cNvSpPr/>
           <p:nvPr/>
         </p:nvSpPr>
         <p:spPr>
           <a:xfrm>
             <a:off x="609480" y="1604520"/>
-            <a:ext cx="10972440" cy="3977280"/>
-          </a:xfrm>
-          <a:prstGeom prst="rect">
-            <a:avLst/>
-          </a:prstGeom>
+            <a:ext cx="10972080" cy="3976920"/>
+          </a:xfrm>
+          <a:prstGeom prst="rect">
+            <a:avLst/>
+          </a:prstGeom>
+          <a:noFill/>
+          <a:ln>
+            <a:noFill/>
+          </a:ln>
         </p:spPr>
         <p:txBody>
           <a:bodyPr lIns="0" rIns="0" tIns="0" bIns="0"/>
           <a:p>
             <a:pPr>
-              <a:buSzPct val="45000"/>
-              <a:buFont typeface="StarSymbol"/>
-              <a:buChar char=""/>
-            </a:pPr>
-            <a:r>
-              <a:rPr lang="en-US" sz="2800">
+              <a:lnSpc>
+                <a:spcPct val="100000"/>
+              </a:lnSpc>
+              <a:buSzPct val="45000"/>
+              <a:buFont typeface="StarSymbol"/>
+              <a:buChar char="l"/>
+            </a:pPr>
+            <a:r>
+              <a:rPr lang="en-IN" sz="2800">
                 <a:latin typeface="Calibri"/>
               </a:rPr>
               <a:t>The components that make up Bitcoin and the Blockchain are products of research in Computer Science that stretch back for decades.</a:t>
@@ -3274,12 +5035,15 @@
           </a:p>
           <a:p>
             <a:pPr>
-              <a:buSzPct val="45000"/>
-              <a:buFont typeface="StarSymbol"/>
-              <a:buChar char=""/>
-            </a:pPr>
-            <a:r>
-              <a:rPr lang="en-US" sz="2800">
+              <a:lnSpc>
+                <a:spcPct val="100000"/>
+              </a:lnSpc>
+              <a:buSzPct val="45000"/>
+              <a:buFont typeface="StarSymbol"/>
+              <a:buChar char="l"/>
+            </a:pPr>
+            <a:r>
+              <a:rPr lang="en-IN" sz="2800">
                 <a:latin typeface="Calibri"/>
               </a:rPr>
               <a:t>The genius of Satoshi Nakamoto was to combine these technologies into a brilliantly architected software platform .</a:t>
@@ -3288,12 +5052,15 @@
           </a:p>
           <a:p>
             <a:pPr>
-              <a:buSzPct val="45000"/>
-              <a:buFont typeface="StarSymbol"/>
-              <a:buChar char=""/>
-            </a:pPr>
-            <a:r>
-              <a:rPr lang="en-US" sz="2800">
+              <a:lnSpc>
+                <a:spcPct val="100000"/>
+              </a:lnSpc>
+              <a:buSzPct val="45000"/>
+              <a:buFont typeface="StarSymbol"/>
+              <a:buChar char="l"/>
+            </a:pPr>
+            <a:r>
+              <a:rPr lang="en-IN" sz="2800">
                 <a:latin typeface="Calibri"/>
               </a:rPr>
               <a:t>We'll discuss some of these technologies before we dive into the blockchain directly. </a:t>
@@ -3305,7 +5072,7 @@
     </p:spTree>
   </p:cSld>
   <p:transition spd="med">
-    <p:wipe dir="d"/>
+    <p:wipe dir="u"/>
   </p:transition>
   <p:timing>
     <p:tnLst>
@@ -3356,68 +5123,116 @@
       </p:grpSpPr>
       <p:sp>
         <p:nvSpPr>
-          <p:cNvPr id="80" name="TextShape 1"/>
-          <p:cNvSpPr txBox="1"/>
+          <p:cNvPr id="120" name="CustomShape 1"/>
+          <p:cNvSpPr/>
           <p:nvPr/>
         </p:nvSpPr>
         <p:spPr>
           <a:xfrm>
             <a:off x="1523880" y="1122480"/>
-            <a:ext cx="9143640" cy="677520"/>
-          </a:xfrm>
-          <a:prstGeom prst="rect">
-            <a:avLst/>
-          </a:prstGeom>
-        </p:spPr>
-        <p:txBody>
-          <a:bodyPr anchor="b"/>
-          <a:p>
-            <a:pPr algn="ctr"/>
-            <a:r>
-              <a:rPr lang="en-US" sz="2800">
-                <a:latin typeface="Arial"/>
-              </a:rPr>
-              <a:t>Contact Information</a:t>
-            </a:r>
-            <a:endParaRPr/>
-          </a:p>
-        </p:txBody>
-      </p:sp>
-      <p:sp>
-        <p:nvSpPr>
-          <p:cNvPr id="81" name="TextShape 2"/>
-          <p:cNvSpPr txBox="1"/>
+            <a:ext cx="9143280" cy="677160"/>
+          </a:xfrm>
+          <a:prstGeom prst="rect">
+            <a:avLst/>
+          </a:prstGeom>
+          <a:noFill/>
+          <a:ln>
+            <a:noFill/>
+          </a:ln>
+        </p:spPr>
+        <p:txBody>
+          <a:bodyPr lIns="90000" rIns="90000" tIns="45000" bIns="45000" anchor="b"/>
+          <a:p>
+            <a:pPr algn="ctr">
+              <a:lnSpc>
+                <a:spcPct val="100000"/>
+              </a:lnSpc>
+            </a:pPr>
+            <a:r>
+              <a:rPr lang="en-IN" sz="2800">
+                <a:latin typeface="Arial"/>
+              </a:rPr>
+              <a:t>SPV clients</a:t>
+            </a:r>
+            <a:endParaRPr/>
+          </a:p>
+        </p:txBody>
+      </p:sp>
+      <p:sp>
+        <p:nvSpPr>
+          <p:cNvPr id="121" name="CustomShape 2"/>
+          <p:cNvSpPr/>
           <p:nvPr/>
         </p:nvSpPr>
         <p:spPr>
           <a:xfrm>
             <a:off x="720000" y="1800000"/>
-            <a:ext cx="9143640" cy="3168000"/>
-          </a:xfrm>
-          <a:prstGeom prst="rect">
-            <a:avLst/>
-          </a:prstGeom>
-        </p:spPr>
-        <p:txBody>
-          <a:bodyPr/>
-          <a:p>
-            <a:endParaRPr/>
-          </a:p>
-          <a:p>
+            <a:ext cx="9143280" cy="3167640"/>
+          </a:xfrm>
+          <a:prstGeom prst="rect">
+            <a:avLst/>
+          </a:prstGeom>
+          <a:noFill/>
+          <a:ln>
+            <a:noFill/>
+          </a:ln>
+        </p:spPr>
+        <p:txBody>
+          <a:bodyPr lIns="90000" rIns="90000" tIns="45000" bIns="45000"/>
+          <a:p>
+            <a:endParaRPr/>
+          </a:p>
+          <a:p>
+            <a:endParaRPr/>
+          </a:p>
+          <a:p>
+            <a:pPr>
+              <a:lnSpc>
+                <a:spcPct val="100000"/>
+              </a:lnSpc>
+              <a:buSzPct val="45000"/>
+              <a:buFont typeface="StarSymbol"/>
+              <a:buChar char="l"/>
+            </a:pPr>
             <a:r>
               <a:rPr lang="en-IN" sz="2400">
                 <a:latin typeface="Arial"/>
               </a:rPr>
-              <a:t>E-mail address: bbrelin@gmail.com  </a:t>
-            </a:r>
-            <a:endParaRPr/>
-          </a:p>
-          <a:p>
+              <a:t>A full node contains a complete record of the blockchain.  This record is at least 50 Gigabytes in size, which means bitcoin wallets on cell phones cannot feasibly store the entire blockchain. </a:t>
+            </a:r>
+            <a:endParaRPr/>
+          </a:p>
+          <a:p>
+            <a:pPr>
+              <a:lnSpc>
+                <a:spcPct val="100000"/>
+              </a:lnSpc>
+              <a:buSzPct val="45000"/>
+              <a:buFont typeface="StarSymbol"/>
+              <a:buChar char="l"/>
+            </a:pPr>
             <a:r>
               <a:rPr lang="en-IN" sz="2400">
                 <a:latin typeface="Arial"/>
               </a:rPr>
-              <a:t>GitHub Repo:  https://github.com/redmage123/btcworkshop</a:t>
+              <a:t>SPV clients use Merkle Trees to only request blocks that it needs from full nodes in order to verify transactions rather than scan the entire blockchain. </a:t>
+            </a:r>
+            <a:endParaRPr/>
+          </a:p>
+          <a:p>
+            <a:pPr>
+              <a:lnSpc>
+                <a:spcPct val="100000"/>
+              </a:lnSpc>
+              <a:buSzPct val="45000"/>
+              <a:buFont typeface="StarSymbol"/>
+              <a:buChar char="l"/>
+            </a:pPr>
+            <a:r>
+              <a:rPr lang="en-IN" sz="2400">
+                <a:latin typeface="Arial"/>
+              </a:rPr>
+              <a:t>Additionally, SPV clients use bloom filters for security reasons so that malicious snoopers cannot identify specific wallet ID's being asked for by the client. </a:t>
             </a:r>
             <a:endParaRPr/>
           </a:p>
@@ -3426,7 +5241,7 @@
     </p:spTree>
   </p:cSld>
   <p:transition spd="med">
-    <p:wipe dir="d"/>
+    <p:wipe dir="u"/>
   </p:transition>
   <p:timing>
     <p:tnLst>
@@ -3435,6 +5250,228 @@
           <p:childTnLst>
             <p:seq>
               <p:cTn id="40" nodeType="mainSeq"/>
+              <p:prevCondLst>
+                <p:cond delay="0" evt="onPrev">
+                  <p:tgtEl>
+                    <p:sldTgt/>
+                  </p:tgtEl>
+                </p:cond>
+              </p:prevCondLst>
+              <p:nextCondLst>
+                <p:cond delay="0" evt="onNext">
+                  <p:tgtEl>
+                    <p:sldTgt/>
+                  </p:tgtEl>
+                </p:cond>
+              </p:nextCondLst>
+            </p:seq>
+          </p:childTnLst>
+        </p:cTn>
+      </p:par>
+    </p:tnLst>
+  </p:timing>
+</p:sld>
+</file>
+
+<file path=ppt/slides/slide21.xml><?xml version="1.0" encoding="utf-8"?>
+<p:sld xmlns:a="http://schemas.openxmlformats.org/drawingml/2006/main" xmlns:p="http://schemas.openxmlformats.org/presentationml/2006/main" xmlns:r="http://schemas.openxmlformats.org/officeDocument/2006/relationships">
+  <p:cSld>
+    <p:spTree>
+      <p:nvGrpSpPr>
+        <p:cNvPr id="1" name=""/>
+        <p:cNvGrpSpPr/>
+        <p:nvPr/>
+      </p:nvGrpSpPr>
+      <p:grpSpPr>
+        <a:xfrm>
+          <a:off x="0" y="0"/>
+          <a:ext cx="0" cy="0"/>
+          <a:chOff x="0" y="0"/>
+          <a:chExt cx="0" cy="0"/>
+        </a:xfrm>
+      </p:grpSpPr>
+      <p:sp>
+        <p:nvSpPr>
+          <p:cNvPr id="122" name="CustomShape 1"/>
+          <p:cNvSpPr/>
+          <p:nvPr/>
+        </p:nvSpPr>
+        <p:spPr>
+          <a:xfrm>
+            <a:off x="1523880" y="1122480"/>
+            <a:ext cx="9143280" cy="677160"/>
+          </a:xfrm>
+          <a:prstGeom prst="rect">
+            <a:avLst/>
+          </a:prstGeom>
+          <a:noFill/>
+          <a:ln>
+            <a:noFill/>
+          </a:ln>
+        </p:spPr>
+        <p:txBody>
+          <a:bodyPr lIns="90000" rIns="90000" tIns="45000" bIns="45000" anchor="b"/>
+          <a:p>
+            <a:pPr algn="ctr">
+              <a:lnSpc>
+                <a:spcPct val="100000"/>
+              </a:lnSpc>
+            </a:pPr>
+            <a:r>
+              <a:rPr lang="en-IN" sz="2800">
+                <a:latin typeface="Arial"/>
+              </a:rPr>
+              <a:t>Questions?</a:t>
+            </a:r>
+            <a:endParaRPr/>
+          </a:p>
+        </p:txBody>
+      </p:sp>
+    </p:spTree>
+  </p:cSld>
+  <p:transition spd="med">
+    <p:wipe dir="u"/>
+  </p:transition>
+  <p:timing>
+    <p:tnLst>
+      <p:par>
+        <p:cTn id="41" dur="indefinite" restart="never" nodeType="tmRoot">
+          <p:childTnLst>
+            <p:seq>
+              <p:cTn id="42" nodeType="mainSeq"/>
+              <p:prevCondLst>
+                <p:cond delay="0" evt="onPrev">
+                  <p:tgtEl>
+                    <p:sldTgt/>
+                  </p:tgtEl>
+                </p:cond>
+              </p:prevCondLst>
+              <p:nextCondLst>
+                <p:cond delay="0" evt="onNext">
+                  <p:tgtEl>
+                    <p:sldTgt/>
+                  </p:tgtEl>
+                </p:cond>
+              </p:nextCondLst>
+            </p:seq>
+          </p:childTnLst>
+        </p:cTn>
+      </p:par>
+    </p:tnLst>
+  </p:timing>
+</p:sld>
+</file>
+
+<file path=ppt/slides/slide22.xml><?xml version="1.0" encoding="utf-8"?>
+<p:sld xmlns:a="http://schemas.openxmlformats.org/drawingml/2006/main" xmlns:p="http://schemas.openxmlformats.org/presentationml/2006/main" xmlns:r="http://schemas.openxmlformats.org/officeDocument/2006/relationships">
+  <p:cSld>
+    <p:spTree>
+      <p:nvGrpSpPr>
+        <p:cNvPr id="1" name=""/>
+        <p:cNvGrpSpPr/>
+        <p:nvPr/>
+      </p:nvGrpSpPr>
+      <p:grpSpPr>
+        <a:xfrm>
+          <a:off x="0" y="0"/>
+          <a:ext cx="0" cy="0"/>
+          <a:chOff x="0" y="0"/>
+          <a:chExt cx="0" cy="0"/>
+        </a:xfrm>
+      </p:grpSpPr>
+      <p:sp>
+        <p:nvSpPr>
+          <p:cNvPr id="123" name="CustomShape 1"/>
+          <p:cNvSpPr/>
+          <p:nvPr/>
+        </p:nvSpPr>
+        <p:spPr>
+          <a:xfrm>
+            <a:off x="1523880" y="1122480"/>
+            <a:ext cx="9143280" cy="677160"/>
+          </a:xfrm>
+          <a:prstGeom prst="rect">
+            <a:avLst/>
+          </a:prstGeom>
+          <a:noFill/>
+          <a:ln>
+            <a:noFill/>
+          </a:ln>
+        </p:spPr>
+        <p:txBody>
+          <a:bodyPr lIns="90000" rIns="90000" tIns="45000" bIns="45000" anchor="b"/>
+          <a:p>
+            <a:pPr algn="ctr">
+              <a:lnSpc>
+                <a:spcPct val="100000"/>
+              </a:lnSpc>
+            </a:pPr>
+            <a:r>
+              <a:rPr lang="en-IN" sz="2800">
+                <a:latin typeface="Arial"/>
+              </a:rPr>
+              <a:t>Contact Information</a:t>
+            </a:r>
+            <a:endParaRPr/>
+          </a:p>
+        </p:txBody>
+      </p:sp>
+      <p:sp>
+        <p:nvSpPr>
+          <p:cNvPr id="124" name="CustomShape 2"/>
+          <p:cNvSpPr/>
+          <p:nvPr/>
+        </p:nvSpPr>
+        <p:spPr>
+          <a:xfrm>
+            <a:off x="720000" y="1800000"/>
+            <a:ext cx="9143280" cy="3167640"/>
+          </a:xfrm>
+          <a:prstGeom prst="rect">
+            <a:avLst/>
+          </a:prstGeom>
+          <a:noFill/>
+          <a:ln>
+            <a:noFill/>
+          </a:ln>
+        </p:spPr>
+        <p:txBody>
+          <a:bodyPr lIns="90000" rIns="90000" tIns="45000" bIns="45000"/>
+          <a:p>
+            <a:endParaRPr/>
+          </a:p>
+          <a:p>
+            <a:r>
+              <a:rPr lang="en-IN" sz="2400">
+                <a:latin typeface="Arial"/>
+              </a:rPr>
+              <a:t>E-mail address: bbrelin@gmail.com  </a:t>
+            </a:r>
+            <a:endParaRPr/>
+          </a:p>
+          <a:p>
+            <a:r>
+              <a:rPr lang="en-IN" sz="2400">
+                <a:latin typeface="Arial"/>
+              </a:rPr>
+              <a:t>GitHub Repo:  https://github.com/redmage123/btcworkshop</a:t>
+            </a:r>
+            <a:endParaRPr/>
+          </a:p>
+        </p:txBody>
+      </p:sp>
+    </p:spTree>
+  </p:cSld>
+  <p:transition spd="med">
+    <p:wipe dir="u"/>
+  </p:transition>
+  <p:timing>
+    <p:tnLst>
+      <p:par>
+        <p:cTn id="43" dur="indefinite" restart="never" nodeType="tmRoot">
+          <p:childTnLst>
+            <p:seq>
+              <p:cTn id="44" nodeType="mainSeq"/>
               <p:prevCondLst>
                 <p:cond delay="0" evt="onPrev">
                   <p:tgtEl>
@@ -3477,29 +5514,36 @@
       </p:grpSpPr>
       <p:sp>
         <p:nvSpPr>
-          <p:cNvPr id="49" name="TextShape 1"/>
-          <p:cNvSpPr txBox="1"/>
+          <p:cNvPr id="88" name="CustomShape 1"/>
+          <p:cNvSpPr/>
           <p:nvPr/>
         </p:nvSpPr>
         <p:spPr>
           <a:xfrm>
             <a:off x="609480" y="1604520"/>
-            <a:ext cx="10972440" cy="3977280"/>
-          </a:xfrm>
-          <a:prstGeom prst="rect">
-            <a:avLst/>
-          </a:prstGeom>
+            <a:ext cx="10972080" cy="3976920"/>
+          </a:xfrm>
+          <a:prstGeom prst="rect">
+            <a:avLst/>
+          </a:prstGeom>
+          <a:noFill/>
+          <a:ln>
+            <a:noFill/>
+          </a:ln>
         </p:spPr>
         <p:txBody>
           <a:bodyPr lIns="0" rIns="0" tIns="0" bIns="0"/>
           <a:p>
             <a:pPr>
-              <a:buSzPct val="45000"/>
-              <a:buFont typeface="StarSymbol"/>
-              <a:buChar char=""/>
-            </a:pPr>
-            <a:r>
-              <a:rPr lang="en-US" sz="2800">
+              <a:lnSpc>
+                <a:spcPct val="100000"/>
+              </a:lnSpc>
+              <a:buSzPct val="45000"/>
+              <a:buFont typeface="StarSymbol"/>
+              <a:buChar char="l"/>
+            </a:pPr>
+            <a:r>
+              <a:rPr lang="en-IN" sz="2800">
                 <a:latin typeface="Calibri"/>
               </a:rPr>
               <a:t>Some of the pieces of the puzzle include</a:t>
@@ -3508,20 +5552,23 @@
           </a:p>
           <a:p>
             <a:pPr>
-              <a:buSzPct val="45000"/>
-              <a:buFont typeface="StarSymbol"/>
-              <a:buChar char=""/>
+              <a:lnSpc>
+                <a:spcPct val="100000"/>
+              </a:lnSpc>
             </a:pPr>
             <a:endParaRPr/>
           </a:p>
           <a:p>
             <a:pPr>
-              <a:buSzPct val="45000"/>
-              <a:buFont typeface="StarSymbol"/>
-              <a:buChar char=""/>
-            </a:pPr>
-            <a:r>
-              <a:rPr lang="en-US" sz="2800">
+              <a:lnSpc>
+                <a:spcPct val="100000"/>
+              </a:lnSpc>
+              <a:buSzPct val="45000"/>
+              <a:buFont typeface="StarSymbol"/>
+              <a:buChar char="l"/>
+            </a:pPr>
+            <a:r>
+              <a:rPr lang="en-IN" sz="2800">
                 <a:latin typeface="Calibri"/>
               </a:rPr>
               <a:t>Cryptographic Hashing. </a:t>
@@ -3530,12 +5577,15 @@
           </a:p>
           <a:p>
             <a:pPr>
-              <a:buSzPct val="45000"/>
-              <a:buFont typeface="StarSymbol"/>
-              <a:buChar char=""/>
-            </a:pPr>
-            <a:r>
-              <a:rPr lang="en-US" sz="2800">
+              <a:lnSpc>
+                <a:spcPct val="100000"/>
+              </a:lnSpc>
+              <a:buSzPct val="45000"/>
+              <a:buFont typeface="StarSymbol"/>
+              <a:buChar char="l"/>
+            </a:pPr>
+            <a:r>
+              <a:rPr lang="en-IN" sz="2800">
                 <a:latin typeface="Calibri"/>
               </a:rPr>
               <a:t>Public Key Infrastructure</a:t>
@@ -3544,12 +5594,15 @@
           </a:p>
           <a:p>
             <a:pPr>
-              <a:buSzPct val="45000"/>
-              <a:buFont typeface="StarSymbol"/>
-              <a:buChar char=""/>
-            </a:pPr>
-            <a:r>
-              <a:rPr lang="en-US" sz="2800">
+              <a:lnSpc>
+                <a:spcPct val="100000"/>
+              </a:lnSpc>
+              <a:buSzPct val="45000"/>
+              <a:buFont typeface="StarSymbol"/>
+              <a:buChar char="l"/>
+            </a:pPr>
+            <a:r>
+              <a:rPr lang="en-IN" sz="2800">
                 <a:latin typeface="Calibri"/>
               </a:rPr>
               <a:t>Digital Signatures</a:t>
@@ -3558,12 +5611,15 @@
           </a:p>
           <a:p>
             <a:pPr>
-              <a:buSzPct val="45000"/>
-              <a:buFont typeface="StarSymbol"/>
-              <a:buChar char=""/>
-            </a:pPr>
-            <a:r>
-              <a:rPr lang="en-US" sz="2800">
+              <a:lnSpc>
+                <a:spcPct val="100000"/>
+              </a:lnSpc>
+              <a:buSzPct val="45000"/>
+              <a:buFont typeface="StarSymbol"/>
+              <a:buChar char="l"/>
+            </a:pPr>
+            <a:r>
+              <a:rPr lang="en-IN" sz="2800">
                 <a:latin typeface="Calibri"/>
               </a:rPr>
               <a:t>Elliptic Curves</a:t>
@@ -3572,12 +5628,15 @@
           </a:p>
           <a:p>
             <a:pPr>
-              <a:buSzPct val="45000"/>
-              <a:buFont typeface="StarSymbol"/>
-              <a:buChar char=""/>
-            </a:pPr>
-            <a:r>
-              <a:rPr lang="en-US" sz="2800">
+              <a:lnSpc>
+                <a:spcPct val="100000"/>
+              </a:lnSpc>
+              <a:buSzPct val="45000"/>
+              <a:buFont typeface="StarSymbol"/>
+              <a:buChar char="l"/>
+            </a:pPr>
+            <a:r>
+              <a:rPr lang="en-IN" sz="2800">
                 <a:latin typeface="Calibri"/>
               </a:rPr>
               <a:t>Hashcash</a:t>
@@ -3586,12 +5645,15 @@
           </a:p>
           <a:p>
             <a:pPr>
-              <a:buSzPct val="45000"/>
-              <a:buFont typeface="StarSymbol"/>
-              <a:buChar char=""/>
-            </a:pPr>
-            <a:r>
-              <a:rPr lang="en-US" sz="2800">
+              <a:lnSpc>
+                <a:spcPct val="100000"/>
+              </a:lnSpc>
+              <a:buSzPct val="45000"/>
+              <a:buFont typeface="StarSymbol"/>
+              <a:buChar char="l"/>
+            </a:pPr>
+            <a:r>
+              <a:rPr lang="en-IN" sz="2800">
                 <a:latin typeface="Calibri"/>
               </a:rPr>
               <a:t>Merkle Trees</a:t>
@@ -3600,12 +5662,15 @@
           </a:p>
           <a:p>
             <a:pPr>
-              <a:buSzPct val="45000"/>
-              <a:buFont typeface="StarSymbol"/>
-              <a:buChar char=""/>
-            </a:pPr>
-            <a:r>
-              <a:rPr lang="en-US" sz="2800">
+              <a:lnSpc>
+                <a:spcPct val="100000"/>
+              </a:lnSpc>
+              <a:buSzPct val="45000"/>
+              <a:buFont typeface="StarSymbol"/>
+              <a:buChar char="l"/>
+            </a:pPr>
+            <a:r>
+              <a:rPr lang="en-IN" sz="2800">
                 <a:latin typeface="Calibri"/>
               </a:rPr>
               <a:t>Bloom filters</a:t>
@@ -3617,7 +5682,7 @@
     </p:spTree>
   </p:cSld>
   <p:transition spd="med">
-    <p:wipe dir="d"/>
+    <p:wipe dir="u"/>
   </p:transition>
   <p:timing>
     <p:tnLst>
@@ -3668,25 +5733,33 @@
       </p:grpSpPr>
       <p:sp>
         <p:nvSpPr>
-          <p:cNvPr id="50" name="TextShape 1"/>
-          <p:cNvSpPr txBox="1"/>
+          <p:cNvPr id="89" name="CustomShape 1"/>
+          <p:cNvSpPr/>
           <p:nvPr/>
         </p:nvSpPr>
         <p:spPr>
           <a:xfrm>
             <a:off x="1523880" y="1122480"/>
-            <a:ext cx="9143640" cy="677520"/>
-          </a:xfrm>
-          <a:prstGeom prst="rect">
-            <a:avLst/>
-          </a:prstGeom>
-        </p:spPr>
-        <p:txBody>
-          <a:bodyPr anchor="b"/>
-          <a:p>
-            <a:pPr algn="ctr"/>
-            <a:r>
-              <a:rPr lang="en-US" sz="2800">
+            <a:ext cx="9143280" cy="677160"/>
+          </a:xfrm>
+          <a:prstGeom prst="rect">
+            <a:avLst/>
+          </a:prstGeom>
+          <a:noFill/>
+          <a:ln>
+            <a:noFill/>
+          </a:ln>
+        </p:spPr>
+        <p:txBody>
+          <a:bodyPr lIns="90000" rIns="90000" tIns="45000" bIns="45000" anchor="b"/>
+          <a:p>
+            <a:pPr algn="ctr">
+              <a:lnSpc>
+                <a:spcPct val="100000"/>
+              </a:lnSpc>
+            </a:pPr>
+            <a:r>
+              <a:rPr lang="en-IN" sz="2800">
                 <a:latin typeface="Arial"/>
               </a:rPr>
               <a:t>Cryptographic Hashing</a:t>
@@ -3697,21 +5770,25 @@
       </p:sp>
       <p:sp>
         <p:nvSpPr>
-          <p:cNvPr id="51" name="TextShape 2"/>
-          <p:cNvSpPr txBox="1"/>
+          <p:cNvPr id="90" name="CustomShape 2"/>
+          <p:cNvSpPr/>
           <p:nvPr/>
         </p:nvSpPr>
         <p:spPr>
           <a:xfrm>
             <a:off x="864000" y="1800000"/>
-            <a:ext cx="9143640" cy="1655280"/>
-          </a:xfrm>
-          <a:prstGeom prst="rect">
-            <a:avLst/>
-          </a:prstGeom>
-        </p:spPr>
-        <p:txBody>
-          <a:bodyPr/>
+            <a:ext cx="9143280" cy="1654920"/>
+          </a:xfrm>
+          <a:prstGeom prst="rect">
+            <a:avLst/>
+          </a:prstGeom>
+          <a:noFill/>
+          <a:ln>
+            <a:noFill/>
+          </a:ln>
+        </p:spPr>
+        <p:txBody>
+          <a:bodyPr lIns="90000" rIns="90000" tIns="45000" bIns="45000"/>
           <a:p>
             <a:r>
               <a:rPr lang="en-IN" sz="2400">
@@ -3723,17 +5800,20 @@
           </a:p>
           <a:p>
             <a:pPr>
-              <a:buSzPct val="45000"/>
-              <a:buFont typeface="StarSymbol"/>
-              <a:buChar char=""/>
+              <a:lnSpc>
+                <a:spcPct val="100000"/>
+              </a:lnSpc>
             </a:pPr>
             <a:endParaRPr/>
           </a:p>
           <a:p>
             <a:pPr>
-              <a:buSzPct val="45000"/>
-              <a:buFont typeface="StarSymbol"/>
-              <a:buChar char=""/>
+              <a:lnSpc>
+                <a:spcPct val="100000"/>
+              </a:lnSpc>
+              <a:buSzPct val="45000"/>
+              <a:buFont typeface="StarSymbol"/>
+              <a:buChar char="l"/>
             </a:pPr>
             <a:r>
               <a:rPr lang="en-IN" sz="2400">
@@ -3757,9 +5837,12 @@
           </a:p>
           <a:p>
             <a:pPr>
-              <a:buSzPct val="45000"/>
-              <a:buFont typeface="StarSymbol"/>
-              <a:buChar char=""/>
+              <a:lnSpc>
+                <a:spcPct val="100000"/>
+              </a:lnSpc>
+              <a:buSzPct val="45000"/>
+              <a:buFont typeface="StarSymbol"/>
+              <a:buChar char="l"/>
             </a:pPr>
             <a:r>
               <a:rPr lang="en-IN" sz="2400">
@@ -3771,9 +5854,12 @@
           </a:p>
           <a:p>
             <a:pPr>
-              <a:buSzPct val="45000"/>
-              <a:buFont typeface="StarSymbol"/>
-              <a:buChar char=""/>
+              <a:lnSpc>
+                <a:spcPct val="100000"/>
+              </a:lnSpc>
+              <a:buSzPct val="45000"/>
+              <a:buFont typeface="StarSymbol"/>
+              <a:buChar char="l"/>
             </a:pPr>
             <a:r>
               <a:rPr lang="en-IN" sz="2400">
@@ -3791,9 +5877,12 @@
           </a:p>
           <a:p>
             <a:pPr>
-              <a:buSzPct val="45000"/>
-              <a:buFont typeface="StarSymbol"/>
-              <a:buChar char=""/>
+              <a:lnSpc>
+                <a:spcPct val="100000"/>
+              </a:lnSpc>
+              <a:buSzPct val="45000"/>
+              <a:buFont typeface="StarSymbol"/>
+              <a:buChar char="l"/>
             </a:pPr>
             <a:r>
               <a:rPr lang="en-IN" sz="2400">
@@ -3804,11 +5893,19 @@
             <a:endParaRPr/>
           </a:p>
           <a:p>
-            <a:pPr algn="ctr"/>
-            <a:endParaRPr/>
-          </a:p>
-          <a:p>
-            <a:pPr algn="ctr"/>
+            <a:pPr algn="ctr">
+              <a:lnSpc>
+                <a:spcPct val="100000"/>
+              </a:lnSpc>
+            </a:pPr>
+            <a:endParaRPr/>
+          </a:p>
+          <a:p>
+            <a:pPr algn="ctr">
+              <a:lnSpc>
+                <a:spcPct val="100000"/>
+              </a:lnSpc>
+            </a:pPr>
             <a:endParaRPr/>
           </a:p>
         </p:txBody>
@@ -3816,7 +5913,7 @@
     </p:spTree>
   </p:cSld>
   <p:transition spd="med">
-    <p:wipe dir="d"/>
+    <p:wipe dir="u"/>
   </p:transition>
   <p:timing>
     <p:tnLst>
@@ -3867,25 +5964,33 @@
       </p:grpSpPr>
       <p:sp>
         <p:nvSpPr>
-          <p:cNvPr id="52" name="TextShape 1"/>
-          <p:cNvSpPr txBox="1"/>
+          <p:cNvPr id="91" name="CustomShape 1"/>
+          <p:cNvSpPr/>
           <p:nvPr/>
         </p:nvSpPr>
         <p:spPr>
           <a:xfrm>
             <a:off x="1523880" y="1122480"/>
-            <a:ext cx="9143640" cy="677520"/>
-          </a:xfrm>
-          <a:prstGeom prst="rect">
-            <a:avLst/>
-          </a:prstGeom>
-        </p:spPr>
-        <p:txBody>
-          <a:bodyPr anchor="b"/>
-          <a:p>
-            <a:pPr algn="ctr"/>
-            <a:r>
-              <a:rPr lang="en-US" sz="2800">
+            <a:ext cx="9143280" cy="677160"/>
+          </a:xfrm>
+          <a:prstGeom prst="rect">
+            <a:avLst/>
+          </a:prstGeom>
+          <a:noFill/>
+          <a:ln>
+            <a:noFill/>
+          </a:ln>
+        </p:spPr>
+        <p:txBody>
+          <a:bodyPr lIns="90000" rIns="90000" tIns="45000" bIns="45000" anchor="b"/>
+          <a:p>
+            <a:pPr algn="ctr">
+              <a:lnSpc>
+                <a:spcPct val="100000"/>
+              </a:lnSpc>
+            </a:pPr>
+            <a:r>
+              <a:rPr lang="en-IN" sz="2800">
                 <a:latin typeface="Arial"/>
               </a:rPr>
               <a:t>Public Key Infrastructure</a:t>
@@ -3896,21 +6001,25 @@
       </p:sp>
       <p:sp>
         <p:nvSpPr>
-          <p:cNvPr id="53" name="TextShape 2"/>
-          <p:cNvSpPr txBox="1"/>
+          <p:cNvPr id="92" name="CustomShape 2"/>
+          <p:cNvSpPr/>
           <p:nvPr/>
         </p:nvSpPr>
         <p:spPr>
           <a:xfrm>
             <a:off x="864000" y="1800000"/>
-            <a:ext cx="9143640" cy="1655280"/>
-          </a:xfrm>
-          <a:prstGeom prst="rect">
-            <a:avLst/>
-          </a:prstGeom>
-        </p:spPr>
-        <p:txBody>
-          <a:bodyPr/>
+            <a:ext cx="9143280" cy="1654920"/>
+          </a:xfrm>
+          <a:prstGeom prst="rect">
+            <a:avLst/>
+          </a:prstGeom>
+          <a:noFill/>
+          <a:ln>
+            <a:noFill/>
+          </a:ln>
+        </p:spPr>
+        <p:txBody>
+          <a:bodyPr lIns="90000" rIns="90000" tIns="45000" bIns="45000"/>
           <a:p>
             <a:r>
               <a:rPr lang="en-IN" sz="2400">
@@ -3925,9 +6034,12 @@
           </a:p>
           <a:p>
             <a:pPr>
-              <a:buSzPct val="45000"/>
-              <a:buFont typeface="StarSymbol"/>
-              <a:buChar char=""/>
+              <a:lnSpc>
+                <a:spcPct val="100000"/>
+              </a:lnSpc>
+              <a:buSzPct val="45000"/>
+              <a:buFont typeface="StarSymbol"/>
+              <a:buChar char="l"/>
             </a:pPr>
             <a:r>
               <a:rPr lang="en-IN" sz="2400">
@@ -3939,9 +6051,12 @@
           </a:p>
           <a:p>
             <a:pPr>
-              <a:buSzPct val="45000"/>
-              <a:buFont typeface="StarSymbol"/>
-              <a:buChar char=""/>
+              <a:lnSpc>
+                <a:spcPct val="100000"/>
+              </a:lnSpc>
+              <a:buSzPct val="45000"/>
+              <a:buFont typeface="StarSymbol"/>
+              <a:buChar char="l"/>
             </a:pPr>
             <a:r>
               <a:rPr lang="en-IN" sz="2400">
@@ -3952,11 +6067,19 @@
             <a:endParaRPr/>
           </a:p>
           <a:p>
-            <a:pPr algn="ctr"/>
-            <a:endParaRPr/>
-          </a:p>
-          <a:p>
-            <a:pPr algn="ctr"/>
+            <a:pPr algn="ctr">
+              <a:lnSpc>
+                <a:spcPct val="100000"/>
+              </a:lnSpc>
+            </a:pPr>
+            <a:endParaRPr/>
+          </a:p>
+          <a:p>
+            <a:pPr algn="ctr">
+              <a:lnSpc>
+                <a:spcPct val="100000"/>
+              </a:lnSpc>
+            </a:pPr>
             <a:endParaRPr/>
           </a:p>
         </p:txBody>
@@ -3964,7 +6087,7 @@
     </p:spTree>
   </p:cSld>
   <p:transition spd="med">
-    <p:wipe dir="d"/>
+    <p:wipe dir="u"/>
   </p:transition>
   <p:timing>
     <p:tnLst>
@@ -4015,47 +6138,54 @@
       </p:grpSpPr>
       <p:sp>
         <p:nvSpPr>
-          <p:cNvPr id="54" name="TextShape 1"/>
-          <p:cNvSpPr txBox="1"/>
+          <p:cNvPr id="93" name="CustomShape 1"/>
+          <p:cNvSpPr/>
           <p:nvPr/>
         </p:nvSpPr>
         <p:spPr>
           <a:xfrm>
             <a:off x="609480" y="1604520"/>
-            <a:ext cx="10972440" cy="3977280"/>
-          </a:xfrm>
-          <a:prstGeom prst="rect">
-            <a:avLst/>
-          </a:prstGeom>
+            <a:ext cx="10972080" cy="3976920"/>
+          </a:xfrm>
+          <a:prstGeom prst="rect">
+            <a:avLst/>
+          </a:prstGeom>
+          <a:noFill/>
+          <a:ln>
+            <a:noFill/>
+          </a:ln>
         </p:spPr>
         <p:txBody>
           <a:bodyPr lIns="0" rIns="0" tIns="0" bIns="0"/>
           <a:p>
             <a:pPr>
-              <a:buSzPct val="45000"/>
-              <a:buFont typeface="StarSymbol"/>
-              <a:buChar char=""/>
-            </a:pPr>
-            <a:r>
-              <a:rPr lang="en-US" sz="2800">
+              <a:lnSpc>
+                <a:spcPct val="100000"/>
+              </a:lnSpc>
+              <a:buSzPct val="45000"/>
+              <a:buFont typeface="StarSymbol"/>
+              <a:buChar char="l"/>
+            </a:pPr>
+            <a:r>
+              <a:rPr lang="en-IN" sz="2800">
                 <a:latin typeface="Calibri"/>
               </a:rPr>
               <a:t>Public Key Infrastructure introduces two concepts.  The </a:t>
             </a:r>
             <a:r>
-              <a:rPr i="1" lang="en-US" sz="2800">
+              <a:rPr i="1" lang="en-IN" sz="2800">
                 <a:latin typeface="Calibri"/>
               </a:rPr>
               <a:t>Private Key</a:t>
             </a:r>
             <a:r>
-              <a:rPr lang="en-US" sz="2800">
+              <a:rPr lang="en-IN" sz="2800">
                 <a:latin typeface="Calibri"/>
               </a:rPr>
               <a:t> and the </a:t>
             </a:r>
             <a:r>
-              <a:rPr i="1" lang="en-US" sz="2800">
+              <a:rPr i="1" lang="en-IN" sz="2800">
                 <a:latin typeface="Calibri"/>
               </a:rPr>
               <a:t>Public Key. </a:t>
@@ -4064,20 +6194,23 @@
           </a:p>
           <a:p>
             <a:pPr>
-              <a:buSzPct val="45000"/>
-              <a:buFont typeface="StarSymbol"/>
-              <a:buChar char=""/>
+              <a:lnSpc>
+                <a:spcPct val="100000"/>
+              </a:lnSpc>
             </a:pPr>
             <a:endParaRPr/>
           </a:p>
           <a:p>
             <a:pPr>
-              <a:buSzPct val="45000"/>
-              <a:buFont typeface="StarSymbol"/>
-              <a:buChar char=""/>
-            </a:pPr>
-            <a:r>
-              <a:rPr lang="en-US" sz="2800">
+              <a:lnSpc>
+                <a:spcPct val="100000"/>
+              </a:lnSpc>
+              <a:buSzPct val="45000"/>
+              <a:buFont typeface="StarSymbol"/>
+              <a:buChar char="l"/>
+            </a:pPr>
+            <a:r>
+              <a:rPr lang="en-IN" sz="2800">
                 <a:latin typeface="Calibri"/>
               </a:rPr>
               <a:t>The private key is generated by an algorithm such as elliptic curves or RSA. </a:t>
@@ -4086,60 +6219,66 @@
           </a:p>
           <a:p>
             <a:pPr>
-              <a:buSzPct val="45000"/>
-              <a:buFont typeface="StarSymbol"/>
-              <a:buChar char=""/>
-            </a:pPr>
-            <a:r>
-              <a:rPr lang="en-US" sz="2800">
+              <a:lnSpc>
+                <a:spcPct val="100000"/>
+              </a:lnSpc>
+              <a:buSzPct val="45000"/>
+              <a:buFont typeface="StarSymbol"/>
+              <a:buChar char="l"/>
+            </a:pPr>
+            <a:r>
+              <a:rPr lang="en-IN" sz="2800">
                 <a:latin typeface="Calibri"/>
               </a:rPr>
-              <a:t>The private key uses a pseudo random number generator to </a:t>
-            </a:r>
-            <a:r>
-              <a:rPr lang="en-US" sz="2800">
+              <a:t>The private key uses a pseudo random number generator to start the creation process. </a:t>
+            </a:r>
+            <a:endParaRPr/>
+          </a:p>
+          <a:p>
+            <a:pPr>
+              <a:lnSpc>
+                <a:spcPct val="100000"/>
+              </a:lnSpc>
+              <a:buSzPct val="45000"/>
+              <a:buFont typeface="StarSymbol"/>
+              <a:buChar char="l"/>
+            </a:pPr>
+            <a:r>
+              <a:rPr lang="en-IN" sz="2800">
                 <a:latin typeface="Calibri"/>
               </a:rPr>
-              <a:t>start the creation process. </a:t>
+              <a:t>The public key is generated from the private key.</a:t>
             </a:r>
             <a:endParaRPr/>
           </a:p>
           <a:p>
             <a:pPr>
-              <a:buSzPct val="45000"/>
-              <a:buFont typeface="StarSymbol"/>
-              <a:buChar char=""/>
-            </a:pPr>
-            <a:r>
-              <a:rPr lang="en-US" sz="2800">
+              <a:lnSpc>
+                <a:spcPct val="100000"/>
+              </a:lnSpc>
+              <a:buSzPct val="45000"/>
+              <a:buFont typeface="StarSymbol"/>
+              <a:buChar char="l"/>
+            </a:pPr>
+            <a:r>
+              <a:rPr lang="en-IN" sz="2800">
                 <a:latin typeface="Calibri"/>
               </a:rPr>
-              <a:t>The public key is generated from the private key.</a:t>
+              <a:t>The public key is made available to anyone that wants it. </a:t>
             </a:r>
             <a:endParaRPr/>
           </a:p>
           <a:p>
             <a:pPr>
-              <a:buSzPct val="45000"/>
-              <a:buFont typeface="StarSymbol"/>
-              <a:buChar char=""/>
-            </a:pPr>
-            <a:r>
-              <a:rPr lang="en-US" sz="2800">
-                <a:latin typeface="Calibri"/>
-              </a:rPr>
-              <a:t>The public key is made available to anyone that wants it. </a:t>
-            </a:r>
-            <a:endParaRPr/>
-          </a:p>
-          <a:p>
-            <a:pPr>
-              <a:buSzPct val="45000"/>
-              <a:buFont typeface="StarSymbol"/>
-              <a:buChar char=""/>
-            </a:pPr>
-            <a:r>
-              <a:rPr lang="en-US" sz="2800">
+              <a:lnSpc>
+                <a:spcPct val="100000"/>
+              </a:lnSpc>
+              <a:buSzPct val="45000"/>
+              <a:buFont typeface="StarSymbol"/>
+              <a:buChar char="l"/>
+            </a:pPr>
+            <a:r>
+              <a:rPr lang="en-IN" sz="2800">
                 <a:latin typeface="Calibri"/>
               </a:rPr>
               <a:t>The sender encrypts the message with the receivers public key.  The recipient decrypts it with his own private key. </a:t>
@@ -4151,7 +6290,7 @@
     </p:spTree>
   </p:cSld>
   <p:transition spd="med">
-    <p:wipe dir="d"/>
+    <p:wipe dir="u"/>
   </p:transition>
   <p:timing>
     <p:tnLst>
@@ -4202,25 +6341,33 @@
       </p:grpSpPr>
       <p:sp>
         <p:nvSpPr>
-          <p:cNvPr id="55" name="TextShape 1"/>
-          <p:cNvSpPr txBox="1"/>
+          <p:cNvPr id="94" name="CustomShape 1"/>
+          <p:cNvSpPr/>
           <p:nvPr/>
         </p:nvSpPr>
         <p:spPr>
           <a:xfrm>
             <a:off x="1523880" y="1122480"/>
-            <a:ext cx="9143640" cy="677520"/>
-          </a:xfrm>
-          <a:prstGeom prst="rect">
-            <a:avLst/>
-          </a:prstGeom>
-        </p:spPr>
-        <p:txBody>
-          <a:bodyPr anchor="b"/>
-          <a:p>
-            <a:pPr algn="ctr"/>
-            <a:r>
-              <a:rPr lang="en-US" sz="2800">
+            <a:ext cx="9143280" cy="677160"/>
+          </a:xfrm>
+          <a:prstGeom prst="rect">
+            <a:avLst/>
+          </a:prstGeom>
+          <a:noFill/>
+          <a:ln>
+            <a:noFill/>
+          </a:ln>
+        </p:spPr>
+        <p:txBody>
+          <a:bodyPr lIns="90000" rIns="90000" tIns="45000" bIns="45000" anchor="b"/>
+          <a:p>
+            <a:pPr algn="ctr">
+              <a:lnSpc>
+                <a:spcPct val="100000"/>
+              </a:lnSpc>
+            </a:pPr>
+            <a:r>
+              <a:rPr lang="en-IN" sz="2800">
                 <a:latin typeface="Arial"/>
               </a:rPr>
               <a:t>Digital Signatures</a:t>
@@ -4231,21 +6378,25 @@
       </p:sp>
       <p:sp>
         <p:nvSpPr>
-          <p:cNvPr id="56" name="TextShape 2"/>
-          <p:cNvSpPr txBox="1"/>
+          <p:cNvPr id="95" name="CustomShape 2"/>
+          <p:cNvSpPr/>
           <p:nvPr/>
         </p:nvSpPr>
         <p:spPr>
           <a:xfrm>
             <a:off x="864000" y="1800000"/>
-            <a:ext cx="9143640" cy="1655280"/>
-          </a:xfrm>
-          <a:prstGeom prst="rect">
-            <a:avLst/>
-          </a:prstGeom>
-        </p:spPr>
-        <p:txBody>
-          <a:bodyPr/>
+            <a:ext cx="9143280" cy="1654920"/>
+          </a:xfrm>
+          <a:prstGeom prst="rect">
+            <a:avLst/>
+          </a:prstGeom>
+          <a:noFill/>
+          <a:ln>
+            <a:noFill/>
+          </a:ln>
+        </p:spPr>
+        <p:txBody>
+          <a:bodyPr lIns="90000" rIns="90000" tIns="45000" bIns="45000"/>
           <a:p>
             <a:r>
               <a:rPr lang="en-IN" sz="2400">
@@ -4260,9 +6411,12 @@
           </a:p>
           <a:p>
             <a:pPr>
-              <a:buSzPct val="45000"/>
-              <a:buFont typeface="StarSymbol"/>
-              <a:buChar char=""/>
+              <a:lnSpc>
+                <a:spcPct val="100000"/>
+              </a:lnSpc>
+              <a:buSzPct val="45000"/>
+              <a:buFont typeface="StarSymbol"/>
+              <a:buChar char="l"/>
             </a:pPr>
             <a:r>
               <a:rPr lang="en-IN" sz="2400">
@@ -4274,9 +6428,12 @@
           </a:p>
           <a:p>
             <a:pPr>
-              <a:buSzPct val="45000"/>
-              <a:buFont typeface="StarSymbol"/>
-              <a:buChar char=""/>
+              <a:lnSpc>
+                <a:spcPct val="100000"/>
+              </a:lnSpc>
+              <a:buSzPct val="45000"/>
+              <a:buFont typeface="StarSymbol"/>
+              <a:buChar char="l"/>
             </a:pPr>
             <a:r>
               <a:rPr lang="en-IN" sz="2400">
@@ -4288,9 +6445,12 @@
           </a:p>
           <a:p>
             <a:pPr>
-              <a:buSzPct val="45000"/>
-              <a:buFont typeface="StarSymbol"/>
-              <a:buChar char=""/>
+              <a:lnSpc>
+                <a:spcPct val="100000"/>
+              </a:lnSpc>
+              <a:buSzPct val="45000"/>
+              <a:buFont typeface="StarSymbol"/>
+              <a:buChar char="l"/>
             </a:pPr>
             <a:r>
               <a:rPr lang="en-IN" sz="2400">
@@ -4302,9 +6462,12 @@
           </a:p>
           <a:p>
             <a:pPr>
-              <a:buSzPct val="45000"/>
-              <a:buFont typeface="StarSymbol"/>
-              <a:buChar char=""/>
+              <a:lnSpc>
+                <a:spcPct val="100000"/>
+              </a:lnSpc>
+              <a:buSzPct val="45000"/>
+              <a:buFont typeface="StarSymbol"/>
+              <a:buChar char="l"/>
             </a:pPr>
             <a:r>
               <a:rPr lang="en-IN" sz="2400">
@@ -4315,11 +6478,19 @@
             <a:endParaRPr/>
           </a:p>
           <a:p>
-            <a:pPr algn="ctr"/>
-            <a:endParaRPr/>
-          </a:p>
-          <a:p>
-            <a:pPr algn="ctr"/>
+            <a:pPr algn="ctr">
+              <a:lnSpc>
+                <a:spcPct val="100000"/>
+              </a:lnSpc>
+            </a:pPr>
+            <a:endParaRPr/>
+          </a:p>
+          <a:p>
+            <a:pPr algn="ctr">
+              <a:lnSpc>
+                <a:spcPct val="100000"/>
+              </a:lnSpc>
+            </a:pPr>
             <a:endParaRPr/>
           </a:p>
         </p:txBody>
@@ -4327,7 +6498,7 @@
     </p:spTree>
   </p:cSld>
   <p:transition spd="med">
-    <p:wipe dir="d"/>
+    <p:wipe dir="u"/>
   </p:transition>
   <p:timing>
     <p:tnLst>
@@ -4378,25 +6549,33 @@
       </p:grpSpPr>
       <p:sp>
         <p:nvSpPr>
-          <p:cNvPr id="57" name="TextShape 1"/>
-          <p:cNvSpPr txBox="1"/>
+          <p:cNvPr id="96" name="CustomShape 1"/>
+          <p:cNvSpPr/>
           <p:nvPr/>
         </p:nvSpPr>
         <p:spPr>
           <a:xfrm>
             <a:off x="1523880" y="1122480"/>
-            <a:ext cx="9143640" cy="677520"/>
-          </a:xfrm>
-          <a:prstGeom prst="rect">
-            <a:avLst/>
-          </a:prstGeom>
-        </p:spPr>
-        <p:txBody>
-          <a:bodyPr anchor="b"/>
-          <a:p>
-            <a:pPr algn="ctr"/>
-            <a:r>
-              <a:rPr lang="en-US" sz="2800">
+            <a:ext cx="9143280" cy="677160"/>
+          </a:xfrm>
+          <a:prstGeom prst="rect">
+            <a:avLst/>
+          </a:prstGeom>
+          <a:noFill/>
+          <a:ln>
+            <a:noFill/>
+          </a:ln>
+        </p:spPr>
+        <p:txBody>
+          <a:bodyPr lIns="90000" rIns="90000" tIns="45000" bIns="45000" anchor="b"/>
+          <a:p>
+            <a:pPr algn="ctr">
+              <a:lnSpc>
+                <a:spcPct val="100000"/>
+              </a:lnSpc>
+            </a:pPr>
+            <a:r>
+              <a:rPr lang="en-IN" sz="2800">
                 <a:latin typeface="Arial"/>
               </a:rPr>
               <a:t>Elliptic Curves</a:t>
@@ -4407,21 +6586,25 @@
       </p:sp>
       <p:sp>
         <p:nvSpPr>
-          <p:cNvPr id="58" name="TextShape 2"/>
-          <p:cNvSpPr txBox="1"/>
+          <p:cNvPr id="97" name="CustomShape 2"/>
+          <p:cNvSpPr/>
           <p:nvPr/>
         </p:nvSpPr>
         <p:spPr>
           <a:xfrm>
             <a:off x="936000" y="1800000"/>
-            <a:ext cx="9143640" cy="3168000"/>
-          </a:xfrm>
-          <a:prstGeom prst="rect">
-            <a:avLst/>
-          </a:prstGeom>
-        </p:spPr>
-        <p:txBody>
-          <a:bodyPr/>
+            <a:ext cx="9143280" cy="3167640"/>
+          </a:xfrm>
+          <a:prstGeom prst="rect">
+            <a:avLst/>
+          </a:prstGeom>
+          <a:noFill/>
+          <a:ln>
+            <a:noFill/>
+          </a:ln>
+        </p:spPr>
+        <p:txBody>
+          <a:bodyPr lIns="90000" rIns="90000" tIns="45000" bIns="45000"/>
           <a:p>
             <a:r>
               <a:rPr lang="en-IN" sz="2400">
@@ -4436,9 +6619,12 @@
           </a:p>
           <a:p>
             <a:pPr>
-              <a:buSzPct val="45000"/>
-              <a:buFont typeface="StarSymbol"/>
-              <a:buChar char=""/>
+              <a:lnSpc>
+                <a:spcPct val="100000"/>
+              </a:lnSpc>
+              <a:buSzPct val="45000"/>
+              <a:buFont typeface="StarSymbol"/>
+              <a:buChar char="l"/>
             </a:pPr>
             <a:r>
               <a:rPr lang="en-IN" sz="2400">
@@ -4450,9 +6636,12 @@
           </a:p>
           <a:p>
             <a:pPr>
-              <a:buSzPct val="45000"/>
-              <a:buFont typeface="StarSymbol"/>
-              <a:buChar char=""/>
+              <a:lnSpc>
+                <a:spcPct val="100000"/>
+              </a:lnSpc>
+              <a:buSzPct val="45000"/>
+              <a:buFont typeface="StarSymbol"/>
+              <a:buChar char="l"/>
             </a:pPr>
             <a:r>
               <a:rPr lang="en-IN" sz="2400">
@@ -4470,9 +6659,12 @@
           </a:p>
           <a:p>
             <a:pPr>
-              <a:buSzPct val="45000"/>
-              <a:buFont typeface="StarSymbol"/>
-              <a:buChar char=""/>
+              <a:lnSpc>
+                <a:spcPct val="100000"/>
+              </a:lnSpc>
+              <a:buSzPct val="45000"/>
+              <a:buFont typeface="StarSymbol"/>
+              <a:buChar char="l"/>
             </a:pPr>
             <a:r>
               <a:rPr lang="en-IN" sz="2400">
@@ -4490,9 +6682,12 @@
           </a:p>
           <a:p>
             <a:pPr>
-              <a:buSzPct val="45000"/>
-              <a:buFont typeface="StarSymbol"/>
-              <a:buChar char=""/>
+              <a:lnSpc>
+                <a:spcPct val="100000"/>
+              </a:lnSpc>
+              <a:buSzPct val="45000"/>
+              <a:buFont typeface="StarSymbol"/>
+              <a:buChar char="l"/>
             </a:pPr>
             <a:r>
               <a:rPr lang="en-IN" sz="2400">
@@ -4504,9 +6699,12 @@
           </a:p>
           <a:p>
             <a:pPr>
-              <a:buSzPct val="45000"/>
-              <a:buFont typeface="StarSymbol"/>
-              <a:buChar char=""/>
+              <a:lnSpc>
+                <a:spcPct val="100000"/>
+              </a:lnSpc>
+              <a:buSzPct val="45000"/>
+              <a:buFont typeface="StarSymbol"/>
+              <a:buChar char="l"/>
             </a:pPr>
             <a:r>
               <a:rPr lang="en-IN" sz="2400">
@@ -4517,11 +6715,19 @@
             <a:endParaRPr/>
           </a:p>
           <a:p>
-            <a:pPr algn="ctr"/>
-            <a:endParaRPr/>
-          </a:p>
-          <a:p>
-            <a:pPr algn="ctr"/>
+            <a:pPr algn="ctr">
+              <a:lnSpc>
+                <a:spcPct val="100000"/>
+              </a:lnSpc>
+            </a:pPr>
+            <a:endParaRPr/>
+          </a:p>
+          <a:p>
+            <a:pPr algn="ctr">
+              <a:lnSpc>
+                <a:spcPct val="100000"/>
+              </a:lnSpc>
+            </a:pPr>
             <a:endParaRPr/>
           </a:p>
         </p:txBody>
@@ -4529,7 +6735,7 @@
     </p:spTree>
   </p:cSld>
   <p:transition spd="med">
-    <p:wipe dir="d"/>
+    <p:wipe dir="u"/>
   </p:transition>
   <p:timing>
     <p:tnLst>
@@ -4580,25 +6786,33 @@
       </p:grpSpPr>
       <p:sp>
         <p:nvSpPr>
-          <p:cNvPr id="59" name="TextShape 1"/>
-          <p:cNvSpPr txBox="1"/>
+          <p:cNvPr id="98" name="CustomShape 1"/>
+          <p:cNvSpPr/>
           <p:nvPr/>
         </p:nvSpPr>
         <p:spPr>
           <a:xfrm>
             <a:off x="1523880" y="1122480"/>
-            <a:ext cx="9143640" cy="677520"/>
-          </a:xfrm>
-          <a:prstGeom prst="rect">
-            <a:avLst/>
-          </a:prstGeom>
-        </p:spPr>
-        <p:txBody>
-          <a:bodyPr anchor="b"/>
-          <a:p>
-            <a:pPr algn="ctr"/>
-            <a:r>
-              <a:rPr lang="en-US" sz="2800">
+            <a:ext cx="9143280" cy="677160"/>
+          </a:xfrm>
+          <a:prstGeom prst="rect">
+            <a:avLst/>
+          </a:prstGeom>
+          <a:noFill/>
+          <a:ln>
+            <a:noFill/>
+          </a:ln>
+        </p:spPr>
+        <p:txBody>
+          <a:bodyPr lIns="90000" rIns="90000" tIns="45000" bIns="45000" anchor="b"/>
+          <a:p>
+            <a:pPr algn="ctr">
+              <a:lnSpc>
+                <a:spcPct val="100000"/>
+              </a:lnSpc>
+            </a:pPr>
+            <a:r>
+              <a:rPr lang="en-IN" sz="2800">
                 <a:latin typeface="Arial"/>
               </a:rPr>
               <a:t>Elliptic Curves</a:t>
@@ -4609,21 +6823,25 @@
       </p:sp>
       <p:sp>
         <p:nvSpPr>
-          <p:cNvPr id="60" name="TextShape 2"/>
-          <p:cNvSpPr txBox="1"/>
+          <p:cNvPr id="99" name="CustomShape 2"/>
+          <p:cNvSpPr/>
           <p:nvPr/>
         </p:nvSpPr>
         <p:spPr>
           <a:xfrm>
             <a:off x="792000" y="1872000"/>
-            <a:ext cx="9143640" cy="3168000"/>
-          </a:xfrm>
-          <a:prstGeom prst="rect">
-            <a:avLst/>
-          </a:prstGeom>
-        </p:spPr>
-        <p:txBody>
-          <a:bodyPr/>
+            <a:ext cx="9143280" cy="3167640"/>
+          </a:xfrm>
+          <a:prstGeom prst="rect">
+            <a:avLst/>
+          </a:prstGeom>
+          <a:noFill/>
+          <a:ln>
+            <a:noFill/>
+          </a:ln>
+        </p:spPr>
+        <p:txBody>
+          <a:bodyPr lIns="90000" rIns="90000" tIns="45000" bIns="45000"/>
           <a:p>
             <a:r>
               <a:rPr lang="en-IN" sz="2400">
@@ -4638,9 +6856,12 @@
           </a:p>
           <a:p>
             <a:pPr>
-              <a:buSzPct val="45000"/>
-              <a:buFont typeface="StarSymbol"/>
-              <a:buChar char=""/>
+              <a:lnSpc>
+                <a:spcPct val="100000"/>
+              </a:lnSpc>
+              <a:buSzPct val="45000"/>
+              <a:buFont typeface="StarSymbol"/>
+              <a:buChar char="l"/>
             </a:pPr>
             <a:r>
               <a:rPr lang="en-IN" sz="2400">
@@ -4652,9 +6873,12 @@
           </a:p>
           <a:p>
             <a:pPr>
-              <a:buSzPct val="45000"/>
-              <a:buFont typeface="StarSymbol"/>
-              <a:buChar char=""/>
+              <a:lnSpc>
+                <a:spcPct val="100000"/>
+              </a:lnSpc>
+              <a:buSzPct val="45000"/>
+              <a:buFont typeface="StarSymbol"/>
+              <a:buChar char="l"/>
             </a:pPr>
             <a:r>
               <a:rPr lang="en-IN" sz="2400">
@@ -4666,9 +6890,12 @@
           </a:p>
           <a:p>
             <a:pPr>
-              <a:buSzPct val="45000"/>
-              <a:buFont typeface="StarSymbol"/>
-              <a:buChar char=""/>
+              <a:lnSpc>
+                <a:spcPct val="100000"/>
+              </a:lnSpc>
+              <a:buSzPct val="45000"/>
+              <a:buFont typeface="StarSymbol"/>
+              <a:buChar char="l"/>
             </a:pPr>
             <a:r>
               <a:rPr lang="en-IN" sz="2400">
@@ -4679,11 +6906,19 @@
             <a:endParaRPr/>
           </a:p>
           <a:p>
-            <a:pPr algn="ctr"/>
-            <a:endParaRPr/>
-          </a:p>
-          <a:p>
-            <a:pPr algn="ctr"/>
+            <a:pPr algn="ctr">
+              <a:lnSpc>
+                <a:spcPct val="100000"/>
+              </a:lnSpc>
+            </a:pPr>
+            <a:endParaRPr/>
+          </a:p>
+          <a:p>
+            <a:pPr algn="ctr">
+              <a:lnSpc>
+                <a:spcPct val="100000"/>
+              </a:lnSpc>
+            </a:pPr>
             <a:endParaRPr/>
           </a:p>
         </p:txBody>
@@ -4691,7 +6926,7 @@
     </p:spTree>
   </p:cSld>
   <p:transition spd="med">
-    <p:wipe dir="d"/>
+    <p:wipe dir="u"/>
   </p:transition>
   <p:timing>
     <p:tnLst>
@@ -4944,4 +7179,227 @@
     </a:fmtScheme>
   </a:themeElements>
 </a:theme>
+</file>
+
+<file path=ppt/theme/theme2.xml><?xml version="1.0" encoding="utf-8"?>
+<a:theme xmlns:a="http://schemas.openxmlformats.org/drawingml/2006/main" name="Office Theme">
+  <a:themeElements>
+    <a:clrScheme name="Office">
+      <a:dk1>
+        <a:sysClr val="windowText" lastClr="000000"/>
+      </a:dk1>
+      <a:lt1>
+        <a:sysClr val="window" lastClr="FFFFFF"/>
+      </a:lt1>
+      <a:dk2>
+        <a:srgbClr val="1F497D"/>
+      </a:dk2>
+      <a:lt2>
+        <a:srgbClr val="EEECE1"/>
+      </a:lt2>
+      <a:accent1>
+        <a:srgbClr val="4F81BD"/>
+      </a:accent1>
+      <a:accent2>
+        <a:srgbClr val="C0504D"/>
+      </a:accent2>
+      <a:accent3>
+        <a:srgbClr val="9BBB59"/>
+      </a:accent3>
+      <a:accent4>
+        <a:srgbClr val="8064A2"/>
+      </a:accent4>
+      <a:accent5>
+        <a:srgbClr val="4BACC6"/>
+      </a:accent5>
+      <a:accent6>
+        <a:srgbClr val="F79646"/>
+      </a:accent6>
+      <a:hlink>
+        <a:srgbClr val="0000FF"/>
+      </a:hlink>
+      <a:folHlink>
+        <a:srgbClr val="800080"/>
+      </a:folHlink>
+    </a:clrScheme>
+    <a:fontScheme name="Office">
+      <a:majorFont>
+        <a:latin typeface="Arial"/>
+        <a:ea typeface="DejaVu Sans"/>
+        <a:cs typeface="DejaVu Sans"/>
+      </a:majorFont>
+      <a:minorFont>
+        <a:latin typeface="Arial"/>
+        <a:ea typeface="DejaVu Sans"/>
+        <a:cs typeface="DejaVu Sans"/>
+      </a:minorFont>
+    </a:fontScheme>
+    <a:fmtScheme name="Office">
+      <a:fillStyleLst>
+        <a:solidFill>
+          <a:schemeClr val="phClr"/>
+        </a:solidFill>
+        <a:gradFill rotWithShape="1">
+          <a:gsLst>
+            <a:gs pos="0">
+              <a:schemeClr val="phClr">
+                <a:tint val="50000"/>
+                <a:satMod val="300000"/>
+              </a:schemeClr>
+            </a:gs>
+            <a:gs pos="35000">
+              <a:schemeClr val="phClr">
+                <a:tint val="37000"/>
+                <a:satMod val="300000"/>
+              </a:schemeClr>
+            </a:gs>
+            <a:gs pos="100000">
+              <a:schemeClr val="phClr">
+                <a:tint val="15000"/>
+                <a:satMod val="350000"/>
+              </a:schemeClr>
+            </a:gs>
+          </a:gsLst>
+          <a:lin ang="16200000" scaled="1"/>
+        </a:gradFill>
+        <a:gradFill rotWithShape="1">
+          <a:gsLst>
+            <a:gs pos="0">
+              <a:schemeClr val="phClr">
+                <a:shade val="51000"/>
+                <a:satMod val="130000"/>
+              </a:schemeClr>
+            </a:gs>
+            <a:gs pos="80000">
+              <a:schemeClr val="phClr">
+                <a:shade val="93000"/>
+                <a:satMod val="130000"/>
+              </a:schemeClr>
+            </a:gs>
+            <a:gs pos="100000">
+              <a:schemeClr val="phClr">
+                <a:shade val="94000"/>
+                <a:satMod val="135000"/>
+              </a:schemeClr>
+            </a:gs>
+          </a:gsLst>
+          <a:lin ang="16200000" scaled="0"/>
+        </a:gradFill>
+      </a:fillStyleLst>
+      <a:lnStyleLst>
+        <a:ln w="9525" cap="flat" cmpd="sng" algn="ctr">
+          <a:solidFill>
+            <a:schemeClr val="phClr">
+              <a:shade val="95000"/>
+              <a:satMod val="105000"/>
+            </a:schemeClr>
+          </a:solidFill>
+          <a:prstDash val="solid"/>
+        </a:ln>
+        <a:ln w="25400" cap="flat" cmpd="sng" algn="ctr">
+          <a:solidFill>
+            <a:schemeClr val="phClr"/>
+          </a:solidFill>
+          <a:prstDash val="solid"/>
+        </a:ln>
+        <a:ln w="38100" cap="flat" cmpd="sng" algn="ctr">
+          <a:solidFill>
+            <a:schemeClr val="phClr"/>
+          </a:solidFill>
+          <a:prstDash val="solid"/>
+        </a:ln>
+      </a:lnStyleLst>
+      <a:effectStyleLst>
+        <a:effectStyle>
+          <a:effectLst>
+            <a:outerShdw blurRad="40000" dist="20000" dir="5400000" rotWithShape="0">
+              <a:srgbClr val="000000">
+                <a:alpha val="38000"/>
+              </a:srgbClr>
+            </a:outerShdw>
+          </a:effectLst>
+        </a:effectStyle>
+        <a:effectStyle>
+          <a:effectLst>
+            <a:outerShdw blurRad="40000" dist="23000" dir="5400000" rotWithShape="0">
+              <a:srgbClr val="000000">
+                <a:alpha val="35000"/>
+              </a:srgbClr>
+            </a:outerShdw>
+          </a:effectLst>
+        </a:effectStyle>
+        <a:effectStyle>
+          <a:effectLst>
+            <a:outerShdw blurRad="40000" dist="23000" dir="5400000" rotWithShape="0">
+              <a:srgbClr val="000000">
+                <a:alpha val="35000"/>
+              </a:srgbClr>
+            </a:outerShdw>
+          </a:effectLst>
+          <a:scene3d>
+            <a:camera prst="orthographicFront">
+              <a:rot lat="0" lon="0" rev="0"/>
+            </a:camera>
+            <a:lightRig rig="threePt" dir="t">
+              <a:rot lat="0" lon="0" rev="1200000"/>
+            </a:lightRig>
+          </a:scene3d>
+          <a:sp3d>
+            <a:bevelT w="63500" h="25400"/>
+          </a:sp3d>
+        </a:effectStyle>
+      </a:effectStyleLst>
+      <a:bgFillStyleLst>
+        <a:solidFill>
+          <a:schemeClr val="phClr"/>
+        </a:solidFill>
+        <a:gradFill rotWithShape="1">
+          <a:gsLst>
+            <a:gs pos="0">
+              <a:schemeClr val="phClr">
+                <a:tint val="40000"/>
+                <a:satMod val="350000"/>
+              </a:schemeClr>
+            </a:gs>
+            <a:gs pos="40000">
+              <a:schemeClr val="phClr">
+                <a:tint val="45000"/>
+                <a:shade val="99000"/>
+                <a:satMod val="350000"/>
+              </a:schemeClr>
+            </a:gs>
+            <a:gs pos="100000">
+              <a:schemeClr val="phClr">
+                <a:shade val="20000"/>
+                <a:satMod val="255000"/>
+              </a:schemeClr>
+            </a:gs>
+          </a:gsLst>
+          <a:path path="circle">
+            <a:fillToRect l="50000" t="-80000" r="50000" b="180000"/>
+          </a:path>
+        </a:gradFill>
+        <a:gradFill rotWithShape="1">
+          <a:gsLst>
+            <a:gs pos="0">
+              <a:schemeClr val="phClr">
+                <a:tint val="80000"/>
+                <a:satMod val="300000"/>
+              </a:schemeClr>
+            </a:gs>
+            <a:gs pos="100000">
+              <a:schemeClr val="phClr">
+                <a:shade val="30000"/>
+                <a:satMod val="200000"/>
+              </a:schemeClr>
+            </a:gs>
+          </a:gsLst>
+          <a:path path="circle">
+            <a:fillToRect l="50000" t="50000" r="50000" b="50000"/>
+          </a:path>
+        </a:gradFill>
+      </a:bgFillStyleLst>
+    </a:fmtScheme>
+  </a:themeElements>
+</a:theme>
 </file>